--- a/コーディング講座 最終回.pptx
+++ b/コーディング講座 最終回.pptx
@@ -871,7 +871,7 @@
           <a:p>
             <a:fld id="{758B9292-117B-40DE-9116-9B57CD567806}" type="datetimeFigureOut">
               <a:rPr kumimoji="1" lang="ja-JP" altLang="en-US" smtClean="0"/>
-              <a:t>2019/6/16</a:t>
+              <a:t>2019/6/25</a:t>
             </a:fld>
             <a:endParaRPr kumimoji="1" lang="ja-JP" altLang="en-US"/>
           </a:p>
@@ -1122,7 +1122,7 @@
           <a:p>
             <a:fld id="{758B9292-117B-40DE-9116-9B57CD567806}" type="datetimeFigureOut">
               <a:rPr kumimoji="1" lang="ja-JP" altLang="en-US" smtClean="0"/>
-              <a:t>2019/6/16</a:t>
+              <a:t>2019/6/25</a:t>
             </a:fld>
             <a:endParaRPr kumimoji="1" lang="ja-JP" altLang="en-US"/>
           </a:p>
@@ -1436,7 +1436,7 @@
           <a:p>
             <a:fld id="{758B9292-117B-40DE-9116-9B57CD567806}" type="datetimeFigureOut">
               <a:rPr kumimoji="1" lang="ja-JP" altLang="en-US" smtClean="0"/>
-              <a:t>2019/6/16</a:t>
+              <a:t>2019/6/25</a:t>
             </a:fld>
             <a:endParaRPr kumimoji="1" lang="ja-JP" altLang="en-US"/>
           </a:p>
@@ -1769,7 +1769,7 @@
           <a:p>
             <a:fld id="{758B9292-117B-40DE-9116-9B57CD567806}" type="datetimeFigureOut">
               <a:rPr kumimoji="1" lang="ja-JP" altLang="en-US" smtClean="0"/>
-              <a:t>2019/6/16</a:t>
+              <a:t>2019/6/25</a:t>
             </a:fld>
             <a:endParaRPr kumimoji="1" lang="ja-JP" altLang="en-US"/>
           </a:p>
@@ -2083,7 +2083,7 @@
           <a:p>
             <a:fld id="{758B9292-117B-40DE-9116-9B57CD567806}" type="datetimeFigureOut">
               <a:rPr kumimoji="1" lang="ja-JP" altLang="en-US" smtClean="0"/>
-              <a:t>2019/6/16</a:t>
+              <a:t>2019/6/25</a:t>
             </a:fld>
             <a:endParaRPr kumimoji="1" lang="ja-JP" altLang="en-US"/>
           </a:p>
@@ -2476,7 +2476,7 @@
           <a:p>
             <a:fld id="{758B9292-117B-40DE-9116-9B57CD567806}" type="datetimeFigureOut">
               <a:rPr kumimoji="1" lang="ja-JP" altLang="en-US" smtClean="0"/>
-              <a:t>2019/6/16</a:t>
+              <a:t>2019/6/25</a:t>
             </a:fld>
             <a:endParaRPr kumimoji="1" lang="ja-JP" altLang="en-US"/>
           </a:p>
@@ -2678,7 +2678,7 @@
           <a:p>
             <a:fld id="{758B9292-117B-40DE-9116-9B57CD567806}" type="datetimeFigureOut">
               <a:rPr kumimoji="1" lang="ja-JP" altLang="en-US" smtClean="0"/>
-              <a:t>2019/6/16</a:t>
+              <a:t>2019/6/25</a:t>
             </a:fld>
             <a:endParaRPr kumimoji="1" lang="ja-JP" altLang="en-US"/>
           </a:p>
@@ -2890,7 +2890,7 @@
           <a:p>
             <a:fld id="{758B9292-117B-40DE-9116-9B57CD567806}" type="datetimeFigureOut">
               <a:rPr kumimoji="1" lang="ja-JP" altLang="en-US" smtClean="0"/>
-              <a:t>2019/6/16</a:t>
+              <a:t>2019/6/25</a:t>
             </a:fld>
             <a:endParaRPr kumimoji="1" lang="ja-JP" altLang="en-US"/>
           </a:p>
@@ -3092,7 +3092,7 @@
           <a:p>
             <a:fld id="{758B9292-117B-40DE-9116-9B57CD567806}" type="datetimeFigureOut">
               <a:rPr kumimoji="1" lang="ja-JP" altLang="en-US" smtClean="0"/>
-              <a:t>2019/6/16</a:t>
+              <a:t>2019/6/25</a:t>
             </a:fld>
             <a:endParaRPr kumimoji="1" lang="ja-JP" altLang="en-US"/>
           </a:p>
@@ -3339,7 +3339,7 @@
           <a:p>
             <a:fld id="{758B9292-117B-40DE-9116-9B57CD567806}" type="datetimeFigureOut">
               <a:rPr kumimoji="1" lang="ja-JP" altLang="en-US" smtClean="0"/>
-              <a:t>2019/6/16</a:t>
+              <a:t>2019/6/25</a:t>
             </a:fld>
             <a:endParaRPr kumimoji="1" lang="ja-JP" altLang="en-US"/>
           </a:p>
@@ -3635,7 +3635,7 @@
           <a:p>
             <a:fld id="{758B9292-117B-40DE-9116-9B57CD567806}" type="datetimeFigureOut">
               <a:rPr kumimoji="1" lang="ja-JP" altLang="en-US" smtClean="0"/>
-              <a:t>2019/6/16</a:t>
+              <a:t>2019/6/25</a:t>
             </a:fld>
             <a:endParaRPr kumimoji="1" lang="ja-JP" altLang="en-US"/>
           </a:p>
@@ -4073,7 +4073,7 @@
           <a:p>
             <a:fld id="{758B9292-117B-40DE-9116-9B57CD567806}" type="datetimeFigureOut">
               <a:rPr kumimoji="1" lang="ja-JP" altLang="en-US" smtClean="0"/>
-              <a:t>2019/6/16</a:t>
+              <a:t>2019/6/25</a:t>
             </a:fld>
             <a:endParaRPr kumimoji="1" lang="ja-JP" altLang="en-US"/>
           </a:p>
@@ -4196,7 +4196,7 @@
           <a:p>
             <a:fld id="{758B9292-117B-40DE-9116-9B57CD567806}" type="datetimeFigureOut">
               <a:rPr kumimoji="1" lang="ja-JP" altLang="en-US" smtClean="0"/>
-              <a:t>2019/6/16</a:t>
+              <a:t>2019/6/25</a:t>
             </a:fld>
             <a:endParaRPr kumimoji="1" lang="ja-JP" altLang="en-US"/>
           </a:p>
@@ -4291,7 +4291,7 @@
           <a:p>
             <a:fld id="{758B9292-117B-40DE-9116-9B57CD567806}" type="datetimeFigureOut">
               <a:rPr kumimoji="1" lang="ja-JP" altLang="en-US" smtClean="0"/>
-              <a:t>2019/6/16</a:t>
+              <a:t>2019/6/25</a:t>
             </a:fld>
             <a:endParaRPr kumimoji="1" lang="ja-JP" altLang="en-US"/>
           </a:p>
@@ -4578,7 +4578,7 @@
           <a:p>
             <a:fld id="{758B9292-117B-40DE-9116-9B57CD567806}" type="datetimeFigureOut">
               <a:rPr kumimoji="1" lang="ja-JP" altLang="en-US" smtClean="0"/>
-              <a:t>2019/6/16</a:t>
+              <a:t>2019/6/25</a:t>
             </a:fld>
             <a:endParaRPr kumimoji="1" lang="ja-JP" altLang="en-US"/>
           </a:p>
@@ -4883,7 +4883,7 @@
           <a:p>
             <a:fld id="{758B9292-117B-40DE-9116-9B57CD567806}" type="datetimeFigureOut">
               <a:rPr kumimoji="1" lang="ja-JP" altLang="en-US" smtClean="0"/>
-              <a:t>2019/6/16</a:t>
+              <a:t>2019/6/25</a:t>
             </a:fld>
             <a:endParaRPr kumimoji="1" lang="ja-JP" altLang="en-US"/>
           </a:p>
@@ -5617,7 +5617,7 @@
           <a:p>
             <a:fld id="{758B9292-117B-40DE-9116-9B57CD567806}" type="datetimeFigureOut">
               <a:rPr kumimoji="1" lang="ja-JP" altLang="en-US" smtClean="0"/>
-              <a:t>2019/6/16</a:t>
+              <a:t>2019/6/25</a:t>
             </a:fld>
             <a:endParaRPr kumimoji="1" lang="ja-JP" altLang="en-US"/>
           </a:p>
@@ -10343,6 +10343,63 @@
           </a:p>
         </p:txBody>
       </p:sp>
+      <p:sp>
+        <p:nvSpPr>
+          <p:cNvPr id="3" name="テキスト ボックス 2">
+            <a:extLst>
+              <a:ext uri="{FF2B5EF4-FFF2-40B4-BE49-F238E27FC236}">
+                <a16:creationId xmlns:a16="http://schemas.microsoft.com/office/drawing/2014/main" id="{8246EE12-46EA-40CA-81F0-2067E5140773}"/>
+              </a:ext>
+            </a:extLst>
+          </p:cNvPr>
+          <p:cNvSpPr txBox="1"/>
+          <p:nvPr/>
+        </p:nvSpPr>
+        <p:spPr>
+          <a:xfrm>
+            <a:off x="6096000" y="5879068"/>
+            <a:ext cx="3320248" cy="369332"/>
+          </a:xfrm>
+          <a:prstGeom prst="rect">
+            <a:avLst/>
+          </a:prstGeom>
+          <a:noFill/>
+        </p:spPr>
+        <p:txBody>
+          <a:bodyPr wrap="square" rtlCol="0">
+            <a:spAutoFit/>
+          </a:bodyPr>
+          <a:lstStyle/>
+          <a:p>
+            <a:r>
+              <a:rPr kumimoji="1" lang="en-US" altLang="ja-JP" dirty="0">
+                <a:solidFill>
+                  <a:schemeClr val="tx1">
+                    <a:lumMod val="75000"/>
+                    <a:lumOff val="25000"/>
+                  </a:schemeClr>
+                </a:solidFill>
+                <a:latin typeface="HGPｺﾞｼｯｸE" panose="020B0900000000000000" pitchFamily="50" charset="-128"/>
+                <a:ea typeface="HGPｺﾞｼｯｸE" panose="020B0900000000000000" pitchFamily="50" charset="-128"/>
+              </a:rPr>
+              <a:t>※</a:t>
+            </a:r>
+            <a:r>
+              <a:rPr kumimoji="1" lang="ja-JP" altLang="en-US" dirty="0">
+                <a:solidFill>
+                  <a:schemeClr val="tx1">
+                    <a:lumMod val="75000"/>
+                    <a:lumOff val="25000"/>
+                  </a:schemeClr>
+                </a:solidFill>
+                <a:latin typeface="HGPｺﾞｼｯｸE" panose="020B0900000000000000" pitchFamily="50" charset="-128"/>
+                <a:ea typeface="HGPｺﾞｼｯｸE" panose="020B0900000000000000" pitchFamily="50" charset="-128"/>
+              </a:rPr>
+              <a:t>本来の用途とは異なります。</a:t>
+            </a:r>
+          </a:p>
+        </p:txBody>
+      </p:sp>
     </p:spTree>
     <p:extLst>
       <p:ext uri="{BB962C8B-B14F-4D97-AF65-F5344CB8AC3E}">

--- a/コーディング講座 最終回.pptx
+++ b/コーディング講座 最終回.pptx
@@ -19,7 +19,8 @@
     <p:sldId id="268" r:id="rId13"/>
     <p:sldId id="269" r:id="rId14"/>
     <p:sldId id="270" r:id="rId15"/>
-    <p:sldId id="271" r:id="rId16"/>
+    <p:sldId id="272" r:id="rId16"/>
+    <p:sldId id="271" r:id="rId17"/>
   </p:sldIdLst>
   <p:sldSz cx="12192000" cy="6858000"/>
   <p:notesSz cx="6858000" cy="9144000"/>
@@ -871,7 +872,7 @@
           <a:p>
             <a:fld id="{758B9292-117B-40DE-9116-9B57CD567806}" type="datetimeFigureOut">
               <a:rPr kumimoji="1" lang="ja-JP" altLang="en-US" smtClean="0"/>
-              <a:t>2019/6/25</a:t>
+              <a:t>2019/6/29</a:t>
             </a:fld>
             <a:endParaRPr kumimoji="1" lang="ja-JP" altLang="en-US"/>
           </a:p>
@@ -1122,7 +1123,7 @@
           <a:p>
             <a:fld id="{758B9292-117B-40DE-9116-9B57CD567806}" type="datetimeFigureOut">
               <a:rPr kumimoji="1" lang="ja-JP" altLang="en-US" smtClean="0"/>
-              <a:t>2019/6/25</a:t>
+              <a:t>2019/6/29</a:t>
             </a:fld>
             <a:endParaRPr kumimoji="1" lang="ja-JP" altLang="en-US"/>
           </a:p>
@@ -1436,7 +1437,7 @@
           <a:p>
             <a:fld id="{758B9292-117B-40DE-9116-9B57CD567806}" type="datetimeFigureOut">
               <a:rPr kumimoji="1" lang="ja-JP" altLang="en-US" smtClean="0"/>
-              <a:t>2019/6/25</a:t>
+              <a:t>2019/6/29</a:t>
             </a:fld>
             <a:endParaRPr kumimoji="1" lang="ja-JP" altLang="en-US"/>
           </a:p>
@@ -1769,7 +1770,7 @@
           <a:p>
             <a:fld id="{758B9292-117B-40DE-9116-9B57CD567806}" type="datetimeFigureOut">
               <a:rPr kumimoji="1" lang="ja-JP" altLang="en-US" smtClean="0"/>
-              <a:t>2019/6/25</a:t>
+              <a:t>2019/6/29</a:t>
             </a:fld>
             <a:endParaRPr kumimoji="1" lang="ja-JP" altLang="en-US"/>
           </a:p>
@@ -2083,7 +2084,7 @@
           <a:p>
             <a:fld id="{758B9292-117B-40DE-9116-9B57CD567806}" type="datetimeFigureOut">
               <a:rPr kumimoji="1" lang="ja-JP" altLang="en-US" smtClean="0"/>
-              <a:t>2019/6/25</a:t>
+              <a:t>2019/6/29</a:t>
             </a:fld>
             <a:endParaRPr kumimoji="1" lang="ja-JP" altLang="en-US"/>
           </a:p>
@@ -2476,7 +2477,7 @@
           <a:p>
             <a:fld id="{758B9292-117B-40DE-9116-9B57CD567806}" type="datetimeFigureOut">
               <a:rPr kumimoji="1" lang="ja-JP" altLang="en-US" smtClean="0"/>
-              <a:t>2019/6/25</a:t>
+              <a:t>2019/6/29</a:t>
             </a:fld>
             <a:endParaRPr kumimoji="1" lang="ja-JP" altLang="en-US"/>
           </a:p>
@@ -2678,7 +2679,7 @@
           <a:p>
             <a:fld id="{758B9292-117B-40DE-9116-9B57CD567806}" type="datetimeFigureOut">
               <a:rPr kumimoji="1" lang="ja-JP" altLang="en-US" smtClean="0"/>
-              <a:t>2019/6/25</a:t>
+              <a:t>2019/6/29</a:t>
             </a:fld>
             <a:endParaRPr kumimoji="1" lang="ja-JP" altLang="en-US"/>
           </a:p>
@@ -2890,7 +2891,7 @@
           <a:p>
             <a:fld id="{758B9292-117B-40DE-9116-9B57CD567806}" type="datetimeFigureOut">
               <a:rPr kumimoji="1" lang="ja-JP" altLang="en-US" smtClean="0"/>
-              <a:t>2019/6/25</a:t>
+              <a:t>2019/6/29</a:t>
             </a:fld>
             <a:endParaRPr kumimoji="1" lang="ja-JP" altLang="en-US"/>
           </a:p>
@@ -3092,7 +3093,7 @@
           <a:p>
             <a:fld id="{758B9292-117B-40DE-9116-9B57CD567806}" type="datetimeFigureOut">
               <a:rPr kumimoji="1" lang="ja-JP" altLang="en-US" smtClean="0"/>
-              <a:t>2019/6/25</a:t>
+              <a:t>2019/6/29</a:t>
             </a:fld>
             <a:endParaRPr kumimoji="1" lang="ja-JP" altLang="en-US"/>
           </a:p>
@@ -3339,7 +3340,7 @@
           <a:p>
             <a:fld id="{758B9292-117B-40DE-9116-9B57CD567806}" type="datetimeFigureOut">
               <a:rPr kumimoji="1" lang="ja-JP" altLang="en-US" smtClean="0"/>
-              <a:t>2019/6/25</a:t>
+              <a:t>2019/6/29</a:t>
             </a:fld>
             <a:endParaRPr kumimoji="1" lang="ja-JP" altLang="en-US"/>
           </a:p>
@@ -3635,7 +3636,7 @@
           <a:p>
             <a:fld id="{758B9292-117B-40DE-9116-9B57CD567806}" type="datetimeFigureOut">
               <a:rPr kumimoji="1" lang="ja-JP" altLang="en-US" smtClean="0"/>
-              <a:t>2019/6/25</a:t>
+              <a:t>2019/6/29</a:t>
             </a:fld>
             <a:endParaRPr kumimoji="1" lang="ja-JP" altLang="en-US"/>
           </a:p>
@@ -4073,7 +4074,7 @@
           <a:p>
             <a:fld id="{758B9292-117B-40DE-9116-9B57CD567806}" type="datetimeFigureOut">
               <a:rPr kumimoji="1" lang="ja-JP" altLang="en-US" smtClean="0"/>
-              <a:t>2019/6/25</a:t>
+              <a:t>2019/6/29</a:t>
             </a:fld>
             <a:endParaRPr kumimoji="1" lang="ja-JP" altLang="en-US"/>
           </a:p>
@@ -4196,7 +4197,7 @@
           <a:p>
             <a:fld id="{758B9292-117B-40DE-9116-9B57CD567806}" type="datetimeFigureOut">
               <a:rPr kumimoji="1" lang="ja-JP" altLang="en-US" smtClean="0"/>
-              <a:t>2019/6/25</a:t>
+              <a:t>2019/6/29</a:t>
             </a:fld>
             <a:endParaRPr kumimoji="1" lang="ja-JP" altLang="en-US"/>
           </a:p>
@@ -4291,7 +4292,7 @@
           <a:p>
             <a:fld id="{758B9292-117B-40DE-9116-9B57CD567806}" type="datetimeFigureOut">
               <a:rPr kumimoji="1" lang="ja-JP" altLang="en-US" smtClean="0"/>
-              <a:t>2019/6/25</a:t>
+              <a:t>2019/6/29</a:t>
             </a:fld>
             <a:endParaRPr kumimoji="1" lang="ja-JP" altLang="en-US"/>
           </a:p>
@@ -4578,7 +4579,7 @@
           <a:p>
             <a:fld id="{758B9292-117B-40DE-9116-9B57CD567806}" type="datetimeFigureOut">
               <a:rPr kumimoji="1" lang="ja-JP" altLang="en-US" smtClean="0"/>
-              <a:t>2019/6/25</a:t>
+              <a:t>2019/6/29</a:t>
             </a:fld>
             <a:endParaRPr kumimoji="1" lang="ja-JP" altLang="en-US"/>
           </a:p>
@@ -4883,7 +4884,7 @@
           <a:p>
             <a:fld id="{758B9292-117B-40DE-9116-9B57CD567806}" type="datetimeFigureOut">
               <a:rPr kumimoji="1" lang="ja-JP" altLang="en-US" smtClean="0"/>
-              <a:t>2019/6/25</a:t>
+              <a:t>2019/6/29</a:t>
             </a:fld>
             <a:endParaRPr kumimoji="1" lang="ja-JP" altLang="en-US"/>
           </a:p>
@@ -5617,7 +5618,7 @@
           <a:p>
             <a:fld id="{758B9292-117B-40DE-9116-9B57CD567806}" type="datetimeFigureOut">
               <a:rPr kumimoji="1" lang="ja-JP" altLang="en-US" smtClean="0"/>
-              <a:t>2019/6/25</a:t>
+              <a:t>2019/6/29</a:t>
             </a:fld>
             <a:endParaRPr kumimoji="1" lang="ja-JP" altLang="en-US"/>
           </a:p>
@@ -10582,6 +10583,1096 @@
                 <a:latin typeface="HGPｺﾞｼｯｸE" panose="020B0900000000000000" pitchFamily="50" charset="-128"/>
                 <a:ea typeface="HGPｺﾞｼｯｸE" panose="020B0900000000000000" pitchFamily="50" charset="-128"/>
               </a:rPr>
+              <a:t>Factory</a:t>
+            </a:r>
+            <a:r>
+              <a:rPr lang="ja-JP" altLang="en-US" b="1" dirty="0">
+                <a:latin typeface="HGPｺﾞｼｯｸE" panose="020B0900000000000000" pitchFamily="50" charset="-128"/>
+                <a:ea typeface="HGPｺﾞｼｯｸE" panose="020B0900000000000000" pitchFamily="50" charset="-128"/>
+              </a:rPr>
+              <a:t> </a:t>
+            </a:r>
+            <a:r>
+              <a:rPr lang="en-US" altLang="ja-JP" b="1" dirty="0">
+                <a:latin typeface="HGPｺﾞｼｯｸE" panose="020B0900000000000000" pitchFamily="50" charset="-128"/>
+                <a:ea typeface="HGPｺﾞｼｯｸE" panose="020B0900000000000000" pitchFamily="50" charset="-128"/>
+              </a:rPr>
+              <a:t>Method</a:t>
+            </a:r>
+            <a:r>
+              <a:rPr lang="ja-JP" altLang="en-US" dirty="0">
+                <a:latin typeface="HGPｺﾞｼｯｸE" panose="020B0900000000000000" pitchFamily="50" charset="-128"/>
+                <a:ea typeface="HGPｺﾞｼｯｸE" panose="020B0900000000000000" pitchFamily="50" charset="-128"/>
+              </a:rPr>
+              <a:t>パターン</a:t>
+            </a:r>
+            <a:endParaRPr kumimoji="1" lang="ja-JP" altLang="en-US" dirty="0">
+              <a:latin typeface="HGPｺﾞｼｯｸE" panose="020B0900000000000000" pitchFamily="50" charset="-128"/>
+              <a:ea typeface="HGPｺﾞｼｯｸE" panose="020B0900000000000000" pitchFamily="50" charset="-128"/>
+            </a:endParaRPr>
+          </a:p>
+        </p:txBody>
+      </p:sp>
+      <p:sp>
+        <p:nvSpPr>
+          <p:cNvPr id="6" name="コンテンツ プレースホルダー 2">
+            <a:extLst>
+              <a:ext uri="{FF2B5EF4-FFF2-40B4-BE49-F238E27FC236}">
+                <a16:creationId xmlns:a16="http://schemas.microsoft.com/office/drawing/2014/main" id="{048AD946-95B6-4F80-BB06-2CBD2F20C382}"/>
+              </a:ext>
+            </a:extLst>
+          </p:cNvPr>
+          <p:cNvSpPr txBox="1">
+            <a:spLocks/>
+          </p:cNvSpPr>
+          <p:nvPr/>
+        </p:nvSpPr>
+        <p:spPr>
+          <a:xfrm>
+            <a:off x="841199" y="2108199"/>
+            <a:ext cx="8746684" cy="1320801"/>
+          </a:xfrm>
+          <a:prstGeom prst="rect">
+            <a:avLst/>
+          </a:prstGeom>
+        </p:spPr>
+        <p:txBody>
+          <a:bodyPr vert="horz" lIns="91440" tIns="45720" rIns="91440" bIns="45720" rtlCol="0">
+            <a:normAutofit/>
+          </a:bodyPr>
+          <a:lstStyle>
+            <a:lvl1pPr marL="342900" indent="-342900" algn="l" defTabSz="457200" rtl="0" eaLnBrk="1" latinLnBrk="0" hangingPunct="1">
+              <a:spcBef>
+                <a:spcPts val="1000"/>
+              </a:spcBef>
+              <a:spcAft>
+                <a:spcPts val="0"/>
+              </a:spcAft>
+              <a:buClr>
+                <a:schemeClr val="accent1"/>
+              </a:buClr>
+              <a:buSzPct val="80000"/>
+              <a:buFont typeface="Wingdings 3" charset="2"/>
+              <a:buChar char=""/>
+              <a:defRPr kumimoji="1" sz="1800" kern="1200">
+                <a:solidFill>
+                  <a:schemeClr val="tx1">
+                    <a:lumMod val="75000"/>
+                    <a:lumOff val="25000"/>
+                  </a:schemeClr>
+                </a:solidFill>
+                <a:latin typeface="+mn-lt"/>
+                <a:ea typeface="+mn-ea"/>
+                <a:cs typeface="+mn-cs"/>
+              </a:defRPr>
+            </a:lvl1pPr>
+            <a:lvl2pPr marL="742950" indent="-285750" algn="l" defTabSz="457200" rtl="0" eaLnBrk="1" latinLnBrk="0" hangingPunct="1">
+              <a:spcBef>
+                <a:spcPts val="1000"/>
+              </a:spcBef>
+              <a:spcAft>
+                <a:spcPts val="0"/>
+              </a:spcAft>
+              <a:buClr>
+                <a:schemeClr val="accent1"/>
+              </a:buClr>
+              <a:buSzPct val="80000"/>
+              <a:buFont typeface="Wingdings 3" charset="2"/>
+              <a:buChar char=""/>
+              <a:defRPr kumimoji="1" sz="1600" kern="1200">
+                <a:solidFill>
+                  <a:schemeClr val="tx1">
+                    <a:lumMod val="75000"/>
+                    <a:lumOff val="25000"/>
+                  </a:schemeClr>
+                </a:solidFill>
+                <a:latin typeface="+mn-lt"/>
+                <a:ea typeface="+mn-ea"/>
+                <a:cs typeface="+mn-cs"/>
+              </a:defRPr>
+            </a:lvl2pPr>
+            <a:lvl3pPr marL="1143000" indent="-228600" algn="l" defTabSz="457200" rtl="0" eaLnBrk="1" latinLnBrk="0" hangingPunct="1">
+              <a:spcBef>
+                <a:spcPts val="1000"/>
+              </a:spcBef>
+              <a:spcAft>
+                <a:spcPts val="0"/>
+              </a:spcAft>
+              <a:buClr>
+                <a:schemeClr val="accent1"/>
+              </a:buClr>
+              <a:buSzPct val="80000"/>
+              <a:buFont typeface="Wingdings 3" charset="2"/>
+              <a:buChar char=""/>
+              <a:defRPr kumimoji="1" sz="1400" kern="1200">
+                <a:solidFill>
+                  <a:schemeClr val="tx1">
+                    <a:lumMod val="75000"/>
+                    <a:lumOff val="25000"/>
+                  </a:schemeClr>
+                </a:solidFill>
+                <a:latin typeface="+mn-lt"/>
+                <a:ea typeface="+mn-ea"/>
+                <a:cs typeface="+mn-cs"/>
+              </a:defRPr>
+            </a:lvl3pPr>
+            <a:lvl4pPr marL="1600200" indent="-228600" algn="l" defTabSz="457200" rtl="0" eaLnBrk="1" latinLnBrk="0" hangingPunct="1">
+              <a:spcBef>
+                <a:spcPts val="1000"/>
+              </a:spcBef>
+              <a:spcAft>
+                <a:spcPts val="0"/>
+              </a:spcAft>
+              <a:buClr>
+                <a:schemeClr val="accent1"/>
+              </a:buClr>
+              <a:buSzPct val="80000"/>
+              <a:buFont typeface="Wingdings 3" charset="2"/>
+              <a:buChar char=""/>
+              <a:defRPr kumimoji="1" sz="1200" kern="1200">
+                <a:solidFill>
+                  <a:schemeClr val="tx1">
+                    <a:lumMod val="75000"/>
+                    <a:lumOff val="25000"/>
+                  </a:schemeClr>
+                </a:solidFill>
+                <a:latin typeface="+mn-lt"/>
+                <a:ea typeface="+mn-ea"/>
+                <a:cs typeface="+mn-cs"/>
+              </a:defRPr>
+            </a:lvl4pPr>
+            <a:lvl5pPr marL="2057400" indent="-228600" algn="l" defTabSz="457200" rtl="0" eaLnBrk="1" latinLnBrk="0" hangingPunct="1">
+              <a:spcBef>
+                <a:spcPts val="1000"/>
+              </a:spcBef>
+              <a:spcAft>
+                <a:spcPts val="0"/>
+              </a:spcAft>
+              <a:buClr>
+                <a:schemeClr val="accent1"/>
+              </a:buClr>
+              <a:buSzPct val="80000"/>
+              <a:buFont typeface="Wingdings 3" charset="2"/>
+              <a:buChar char=""/>
+              <a:defRPr kumimoji="1" sz="1200" kern="1200">
+                <a:solidFill>
+                  <a:schemeClr val="tx1">
+                    <a:lumMod val="75000"/>
+                    <a:lumOff val="25000"/>
+                  </a:schemeClr>
+                </a:solidFill>
+                <a:latin typeface="+mn-lt"/>
+                <a:ea typeface="+mn-ea"/>
+                <a:cs typeface="+mn-cs"/>
+              </a:defRPr>
+            </a:lvl5pPr>
+            <a:lvl6pPr marL="2514600" indent="-228600" algn="l" defTabSz="457200" rtl="0" eaLnBrk="1" latinLnBrk="0" hangingPunct="1">
+              <a:spcBef>
+                <a:spcPts val="1000"/>
+              </a:spcBef>
+              <a:spcAft>
+                <a:spcPts val="0"/>
+              </a:spcAft>
+              <a:buClr>
+                <a:schemeClr val="accent1"/>
+              </a:buClr>
+              <a:buSzPct val="80000"/>
+              <a:buFont typeface="Wingdings 3" charset="2"/>
+              <a:buChar char=""/>
+              <a:defRPr kumimoji="1" sz="1200" kern="1200">
+                <a:solidFill>
+                  <a:schemeClr val="tx1">
+                    <a:lumMod val="75000"/>
+                    <a:lumOff val="25000"/>
+                  </a:schemeClr>
+                </a:solidFill>
+                <a:latin typeface="+mn-lt"/>
+                <a:ea typeface="+mn-ea"/>
+                <a:cs typeface="+mn-cs"/>
+              </a:defRPr>
+            </a:lvl6pPr>
+            <a:lvl7pPr marL="2971800" indent="-228600" algn="l" defTabSz="457200" rtl="0" eaLnBrk="1" latinLnBrk="0" hangingPunct="1">
+              <a:spcBef>
+                <a:spcPts val="1000"/>
+              </a:spcBef>
+              <a:spcAft>
+                <a:spcPts val="0"/>
+              </a:spcAft>
+              <a:buClr>
+                <a:schemeClr val="accent1"/>
+              </a:buClr>
+              <a:buSzPct val="80000"/>
+              <a:buFont typeface="Wingdings 3" charset="2"/>
+              <a:buChar char=""/>
+              <a:defRPr kumimoji="1" sz="1200" kern="1200">
+                <a:solidFill>
+                  <a:schemeClr val="tx1">
+                    <a:lumMod val="75000"/>
+                    <a:lumOff val="25000"/>
+                  </a:schemeClr>
+                </a:solidFill>
+                <a:latin typeface="+mn-lt"/>
+                <a:ea typeface="+mn-ea"/>
+                <a:cs typeface="+mn-cs"/>
+              </a:defRPr>
+            </a:lvl7pPr>
+            <a:lvl8pPr marL="3429000" indent="-228600" algn="l" defTabSz="457200" rtl="0" eaLnBrk="1" latinLnBrk="0" hangingPunct="1">
+              <a:spcBef>
+                <a:spcPts val="1000"/>
+              </a:spcBef>
+              <a:spcAft>
+                <a:spcPts val="0"/>
+              </a:spcAft>
+              <a:buClr>
+                <a:schemeClr val="accent1"/>
+              </a:buClr>
+              <a:buSzPct val="80000"/>
+              <a:buFont typeface="Wingdings 3" charset="2"/>
+              <a:buChar char=""/>
+              <a:defRPr kumimoji="1" sz="1200" kern="1200">
+                <a:solidFill>
+                  <a:schemeClr val="tx1">
+                    <a:lumMod val="75000"/>
+                    <a:lumOff val="25000"/>
+                  </a:schemeClr>
+                </a:solidFill>
+                <a:latin typeface="+mn-lt"/>
+                <a:ea typeface="+mn-ea"/>
+                <a:cs typeface="+mn-cs"/>
+              </a:defRPr>
+            </a:lvl8pPr>
+            <a:lvl9pPr marL="3886200" indent="-228600" algn="l" defTabSz="457200" rtl="0" eaLnBrk="1" latinLnBrk="0" hangingPunct="1">
+              <a:spcBef>
+                <a:spcPts val="1000"/>
+              </a:spcBef>
+              <a:spcAft>
+                <a:spcPts val="0"/>
+              </a:spcAft>
+              <a:buClr>
+                <a:schemeClr val="accent1"/>
+              </a:buClr>
+              <a:buSzPct val="80000"/>
+              <a:buFont typeface="Wingdings 3" charset="2"/>
+              <a:buChar char=""/>
+              <a:defRPr kumimoji="1" sz="1200" kern="1200">
+                <a:solidFill>
+                  <a:schemeClr val="tx1">
+                    <a:lumMod val="75000"/>
+                    <a:lumOff val="25000"/>
+                  </a:schemeClr>
+                </a:solidFill>
+                <a:latin typeface="+mn-lt"/>
+                <a:ea typeface="+mn-ea"/>
+                <a:cs typeface="+mn-cs"/>
+              </a:defRPr>
+            </a:lvl9pPr>
+          </a:lstStyle>
+          <a:p>
+            <a:pPr>
+              <a:buFont typeface="Wingdings" panose="05000000000000000000" pitchFamily="2" charset="2"/>
+              <a:buChar char="n"/>
+            </a:pPr>
+            <a:r>
+              <a:rPr lang="ja-JP" altLang="en-US" dirty="0">
+                <a:latin typeface="HGPｺﾞｼｯｸE" panose="020B0900000000000000" pitchFamily="50" charset="-128"/>
+                <a:ea typeface="HGPｺﾞｼｯｸE" panose="020B0900000000000000" pitchFamily="50" charset="-128"/>
+              </a:rPr>
+              <a:t>オブジェクトの生成に専用処理や独自処理を差し込みやすく、柔軟な生成が出来る。</a:t>
+            </a:r>
+            <a:endParaRPr lang="en-US" altLang="ja-JP" dirty="0">
+              <a:latin typeface="HGPｺﾞｼｯｸE" panose="020B0900000000000000" pitchFamily="50" charset="-128"/>
+              <a:ea typeface="HGPｺﾞｼｯｸE" panose="020B0900000000000000" pitchFamily="50" charset="-128"/>
+            </a:endParaRPr>
+          </a:p>
+          <a:p>
+            <a:pPr>
+              <a:buFont typeface="Wingdings" panose="05000000000000000000" pitchFamily="2" charset="2"/>
+              <a:buChar char="n"/>
+            </a:pPr>
+            <a:r>
+              <a:rPr lang="ja-JP" altLang="en-US" dirty="0">
+                <a:latin typeface="HGPｺﾞｼｯｸE" panose="020B0900000000000000" pitchFamily="50" charset="-128"/>
+                <a:ea typeface="HGPｺﾞｼｯｸE" panose="020B0900000000000000" pitchFamily="50" charset="-128"/>
+              </a:rPr>
+              <a:t>コードの拡張や保守に優れる。</a:t>
+            </a:r>
+            <a:endParaRPr lang="en-US" altLang="ja-JP" dirty="0">
+              <a:latin typeface="HGPｺﾞｼｯｸE" panose="020B0900000000000000" pitchFamily="50" charset="-128"/>
+              <a:ea typeface="HGPｺﾞｼｯｸE" panose="020B0900000000000000" pitchFamily="50" charset="-128"/>
+            </a:endParaRPr>
+          </a:p>
+          <a:p>
+            <a:pPr>
+              <a:buFont typeface="Wingdings" panose="05000000000000000000" pitchFamily="2" charset="2"/>
+              <a:buChar char="n"/>
+            </a:pPr>
+            <a:r>
+              <a:rPr lang="en-US" altLang="ja-JP" dirty="0">
+                <a:latin typeface="HGPｺﾞｼｯｸE" panose="020B0900000000000000" pitchFamily="50" charset="-128"/>
+                <a:ea typeface="HGPｺﾞｼｯｸE" panose="020B0900000000000000" pitchFamily="50" charset="-128"/>
+              </a:rPr>
+              <a:t>DB</a:t>
+            </a:r>
+            <a:r>
+              <a:rPr lang="ja-JP" altLang="en-US">
+                <a:latin typeface="HGPｺﾞｼｯｸE" panose="020B0900000000000000" pitchFamily="50" charset="-128"/>
+                <a:ea typeface="HGPｺﾞｼｯｸE" panose="020B0900000000000000" pitchFamily="50" charset="-128"/>
+              </a:rPr>
+              <a:t>や外部ファイルとの親和性が高い。</a:t>
+            </a:r>
+            <a:endParaRPr lang="en-US" altLang="ja-JP" dirty="0">
+              <a:latin typeface="HGPｺﾞｼｯｸE" panose="020B0900000000000000" pitchFamily="50" charset="-128"/>
+              <a:ea typeface="HGPｺﾞｼｯｸE" panose="020B0900000000000000" pitchFamily="50" charset="-128"/>
+            </a:endParaRPr>
+          </a:p>
+        </p:txBody>
+      </p:sp>
+      <p:sp>
+        <p:nvSpPr>
+          <p:cNvPr id="7" name="コンテンツ プレースホルダー 2">
+            <a:extLst>
+              <a:ext uri="{FF2B5EF4-FFF2-40B4-BE49-F238E27FC236}">
+                <a16:creationId xmlns:a16="http://schemas.microsoft.com/office/drawing/2014/main" id="{871414A4-B7C4-4DE9-9363-D015CEC18631}"/>
+              </a:ext>
+            </a:extLst>
+          </p:cNvPr>
+          <p:cNvSpPr txBox="1">
+            <a:spLocks/>
+          </p:cNvSpPr>
+          <p:nvPr/>
+        </p:nvSpPr>
+        <p:spPr>
+          <a:xfrm>
+            <a:off x="584571" y="4267201"/>
+            <a:ext cx="5185915" cy="1592062"/>
+          </a:xfrm>
+          <a:prstGeom prst="rect">
+            <a:avLst/>
+          </a:prstGeom>
+        </p:spPr>
+        <p:txBody>
+          <a:bodyPr vert="horz" lIns="91440" tIns="45720" rIns="91440" bIns="45720" rtlCol="0">
+            <a:normAutofit/>
+          </a:bodyPr>
+          <a:lstStyle>
+            <a:lvl1pPr marL="342900" indent="-342900" algn="l" defTabSz="457200" rtl="0" eaLnBrk="1" latinLnBrk="0" hangingPunct="1">
+              <a:spcBef>
+                <a:spcPts val="1000"/>
+              </a:spcBef>
+              <a:spcAft>
+                <a:spcPts val="0"/>
+              </a:spcAft>
+              <a:buClr>
+                <a:schemeClr val="accent1"/>
+              </a:buClr>
+              <a:buSzPct val="80000"/>
+              <a:buFont typeface="Wingdings 3" charset="2"/>
+              <a:buChar char=""/>
+              <a:defRPr kumimoji="1" sz="1800" kern="1200">
+                <a:solidFill>
+                  <a:schemeClr val="tx1">
+                    <a:lumMod val="75000"/>
+                    <a:lumOff val="25000"/>
+                  </a:schemeClr>
+                </a:solidFill>
+                <a:latin typeface="+mn-lt"/>
+                <a:ea typeface="+mn-ea"/>
+                <a:cs typeface="+mn-cs"/>
+              </a:defRPr>
+            </a:lvl1pPr>
+            <a:lvl2pPr marL="742950" indent="-285750" algn="l" defTabSz="457200" rtl="0" eaLnBrk="1" latinLnBrk="0" hangingPunct="1">
+              <a:spcBef>
+                <a:spcPts val="1000"/>
+              </a:spcBef>
+              <a:spcAft>
+                <a:spcPts val="0"/>
+              </a:spcAft>
+              <a:buClr>
+                <a:schemeClr val="accent1"/>
+              </a:buClr>
+              <a:buSzPct val="80000"/>
+              <a:buFont typeface="Wingdings 3" charset="2"/>
+              <a:buChar char=""/>
+              <a:defRPr kumimoji="1" sz="1600" kern="1200">
+                <a:solidFill>
+                  <a:schemeClr val="tx1">
+                    <a:lumMod val="75000"/>
+                    <a:lumOff val="25000"/>
+                  </a:schemeClr>
+                </a:solidFill>
+                <a:latin typeface="+mn-lt"/>
+                <a:ea typeface="+mn-ea"/>
+                <a:cs typeface="+mn-cs"/>
+              </a:defRPr>
+            </a:lvl2pPr>
+            <a:lvl3pPr marL="1143000" indent="-228600" algn="l" defTabSz="457200" rtl="0" eaLnBrk="1" latinLnBrk="0" hangingPunct="1">
+              <a:spcBef>
+                <a:spcPts val="1000"/>
+              </a:spcBef>
+              <a:spcAft>
+                <a:spcPts val="0"/>
+              </a:spcAft>
+              <a:buClr>
+                <a:schemeClr val="accent1"/>
+              </a:buClr>
+              <a:buSzPct val="80000"/>
+              <a:buFont typeface="Wingdings 3" charset="2"/>
+              <a:buChar char=""/>
+              <a:defRPr kumimoji="1" sz="1400" kern="1200">
+                <a:solidFill>
+                  <a:schemeClr val="tx1">
+                    <a:lumMod val="75000"/>
+                    <a:lumOff val="25000"/>
+                  </a:schemeClr>
+                </a:solidFill>
+                <a:latin typeface="+mn-lt"/>
+                <a:ea typeface="+mn-ea"/>
+                <a:cs typeface="+mn-cs"/>
+              </a:defRPr>
+            </a:lvl3pPr>
+            <a:lvl4pPr marL="1600200" indent="-228600" algn="l" defTabSz="457200" rtl="0" eaLnBrk="1" latinLnBrk="0" hangingPunct="1">
+              <a:spcBef>
+                <a:spcPts val="1000"/>
+              </a:spcBef>
+              <a:spcAft>
+                <a:spcPts val="0"/>
+              </a:spcAft>
+              <a:buClr>
+                <a:schemeClr val="accent1"/>
+              </a:buClr>
+              <a:buSzPct val="80000"/>
+              <a:buFont typeface="Wingdings 3" charset="2"/>
+              <a:buChar char=""/>
+              <a:defRPr kumimoji="1" sz="1200" kern="1200">
+                <a:solidFill>
+                  <a:schemeClr val="tx1">
+                    <a:lumMod val="75000"/>
+                    <a:lumOff val="25000"/>
+                  </a:schemeClr>
+                </a:solidFill>
+                <a:latin typeface="+mn-lt"/>
+                <a:ea typeface="+mn-ea"/>
+                <a:cs typeface="+mn-cs"/>
+              </a:defRPr>
+            </a:lvl4pPr>
+            <a:lvl5pPr marL="2057400" indent="-228600" algn="l" defTabSz="457200" rtl="0" eaLnBrk="1" latinLnBrk="0" hangingPunct="1">
+              <a:spcBef>
+                <a:spcPts val="1000"/>
+              </a:spcBef>
+              <a:spcAft>
+                <a:spcPts val="0"/>
+              </a:spcAft>
+              <a:buClr>
+                <a:schemeClr val="accent1"/>
+              </a:buClr>
+              <a:buSzPct val="80000"/>
+              <a:buFont typeface="Wingdings 3" charset="2"/>
+              <a:buChar char=""/>
+              <a:defRPr kumimoji="1" sz="1200" kern="1200">
+                <a:solidFill>
+                  <a:schemeClr val="tx1">
+                    <a:lumMod val="75000"/>
+                    <a:lumOff val="25000"/>
+                  </a:schemeClr>
+                </a:solidFill>
+                <a:latin typeface="+mn-lt"/>
+                <a:ea typeface="+mn-ea"/>
+                <a:cs typeface="+mn-cs"/>
+              </a:defRPr>
+            </a:lvl5pPr>
+            <a:lvl6pPr marL="2514600" indent="-228600" algn="l" defTabSz="457200" rtl="0" eaLnBrk="1" latinLnBrk="0" hangingPunct="1">
+              <a:spcBef>
+                <a:spcPts val="1000"/>
+              </a:spcBef>
+              <a:spcAft>
+                <a:spcPts val="0"/>
+              </a:spcAft>
+              <a:buClr>
+                <a:schemeClr val="accent1"/>
+              </a:buClr>
+              <a:buSzPct val="80000"/>
+              <a:buFont typeface="Wingdings 3" charset="2"/>
+              <a:buChar char=""/>
+              <a:defRPr kumimoji="1" sz="1200" kern="1200">
+                <a:solidFill>
+                  <a:schemeClr val="tx1">
+                    <a:lumMod val="75000"/>
+                    <a:lumOff val="25000"/>
+                  </a:schemeClr>
+                </a:solidFill>
+                <a:latin typeface="+mn-lt"/>
+                <a:ea typeface="+mn-ea"/>
+                <a:cs typeface="+mn-cs"/>
+              </a:defRPr>
+            </a:lvl6pPr>
+            <a:lvl7pPr marL="2971800" indent="-228600" algn="l" defTabSz="457200" rtl="0" eaLnBrk="1" latinLnBrk="0" hangingPunct="1">
+              <a:spcBef>
+                <a:spcPts val="1000"/>
+              </a:spcBef>
+              <a:spcAft>
+                <a:spcPts val="0"/>
+              </a:spcAft>
+              <a:buClr>
+                <a:schemeClr val="accent1"/>
+              </a:buClr>
+              <a:buSzPct val="80000"/>
+              <a:buFont typeface="Wingdings 3" charset="2"/>
+              <a:buChar char=""/>
+              <a:defRPr kumimoji="1" sz="1200" kern="1200">
+                <a:solidFill>
+                  <a:schemeClr val="tx1">
+                    <a:lumMod val="75000"/>
+                    <a:lumOff val="25000"/>
+                  </a:schemeClr>
+                </a:solidFill>
+                <a:latin typeface="+mn-lt"/>
+                <a:ea typeface="+mn-ea"/>
+                <a:cs typeface="+mn-cs"/>
+              </a:defRPr>
+            </a:lvl7pPr>
+            <a:lvl8pPr marL="3429000" indent="-228600" algn="l" defTabSz="457200" rtl="0" eaLnBrk="1" latinLnBrk="0" hangingPunct="1">
+              <a:spcBef>
+                <a:spcPts val="1000"/>
+              </a:spcBef>
+              <a:spcAft>
+                <a:spcPts val="0"/>
+              </a:spcAft>
+              <a:buClr>
+                <a:schemeClr val="accent1"/>
+              </a:buClr>
+              <a:buSzPct val="80000"/>
+              <a:buFont typeface="Wingdings 3" charset="2"/>
+              <a:buChar char=""/>
+              <a:defRPr kumimoji="1" sz="1200" kern="1200">
+                <a:solidFill>
+                  <a:schemeClr val="tx1">
+                    <a:lumMod val="75000"/>
+                    <a:lumOff val="25000"/>
+                  </a:schemeClr>
+                </a:solidFill>
+                <a:latin typeface="+mn-lt"/>
+                <a:ea typeface="+mn-ea"/>
+                <a:cs typeface="+mn-cs"/>
+              </a:defRPr>
+            </a:lvl8pPr>
+            <a:lvl9pPr marL="3886200" indent="-228600" algn="l" defTabSz="457200" rtl="0" eaLnBrk="1" latinLnBrk="0" hangingPunct="1">
+              <a:spcBef>
+                <a:spcPts val="1000"/>
+              </a:spcBef>
+              <a:spcAft>
+                <a:spcPts val="0"/>
+              </a:spcAft>
+              <a:buClr>
+                <a:schemeClr val="accent1"/>
+              </a:buClr>
+              <a:buSzPct val="80000"/>
+              <a:buFont typeface="Wingdings 3" charset="2"/>
+              <a:buChar char=""/>
+              <a:defRPr kumimoji="1" sz="1200" kern="1200">
+                <a:solidFill>
+                  <a:schemeClr val="tx1">
+                    <a:lumMod val="75000"/>
+                    <a:lumOff val="25000"/>
+                  </a:schemeClr>
+                </a:solidFill>
+                <a:latin typeface="+mn-lt"/>
+                <a:ea typeface="+mn-ea"/>
+                <a:cs typeface="+mn-cs"/>
+              </a:defRPr>
+            </a:lvl9pPr>
+          </a:lstStyle>
+          <a:p>
+            <a:pPr marL="0" indent="0">
+              <a:buNone/>
+            </a:pPr>
+            <a:r>
+              <a:rPr lang="en-US" altLang="ja-JP" dirty="0">
+                <a:latin typeface="HGPｺﾞｼｯｸE" panose="020B0900000000000000" pitchFamily="50" charset="-128"/>
+                <a:ea typeface="HGPｺﾞｼｯｸE" panose="020B0900000000000000" pitchFamily="50" charset="-128"/>
+              </a:rPr>
+              <a:t>	【</a:t>
+            </a:r>
+            <a:r>
+              <a:rPr lang="ja-JP" altLang="en-US" dirty="0">
+                <a:latin typeface="HGPｺﾞｼｯｸE" panose="020B0900000000000000" pitchFamily="50" charset="-128"/>
+                <a:ea typeface="HGPｺﾞｼｯｸE" panose="020B0900000000000000" pitchFamily="50" charset="-128"/>
+              </a:rPr>
+              <a:t>メリット</a:t>
+            </a:r>
+            <a:r>
+              <a:rPr lang="en-US" altLang="ja-JP" dirty="0">
+                <a:latin typeface="HGPｺﾞｼｯｸE" panose="020B0900000000000000" pitchFamily="50" charset="-128"/>
+                <a:ea typeface="HGPｺﾞｼｯｸE" panose="020B0900000000000000" pitchFamily="50" charset="-128"/>
+              </a:rPr>
+              <a:t>】</a:t>
+            </a:r>
+          </a:p>
+          <a:p>
+            <a:pPr>
+              <a:buFont typeface="Wingdings" panose="05000000000000000000" pitchFamily="2" charset="2"/>
+              <a:buChar char="n"/>
+            </a:pPr>
+            <a:r>
+              <a:rPr lang="ja-JP" altLang="en-US" dirty="0">
+                <a:latin typeface="HGPｺﾞｼｯｸE" panose="020B0900000000000000" pitchFamily="50" charset="-128"/>
+                <a:ea typeface="HGPｺﾞｼｯｸE" panose="020B0900000000000000" pitchFamily="50" charset="-128"/>
+              </a:rPr>
+              <a:t>実処理が綺麗になる。</a:t>
+            </a:r>
+            <a:endParaRPr lang="en-US" altLang="ja-JP" dirty="0">
+              <a:latin typeface="HGPｺﾞｼｯｸE" panose="020B0900000000000000" pitchFamily="50" charset="-128"/>
+              <a:ea typeface="HGPｺﾞｼｯｸE" panose="020B0900000000000000" pitchFamily="50" charset="-128"/>
+            </a:endParaRPr>
+          </a:p>
+          <a:p>
+            <a:pPr>
+              <a:buFont typeface="Wingdings" panose="05000000000000000000" pitchFamily="2" charset="2"/>
+              <a:buChar char="n"/>
+            </a:pPr>
+            <a:r>
+              <a:rPr lang="ja-JP" altLang="en-US" dirty="0">
+                <a:latin typeface="HGPｺﾞｼｯｸE" panose="020B0900000000000000" pitchFamily="50" charset="-128"/>
+                <a:ea typeface="HGPｺﾞｼｯｸE" panose="020B0900000000000000" pitchFamily="50" charset="-128"/>
+              </a:rPr>
+              <a:t>追加や編集が楽。</a:t>
+            </a:r>
+            <a:endParaRPr lang="en-US" altLang="ja-JP" dirty="0">
+              <a:latin typeface="HGPｺﾞｼｯｸE" panose="020B0900000000000000" pitchFamily="50" charset="-128"/>
+              <a:ea typeface="HGPｺﾞｼｯｸE" panose="020B0900000000000000" pitchFamily="50" charset="-128"/>
+            </a:endParaRPr>
+          </a:p>
+          <a:p>
+            <a:pPr>
+              <a:buFont typeface="Wingdings" panose="05000000000000000000" pitchFamily="2" charset="2"/>
+              <a:buChar char="n"/>
+            </a:pPr>
+            <a:r>
+              <a:rPr lang="ja-JP" altLang="en-US" dirty="0">
+                <a:latin typeface="HGPｺﾞｼｯｸE" panose="020B0900000000000000" pitchFamily="50" charset="-128"/>
+                <a:ea typeface="HGPｺﾞｼｯｸE" panose="020B0900000000000000" pitchFamily="50" charset="-128"/>
+              </a:rPr>
+              <a:t>結合度が低くできる。</a:t>
+            </a:r>
+            <a:endParaRPr lang="en-US" altLang="ja-JP" dirty="0">
+              <a:latin typeface="HGPｺﾞｼｯｸE" panose="020B0900000000000000" pitchFamily="50" charset="-128"/>
+              <a:ea typeface="HGPｺﾞｼｯｸE" panose="020B0900000000000000" pitchFamily="50" charset="-128"/>
+            </a:endParaRPr>
+          </a:p>
+        </p:txBody>
+      </p:sp>
+      <p:sp>
+        <p:nvSpPr>
+          <p:cNvPr id="8" name="コンテンツ プレースホルダー 2">
+            <a:extLst>
+              <a:ext uri="{FF2B5EF4-FFF2-40B4-BE49-F238E27FC236}">
+                <a16:creationId xmlns:a16="http://schemas.microsoft.com/office/drawing/2014/main" id="{E0915D32-8FE1-40EE-B586-26F3AA67F381}"/>
+              </a:ext>
+            </a:extLst>
+          </p:cNvPr>
+          <p:cNvSpPr txBox="1">
+            <a:spLocks/>
+          </p:cNvSpPr>
+          <p:nvPr/>
+        </p:nvSpPr>
+        <p:spPr>
+          <a:xfrm>
+            <a:off x="4154750" y="4255365"/>
+            <a:ext cx="5761607" cy="2163190"/>
+          </a:xfrm>
+          <a:prstGeom prst="rect">
+            <a:avLst/>
+          </a:prstGeom>
+        </p:spPr>
+        <p:txBody>
+          <a:bodyPr vert="horz" lIns="91440" tIns="45720" rIns="91440" bIns="45720" rtlCol="0">
+            <a:normAutofit/>
+          </a:bodyPr>
+          <a:lstStyle>
+            <a:lvl1pPr marL="342900" indent="-342900" algn="l" defTabSz="457200" rtl="0" eaLnBrk="1" latinLnBrk="0" hangingPunct="1">
+              <a:spcBef>
+                <a:spcPts val="1000"/>
+              </a:spcBef>
+              <a:spcAft>
+                <a:spcPts val="0"/>
+              </a:spcAft>
+              <a:buClr>
+                <a:schemeClr val="accent1"/>
+              </a:buClr>
+              <a:buSzPct val="80000"/>
+              <a:buFont typeface="Wingdings 3" charset="2"/>
+              <a:buChar char=""/>
+              <a:defRPr kumimoji="1" sz="1800" kern="1200">
+                <a:solidFill>
+                  <a:schemeClr val="tx1">
+                    <a:lumMod val="75000"/>
+                    <a:lumOff val="25000"/>
+                  </a:schemeClr>
+                </a:solidFill>
+                <a:latin typeface="+mn-lt"/>
+                <a:ea typeface="+mn-ea"/>
+                <a:cs typeface="+mn-cs"/>
+              </a:defRPr>
+            </a:lvl1pPr>
+            <a:lvl2pPr marL="742950" indent="-285750" algn="l" defTabSz="457200" rtl="0" eaLnBrk="1" latinLnBrk="0" hangingPunct="1">
+              <a:spcBef>
+                <a:spcPts val="1000"/>
+              </a:spcBef>
+              <a:spcAft>
+                <a:spcPts val="0"/>
+              </a:spcAft>
+              <a:buClr>
+                <a:schemeClr val="accent1"/>
+              </a:buClr>
+              <a:buSzPct val="80000"/>
+              <a:buFont typeface="Wingdings 3" charset="2"/>
+              <a:buChar char=""/>
+              <a:defRPr kumimoji="1" sz="1600" kern="1200">
+                <a:solidFill>
+                  <a:schemeClr val="tx1">
+                    <a:lumMod val="75000"/>
+                    <a:lumOff val="25000"/>
+                  </a:schemeClr>
+                </a:solidFill>
+                <a:latin typeface="+mn-lt"/>
+                <a:ea typeface="+mn-ea"/>
+                <a:cs typeface="+mn-cs"/>
+              </a:defRPr>
+            </a:lvl2pPr>
+            <a:lvl3pPr marL="1143000" indent="-228600" algn="l" defTabSz="457200" rtl="0" eaLnBrk="1" latinLnBrk="0" hangingPunct="1">
+              <a:spcBef>
+                <a:spcPts val="1000"/>
+              </a:spcBef>
+              <a:spcAft>
+                <a:spcPts val="0"/>
+              </a:spcAft>
+              <a:buClr>
+                <a:schemeClr val="accent1"/>
+              </a:buClr>
+              <a:buSzPct val="80000"/>
+              <a:buFont typeface="Wingdings 3" charset="2"/>
+              <a:buChar char=""/>
+              <a:defRPr kumimoji="1" sz="1400" kern="1200">
+                <a:solidFill>
+                  <a:schemeClr val="tx1">
+                    <a:lumMod val="75000"/>
+                    <a:lumOff val="25000"/>
+                  </a:schemeClr>
+                </a:solidFill>
+                <a:latin typeface="+mn-lt"/>
+                <a:ea typeface="+mn-ea"/>
+                <a:cs typeface="+mn-cs"/>
+              </a:defRPr>
+            </a:lvl3pPr>
+            <a:lvl4pPr marL="1600200" indent="-228600" algn="l" defTabSz="457200" rtl="0" eaLnBrk="1" latinLnBrk="0" hangingPunct="1">
+              <a:spcBef>
+                <a:spcPts val="1000"/>
+              </a:spcBef>
+              <a:spcAft>
+                <a:spcPts val="0"/>
+              </a:spcAft>
+              <a:buClr>
+                <a:schemeClr val="accent1"/>
+              </a:buClr>
+              <a:buSzPct val="80000"/>
+              <a:buFont typeface="Wingdings 3" charset="2"/>
+              <a:buChar char=""/>
+              <a:defRPr kumimoji="1" sz="1200" kern="1200">
+                <a:solidFill>
+                  <a:schemeClr val="tx1">
+                    <a:lumMod val="75000"/>
+                    <a:lumOff val="25000"/>
+                  </a:schemeClr>
+                </a:solidFill>
+                <a:latin typeface="+mn-lt"/>
+                <a:ea typeface="+mn-ea"/>
+                <a:cs typeface="+mn-cs"/>
+              </a:defRPr>
+            </a:lvl4pPr>
+            <a:lvl5pPr marL="2057400" indent="-228600" algn="l" defTabSz="457200" rtl="0" eaLnBrk="1" latinLnBrk="0" hangingPunct="1">
+              <a:spcBef>
+                <a:spcPts val="1000"/>
+              </a:spcBef>
+              <a:spcAft>
+                <a:spcPts val="0"/>
+              </a:spcAft>
+              <a:buClr>
+                <a:schemeClr val="accent1"/>
+              </a:buClr>
+              <a:buSzPct val="80000"/>
+              <a:buFont typeface="Wingdings 3" charset="2"/>
+              <a:buChar char=""/>
+              <a:defRPr kumimoji="1" sz="1200" kern="1200">
+                <a:solidFill>
+                  <a:schemeClr val="tx1">
+                    <a:lumMod val="75000"/>
+                    <a:lumOff val="25000"/>
+                  </a:schemeClr>
+                </a:solidFill>
+                <a:latin typeface="+mn-lt"/>
+                <a:ea typeface="+mn-ea"/>
+                <a:cs typeface="+mn-cs"/>
+              </a:defRPr>
+            </a:lvl5pPr>
+            <a:lvl6pPr marL="2514600" indent="-228600" algn="l" defTabSz="457200" rtl="0" eaLnBrk="1" latinLnBrk="0" hangingPunct="1">
+              <a:spcBef>
+                <a:spcPts val="1000"/>
+              </a:spcBef>
+              <a:spcAft>
+                <a:spcPts val="0"/>
+              </a:spcAft>
+              <a:buClr>
+                <a:schemeClr val="accent1"/>
+              </a:buClr>
+              <a:buSzPct val="80000"/>
+              <a:buFont typeface="Wingdings 3" charset="2"/>
+              <a:buChar char=""/>
+              <a:defRPr kumimoji="1" sz="1200" kern="1200">
+                <a:solidFill>
+                  <a:schemeClr val="tx1">
+                    <a:lumMod val="75000"/>
+                    <a:lumOff val="25000"/>
+                  </a:schemeClr>
+                </a:solidFill>
+                <a:latin typeface="+mn-lt"/>
+                <a:ea typeface="+mn-ea"/>
+                <a:cs typeface="+mn-cs"/>
+              </a:defRPr>
+            </a:lvl6pPr>
+            <a:lvl7pPr marL="2971800" indent="-228600" algn="l" defTabSz="457200" rtl="0" eaLnBrk="1" latinLnBrk="0" hangingPunct="1">
+              <a:spcBef>
+                <a:spcPts val="1000"/>
+              </a:spcBef>
+              <a:spcAft>
+                <a:spcPts val="0"/>
+              </a:spcAft>
+              <a:buClr>
+                <a:schemeClr val="accent1"/>
+              </a:buClr>
+              <a:buSzPct val="80000"/>
+              <a:buFont typeface="Wingdings 3" charset="2"/>
+              <a:buChar char=""/>
+              <a:defRPr kumimoji="1" sz="1200" kern="1200">
+                <a:solidFill>
+                  <a:schemeClr val="tx1">
+                    <a:lumMod val="75000"/>
+                    <a:lumOff val="25000"/>
+                  </a:schemeClr>
+                </a:solidFill>
+                <a:latin typeface="+mn-lt"/>
+                <a:ea typeface="+mn-ea"/>
+                <a:cs typeface="+mn-cs"/>
+              </a:defRPr>
+            </a:lvl7pPr>
+            <a:lvl8pPr marL="3429000" indent="-228600" algn="l" defTabSz="457200" rtl="0" eaLnBrk="1" latinLnBrk="0" hangingPunct="1">
+              <a:spcBef>
+                <a:spcPts val="1000"/>
+              </a:spcBef>
+              <a:spcAft>
+                <a:spcPts val="0"/>
+              </a:spcAft>
+              <a:buClr>
+                <a:schemeClr val="accent1"/>
+              </a:buClr>
+              <a:buSzPct val="80000"/>
+              <a:buFont typeface="Wingdings 3" charset="2"/>
+              <a:buChar char=""/>
+              <a:defRPr kumimoji="1" sz="1200" kern="1200">
+                <a:solidFill>
+                  <a:schemeClr val="tx1">
+                    <a:lumMod val="75000"/>
+                    <a:lumOff val="25000"/>
+                  </a:schemeClr>
+                </a:solidFill>
+                <a:latin typeface="+mn-lt"/>
+                <a:ea typeface="+mn-ea"/>
+                <a:cs typeface="+mn-cs"/>
+              </a:defRPr>
+            </a:lvl8pPr>
+            <a:lvl9pPr marL="3886200" indent="-228600" algn="l" defTabSz="457200" rtl="0" eaLnBrk="1" latinLnBrk="0" hangingPunct="1">
+              <a:spcBef>
+                <a:spcPts val="1000"/>
+              </a:spcBef>
+              <a:spcAft>
+                <a:spcPts val="0"/>
+              </a:spcAft>
+              <a:buClr>
+                <a:schemeClr val="accent1"/>
+              </a:buClr>
+              <a:buSzPct val="80000"/>
+              <a:buFont typeface="Wingdings 3" charset="2"/>
+              <a:buChar char=""/>
+              <a:defRPr kumimoji="1" sz="1200" kern="1200">
+                <a:solidFill>
+                  <a:schemeClr val="tx1">
+                    <a:lumMod val="75000"/>
+                    <a:lumOff val="25000"/>
+                  </a:schemeClr>
+                </a:solidFill>
+                <a:latin typeface="+mn-lt"/>
+                <a:ea typeface="+mn-ea"/>
+                <a:cs typeface="+mn-cs"/>
+              </a:defRPr>
+            </a:lvl9pPr>
+          </a:lstStyle>
+          <a:p>
+            <a:pPr marL="0" indent="0">
+              <a:buNone/>
+            </a:pPr>
+            <a:r>
+              <a:rPr lang="en-US" altLang="ja-JP" dirty="0">
+                <a:latin typeface="HGPｺﾞｼｯｸE" panose="020B0900000000000000" pitchFamily="50" charset="-128"/>
+                <a:ea typeface="HGPｺﾞｼｯｸE" panose="020B0900000000000000" pitchFamily="50" charset="-128"/>
+              </a:rPr>
+              <a:t>	【</a:t>
+            </a:r>
+            <a:r>
+              <a:rPr lang="ja-JP" altLang="en-US" dirty="0">
+                <a:latin typeface="HGPｺﾞｼｯｸE" panose="020B0900000000000000" pitchFamily="50" charset="-128"/>
+                <a:ea typeface="HGPｺﾞｼｯｸE" panose="020B0900000000000000" pitchFamily="50" charset="-128"/>
+              </a:rPr>
+              <a:t>デメリット</a:t>
+            </a:r>
+            <a:r>
+              <a:rPr lang="en-US" altLang="ja-JP" dirty="0">
+                <a:latin typeface="HGPｺﾞｼｯｸE" panose="020B0900000000000000" pitchFamily="50" charset="-128"/>
+                <a:ea typeface="HGPｺﾞｼｯｸE" panose="020B0900000000000000" pitchFamily="50" charset="-128"/>
+              </a:rPr>
+              <a:t>】</a:t>
+            </a:r>
+          </a:p>
+          <a:p>
+            <a:pPr>
+              <a:buFont typeface="Wingdings" panose="05000000000000000000" pitchFamily="2" charset="2"/>
+              <a:buChar char="n"/>
+            </a:pPr>
+            <a:r>
+              <a:rPr lang="ja-JP" altLang="en-US" dirty="0">
+                <a:latin typeface="HGPｺﾞｼｯｸE" panose="020B0900000000000000" pitchFamily="50" charset="-128"/>
+                <a:ea typeface="HGPｺﾞｼｯｸE" panose="020B0900000000000000" pitchFamily="50" charset="-128"/>
+              </a:rPr>
+              <a:t>ファイル数が増える。</a:t>
+            </a:r>
+            <a:endParaRPr lang="en-US" altLang="ja-JP" dirty="0">
+              <a:latin typeface="HGPｺﾞｼｯｸE" panose="020B0900000000000000" pitchFamily="50" charset="-128"/>
+              <a:ea typeface="HGPｺﾞｼｯｸE" panose="020B0900000000000000" pitchFamily="50" charset="-128"/>
+            </a:endParaRPr>
+          </a:p>
+          <a:p>
+            <a:pPr>
+              <a:buFont typeface="Wingdings" panose="05000000000000000000" pitchFamily="2" charset="2"/>
+              <a:buChar char="n"/>
+            </a:pPr>
+            <a:r>
+              <a:rPr lang="ja-JP" altLang="en-US" dirty="0">
+                <a:latin typeface="HGPｺﾞｼｯｸE" panose="020B0900000000000000" pitchFamily="50" charset="-128"/>
+                <a:ea typeface="HGPｺﾞｼｯｸE" panose="020B0900000000000000" pitchFamily="50" charset="-128"/>
+              </a:rPr>
+              <a:t>にわかで使うと痛い目に合う。</a:t>
+            </a:r>
+            <a:endParaRPr lang="en-US" altLang="ja-JP" dirty="0">
+              <a:latin typeface="HGPｺﾞｼｯｸE" panose="020B0900000000000000" pitchFamily="50" charset="-128"/>
+              <a:ea typeface="HGPｺﾞｼｯｸE" panose="020B0900000000000000" pitchFamily="50" charset="-128"/>
+            </a:endParaRPr>
+          </a:p>
+          <a:p>
+            <a:pPr>
+              <a:buFont typeface="Wingdings" panose="05000000000000000000" pitchFamily="2" charset="2"/>
+              <a:buChar char="n"/>
+            </a:pPr>
+            <a:r>
+              <a:rPr lang="ja-JP" altLang="en-US" dirty="0">
+                <a:latin typeface="HGPｺﾞｼｯｸE" panose="020B0900000000000000" pitchFamily="50" charset="-128"/>
+                <a:ea typeface="HGPｺﾞｼｯｸE" panose="020B0900000000000000" pitchFamily="50" charset="-128"/>
+              </a:rPr>
+              <a:t>抽象クラスを編集した際ビルド時間が長くなりがち。</a:t>
+            </a:r>
+            <a:endParaRPr lang="en-US" altLang="ja-JP" dirty="0">
+              <a:latin typeface="HGPｺﾞｼｯｸE" panose="020B0900000000000000" pitchFamily="50" charset="-128"/>
+              <a:ea typeface="HGPｺﾞｼｯｸE" panose="020B0900000000000000" pitchFamily="50" charset="-128"/>
+            </a:endParaRPr>
+          </a:p>
+          <a:p>
+            <a:pPr>
+              <a:buFont typeface="Wingdings" panose="05000000000000000000" pitchFamily="2" charset="2"/>
+              <a:buChar char="n"/>
+            </a:pPr>
+            <a:r>
+              <a:rPr lang="ja-JP" altLang="en-US" dirty="0">
+                <a:latin typeface="HGPｺﾞｼｯｸE" panose="020B0900000000000000" pitchFamily="50" charset="-128"/>
+                <a:ea typeface="HGPｺﾞｼｯｸE" panose="020B0900000000000000" pitchFamily="50" charset="-128"/>
+              </a:rPr>
+              <a:t>メモリ管理をしっかりしないとメモリが残り続けてしまう。</a:t>
+            </a:r>
+            <a:endParaRPr lang="en-US" altLang="ja-JP" dirty="0">
+              <a:latin typeface="HGPｺﾞｼｯｸE" panose="020B0900000000000000" pitchFamily="50" charset="-128"/>
+              <a:ea typeface="HGPｺﾞｼｯｸE" panose="020B0900000000000000" pitchFamily="50" charset="-128"/>
+            </a:endParaRPr>
+          </a:p>
+        </p:txBody>
+      </p:sp>
+    </p:spTree>
+    <p:extLst>
+      <p:ext uri="{BB962C8B-B14F-4D97-AF65-F5344CB8AC3E}">
+        <p14:creationId xmlns:p14="http://schemas.microsoft.com/office/powerpoint/2010/main" val="3121869901"/>
+      </p:ext>
+    </p:extLst>
+  </p:cSld>
+  <p:clrMapOvr>
+    <a:masterClrMapping/>
+  </p:clrMapOvr>
+</p:sld>
+</file>
+
+<file path=ppt/slides/slide16.xml><?xml version="1.0" encoding="utf-8"?>
+<p:sld xmlns:a="http://schemas.openxmlformats.org/drawingml/2006/main" xmlns:r="http://schemas.openxmlformats.org/officeDocument/2006/relationships" xmlns:p="http://schemas.openxmlformats.org/presentationml/2006/main">
+  <p:cSld>
+    <p:spTree>
+      <p:nvGrpSpPr>
+        <p:cNvPr id="1" name=""/>
+        <p:cNvGrpSpPr/>
+        <p:nvPr/>
+      </p:nvGrpSpPr>
+      <p:grpSpPr>
+        <a:xfrm>
+          <a:off x="0" y="0"/>
+          <a:ext cx="0" cy="0"/>
+          <a:chOff x="0" y="0"/>
+          <a:chExt cx="0" cy="0"/>
+        </a:xfrm>
+      </p:grpSpPr>
+      <p:sp>
+        <p:nvSpPr>
+          <p:cNvPr id="2" name="タイトル 1">
+            <a:extLst>
+              <a:ext uri="{FF2B5EF4-FFF2-40B4-BE49-F238E27FC236}">
+                <a16:creationId xmlns:a16="http://schemas.microsoft.com/office/drawing/2014/main" id="{845CC576-B1EE-40BF-9D53-4960A82271C2}"/>
+              </a:ext>
+            </a:extLst>
+          </p:cNvPr>
+          <p:cNvSpPr>
+            <a:spLocks noGrp="1"/>
+          </p:cNvSpPr>
+          <p:nvPr>
+            <p:ph type="title"/>
+          </p:nvPr>
+        </p:nvSpPr>
+        <p:spPr/>
+        <p:txBody>
+          <a:bodyPr anchor="ctr"/>
+          <a:lstStyle/>
+          <a:p>
+            <a:r>
+              <a:rPr lang="en-US" altLang="ja-JP" dirty="0">
+                <a:latin typeface="HGPｺﾞｼｯｸE" panose="020B0900000000000000" pitchFamily="50" charset="-128"/>
+                <a:ea typeface="HGPｺﾞｼｯｸE" panose="020B0900000000000000" pitchFamily="50" charset="-128"/>
+              </a:rPr>
+              <a:t>3.</a:t>
+            </a:r>
+            <a:r>
+              <a:rPr lang="en-US" altLang="ja-JP" b="1" dirty="0">
+                <a:latin typeface="HGPｺﾞｼｯｸE" panose="020B0900000000000000" pitchFamily="50" charset="-128"/>
+                <a:ea typeface="HGPｺﾞｼｯｸE" panose="020B0900000000000000" pitchFamily="50" charset="-128"/>
+              </a:rPr>
               <a:t>Visitor</a:t>
             </a:r>
             <a:r>

--- a/コーディング講座 最終回.pptx
+++ b/コーディング講座 最終回.pptx
@@ -20,7 +20,12 @@
     <p:sldId id="269" r:id="rId14"/>
     <p:sldId id="270" r:id="rId15"/>
     <p:sldId id="272" r:id="rId16"/>
-    <p:sldId id="271" r:id="rId17"/>
+    <p:sldId id="273" r:id="rId17"/>
+    <p:sldId id="274" r:id="rId18"/>
+    <p:sldId id="276" r:id="rId19"/>
+    <p:sldId id="275" r:id="rId20"/>
+    <p:sldId id="277" r:id="rId21"/>
+    <p:sldId id="271" r:id="rId22"/>
   </p:sldIdLst>
   <p:sldSz cx="12192000" cy="6858000"/>
   <p:notesSz cx="6858000" cy="9144000"/>
@@ -10914,7 +10919,7 @@
               <a:t>DB</a:t>
             </a:r>
             <a:r>
-              <a:rPr lang="ja-JP" altLang="en-US">
+              <a:rPr lang="ja-JP" altLang="en-US" dirty="0">
                 <a:latin typeface="HGPｺﾞｼｯｸE" panose="020B0900000000000000" pitchFamily="50" charset="-128"/>
                 <a:ea typeface="HGPｺﾞｼｯｸE" panose="020B0900000000000000" pitchFamily="50" charset="-128"/>
               </a:rPr>
@@ -11645,6 +11650,73 @@
           <p:cNvPr id="2" name="タイトル 1">
             <a:extLst>
               <a:ext uri="{FF2B5EF4-FFF2-40B4-BE49-F238E27FC236}">
+                <a16:creationId xmlns:a16="http://schemas.microsoft.com/office/drawing/2014/main" id="{9AC4CA10-E254-4F92-B025-7DEDF16B07E5}"/>
+              </a:ext>
+            </a:extLst>
+          </p:cNvPr>
+          <p:cNvSpPr>
+            <a:spLocks noGrp="1"/>
+          </p:cNvSpPr>
+          <p:nvPr>
+            <p:ph type="title"/>
+          </p:nvPr>
+        </p:nvSpPr>
+        <p:spPr>
+          <a:xfrm>
+            <a:off x="1218871" y="2768600"/>
+            <a:ext cx="8596668" cy="1320800"/>
+          </a:xfrm>
+        </p:spPr>
+        <p:txBody>
+          <a:bodyPr anchor="ctr"/>
+          <a:lstStyle/>
+          <a:p>
+            <a:pPr algn="ctr"/>
+            <a:r>
+              <a:rPr kumimoji="1" lang="ja-JP" altLang="en-US" dirty="0">
+                <a:latin typeface="HGPｺﾞｼｯｸE" panose="020B0900000000000000" pitchFamily="50" charset="-128"/>
+                <a:ea typeface="HGPｺﾞｼｯｸE" panose="020B0900000000000000" pitchFamily="50" charset="-128"/>
+              </a:rPr>
+              <a:t>サンプルコード解説</a:t>
+            </a:r>
+          </a:p>
+        </p:txBody>
+      </p:sp>
+    </p:spTree>
+    <p:extLst>
+      <p:ext uri="{BB962C8B-B14F-4D97-AF65-F5344CB8AC3E}">
+        <p14:creationId xmlns:p14="http://schemas.microsoft.com/office/powerpoint/2010/main" val="2795089317"/>
+      </p:ext>
+    </p:extLst>
+  </p:cSld>
+  <p:clrMapOvr>
+    <a:masterClrMapping/>
+  </p:clrMapOvr>
+</p:sld>
+</file>
+
+<file path=ppt/slides/slide17.xml><?xml version="1.0" encoding="utf-8"?>
+<p:sld xmlns:a="http://schemas.openxmlformats.org/drawingml/2006/main" xmlns:r="http://schemas.openxmlformats.org/officeDocument/2006/relationships" xmlns:p="http://schemas.openxmlformats.org/presentationml/2006/main">
+  <p:cSld>
+    <p:spTree>
+      <p:nvGrpSpPr>
+        <p:cNvPr id="1" name=""/>
+        <p:cNvGrpSpPr/>
+        <p:nvPr/>
+      </p:nvGrpSpPr>
+      <p:grpSpPr>
+        <a:xfrm>
+          <a:off x="0" y="0"/>
+          <a:ext cx="0" cy="0"/>
+          <a:chOff x="0" y="0"/>
+          <a:chExt cx="0" cy="0"/>
+        </a:xfrm>
+      </p:grpSpPr>
+      <p:sp>
+        <p:nvSpPr>
+          <p:cNvPr id="2" name="タイトル 1">
+            <a:extLst>
+              <a:ext uri="{FF2B5EF4-FFF2-40B4-BE49-F238E27FC236}">
                 <a16:creationId xmlns:a16="http://schemas.microsoft.com/office/drawing/2014/main" id="{845CC576-B1EE-40BF-9D53-4960A82271C2}"/>
               </a:ext>
             </a:extLst>
@@ -11666,14 +11738,28 @@
                 <a:latin typeface="HGPｺﾞｼｯｸE" panose="020B0900000000000000" pitchFamily="50" charset="-128"/>
                 <a:ea typeface="HGPｺﾞｼｯｸE" panose="020B0900000000000000" pitchFamily="50" charset="-128"/>
               </a:rPr>
-              <a:t>3.</a:t>
+              <a:t>4.</a:t>
             </a:r>
             <a:r>
               <a:rPr lang="en-US" altLang="ja-JP" b="1" dirty="0">
                 <a:latin typeface="HGPｺﾞｼｯｸE" panose="020B0900000000000000" pitchFamily="50" charset="-128"/>
                 <a:ea typeface="HGPｺﾞｼｯｸE" panose="020B0900000000000000" pitchFamily="50" charset="-128"/>
               </a:rPr>
-              <a:t>Visitor</a:t>
+              <a:t>Abstract</a:t>
+            </a:r>
+            <a:r>
+              <a:rPr lang="ja-JP" altLang="en-US" b="1" dirty="0">
+                <a:latin typeface="HGPｺﾞｼｯｸE" panose="020B0900000000000000" pitchFamily="50" charset="-128"/>
+                <a:ea typeface="HGPｺﾞｼｯｸE" panose="020B0900000000000000" pitchFamily="50" charset="-128"/>
+              </a:rPr>
+              <a:t> </a:t>
+            </a:r>
+            <a:r>
+              <a:rPr lang="en-US" altLang="ja-JP" b="1" dirty="0">
+                <a:latin typeface="HGPｺﾞｼｯｸE" panose="020B0900000000000000" pitchFamily="50" charset="-128"/>
+                <a:ea typeface="HGPｺﾞｼｯｸE" panose="020B0900000000000000" pitchFamily="50" charset="-128"/>
+              </a:rPr>
+              <a:t>Factory</a:t>
             </a:r>
             <a:r>
               <a:rPr lang="ja-JP" altLang="en-US" dirty="0">
@@ -11706,7 +11792,7 @@
         <p:spPr>
           <a:xfrm>
             <a:off x="841199" y="2108199"/>
-            <a:ext cx="8746684" cy="1320801"/>
+            <a:ext cx="8746684" cy="1726954"/>
           </a:xfrm>
           <a:prstGeom prst="rect">
             <a:avLst/>
@@ -11953,7 +12039,7 @@
                 <a:latin typeface="HGPｺﾞｼｯｸE" panose="020B0900000000000000" pitchFamily="50" charset="-128"/>
                 <a:ea typeface="HGPｺﾞｼｯｸE" panose="020B0900000000000000" pitchFamily="50" charset="-128"/>
               </a:rPr>
-              <a:t>同じ機能が複数必要になり、いくつも同じ関数を作る羽目になる場合の解決策。</a:t>
+              <a:t>派生クラスのことを考えた設計。</a:t>
             </a:r>
             <a:endParaRPr lang="en-US" altLang="ja-JP" dirty="0">
               <a:latin typeface="HGPｺﾞｼｯｸE" panose="020B0900000000000000" pitchFamily="50" charset="-128"/>
@@ -11970,7 +12056,7 @@
                 <a:latin typeface="HGPｺﾞｼｯｸE" panose="020B0900000000000000" pitchFamily="50" charset="-128"/>
                 <a:ea typeface="HGPｺﾞｼｯｸE" panose="020B0900000000000000" pitchFamily="50" charset="-128"/>
               </a:rPr>
-              <a:t>リファレンスで一考の余地あり。</a:t>
+              <a:t>機能の拡張やファイルの依存度をクラス単位で編集する場合に有用。</a:t>
             </a:r>
             <a:endParaRPr lang="en-US" altLang="ja-JP" dirty="0">
               <a:latin typeface="HGPｺﾞｼｯｸE" panose="020B0900000000000000" pitchFamily="50" charset="-128"/>
@@ -11987,35 +12073,7 @@
                 <a:latin typeface="HGPｺﾞｼｯｸE" panose="020B0900000000000000" pitchFamily="50" charset="-128"/>
                 <a:ea typeface="HGPｺﾞｼｯｸE" panose="020B0900000000000000" pitchFamily="50" charset="-128"/>
               </a:rPr>
-              <a:t>不要な</a:t>
-            </a:r>
-            <a:r>
-              <a:rPr lang="en-US" altLang="ja-JP" dirty="0">
-                <a:latin typeface="HGPｺﾞｼｯｸE" panose="020B0900000000000000" pitchFamily="50" charset="-128"/>
-                <a:ea typeface="HGPｺﾞｼｯｸE" panose="020B0900000000000000" pitchFamily="50" charset="-128"/>
-              </a:rPr>
-              <a:t>Manager</a:t>
-            </a:r>
-            <a:r>
-              <a:rPr lang="ja-JP" altLang="en-US" dirty="0">
-                <a:latin typeface="HGPｺﾞｼｯｸE" panose="020B0900000000000000" pitchFamily="50" charset="-128"/>
-                <a:ea typeface="HGPｺﾞｼｯｸE" panose="020B0900000000000000" pitchFamily="50" charset="-128"/>
-              </a:rPr>
-              <a:t>や</a:t>
-            </a:r>
-            <a:r>
-              <a:rPr lang="en-US" altLang="ja-JP" dirty="0">
-                <a:latin typeface="HGPｺﾞｼｯｸE" panose="020B0900000000000000" pitchFamily="50" charset="-128"/>
-                <a:ea typeface="HGPｺﾞｼｯｸE" panose="020B0900000000000000" pitchFamily="50" charset="-128"/>
-              </a:rPr>
-              <a:t>Controller</a:t>
-            </a:r>
-            <a:r>
-              <a:rPr lang="ja-JP" altLang="en-US" dirty="0">
-                <a:latin typeface="HGPｺﾞｼｯｸE" panose="020B0900000000000000" pitchFamily="50" charset="-128"/>
-                <a:ea typeface="HGPｺﾞｼｯｸE" panose="020B0900000000000000" pitchFamily="50" charset="-128"/>
-              </a:rPr>
-              <a:t>の洗い出しと設計整備にも役立つ？かも</a:t>
+              <a:t>個人的に制作しているライブラリでメインで使っている手法。</a:t>
             </a:r>
             <a:endParaRPr lang="en-US" altLang="ja-JP" dirty="0">
               <a:latin typeface="HGPｺﾞｼｯｸE" panose="020B0900000000000000" pitchFamily="50" charset="-128"/>
@@ -12027,6 +12085,20 @@
               <a:buFont typeface="Wingdings" panose="05000000000000000000" pitchFamily="2" charset="2"/>
               <a:buChar char="n"/>
             </a:pPr>
+            <a:r>
+              <a:rPr lang="en-US" altLang="ja-JP" dirty="0">
+                <a:latin typeface="HGPｺﾞｼｯｸE" panose="020B0900000000000000" pitchFamily="50" charset="-128"/>
+                <a:ea typeface="HGPｺﾞｼｯｸE" panose="020B0900000000000000" pitchFamily="50" charset="-128"/>
+              </a:rPr>
+              <a:t>Iterator</a:t>
+            </a:r>
+            <a:r>
+              <a:rPr lang="ja-JP" altLang="en-US" dirty="0">
+                <a:latin typeface="HGPｺﾞｼｯｸE" panose="020B0900000000000000" pitchFamily="50" charset="-128"/>
+                <a:ea typeface="HGPｺﾞｼｯｸE" panose="020B0900000000000000" pitchFamily="50" charset="-128"/>
+              </a:rPr>
+              <a:t>パターンとセットで覚えよう。</a:t>
+            </a:r>
             <a:endParaRPr lang="en-US" altLang="ja-JP" dirty="0">
               <a:latin typeface="HGPｺﾞｼｯｸE" panose="020B0900000000000000" pitchFamily="50" charset="-128"/>
               <a:ea typeface="HGPｺﾞｼｯｸE" panose="020B0900000000000000" pitchFamily="50" charset="-128"/>
@@ -12050,8 +12122,8 @@
         </p:nvSpPr>
         <p:spPr>
           <a:xfrm>
-            <a:off x="584571" y="4267200"/>
-            <a:ext cx="5185915" cy="2160233"/>
+            <a:off x="584571" y="4267201"/>
+            <a:ext cx="5185915" cy="2163190"/>
           </a:xfrm>
           <a:prstGeom prst="rect">
             <a:avLst/>
@@ -12324,7 +12396,7 @@
                 <a:latin typeface="HGPｺﾞｼｯｸE" panose="020B0900000000000000" pitchFamily="50" charset="-128"/>
                 <a:ea typeface="HGPｺﾞｼｯｸE" panose="020B0900000000000000" pitchFamily="50" charset="-128"/>
               </a:rPr>
-              <a:t>再利用性が高いので、同じ機能を複数使う場合は便利。</a:t>
+              <a:t>継承を利用した柔軟な拡張が出来る。</a:t>
             </a:r>
             <a:endParaRPr lang="en-US" altLang="ja-JP" dirty="0">
               <a:latin typeface="HGPｺﾞｼｯｸE" panose="020B0900000000000000" pitchFamily="50" charset="-128"/>
@@ -12341,7 +12413,7 @@
                 <a:latin typeface="HGPｺﾞｼｯｸE" panose="020B0900000000000000" pitchFamily="50" charset="-128"/>
                 <a:ea typeface="HGPｺﾞｼｯｸE" panose="020B0900000000000000" pitchFamily="50" charset="-128"/>
               </a:rPr>
-              <a:t>位置など簡易情報の管理はシングルトンよりこっちの方が便利。</a:t>
+              <a:t>結合度を上げずに依存を高くできる。</a:t>
             </a:r>
             <a:endParaRPr lang="en-US" altLang="ja-JP" dirty="0">
               <a:latin typeface="HGPｺﾞｼｯｸE" panose="020B0900000000000000" pitchFamily="50" charset="-128"/>
@@ -12358,7 +12430,59 @@
                 <a:latin typeface="HGPｺﾞｼｯｸE" panose="020B0900000000000000" pitchFamily="50" charset="-128"/>
                 <a:ea typeface="HGPｺﾞｼｯｸE" panose="020B0900000000000000" pitchFamily="50" charset="-128"/>
               </a:rPr>
-              <a:t>コードがスッキリする。</a:t>
+              <a:t>ポリモーフィズムを最大限生かした手法。</a:t>
+            </a:r>
+            <a:endParaRPr lang="en-US" altLang="ja-JP" dirty="0">
+              <a:latin typeface="HGPｺﾞｼｯｸE" panose="020B0900000000000000" pitchFamily="50" charset="-128"/>
+              <a:ea typeface="HGPｺﾞｼｯｸE" panose="020B0900000000000000" pitchFamily="50" charset="-128"/>
+            </a:endParaRPr>
+          </a:p>
+          <a:p>
+            <a:pPr>
+              <a:buFont typeface="Wingdings" panose="05000000000000000000" pitchFamily="2" charset="2"/>
+              <a:buChar char="n"/>
+            </a:pPr>
+            <a:r>
+              <a:rPr lang="en-US" altLang="ja-JP" dirty="0">
+                <a:latin typeface="HGPｺﾞｼｯｸE" panose="020B0900000000000000" pitchFamily="50" charset="-128"/>
+                <a:ea typeface="HGPｺﾞｼｯｸE" panose="020B0900000000000000" pitchFamily="50" charset="-128"/>
+              </a:rPr>
+              <a:t>Iterator</a:t>
+            </a:r>
+            <a:r>
+              <a:rPr lang="ja-JP" altLang="en-US" dirty="0">
+                <a:latin typeface="HGPｺﾞｼｯｸE" panose="020B0900000000000000" pitchFamily="50" charset="-128"/>
+                <a:ea typeface="HGPｺﾞｼｯｸE" panose="020B0900000000000000" pitchFamily="50" charset="-128"/>
+              </a:rPr>
+              <a:t>パターン</a:t>
+            </a:r>
+            <a:r>
+              <a:rPr lang="en-US" altLang="ja-JP" dirty="0">
+                <a:latin typeface="HGPｺﾞｼｯｸE" panose="020B0900000000000000" pitchFamily="50" charset="-128"/>
+                <a:ea typeface="HGPｺﾞｼｯｸE" panose="020B0900000000000000" pitchFamily="50" charset="-128"/>
+              </a:rPr>
+              <a:t>(</a:t>
+            </a:r>
+            <a:r>
+              <a:rPr lang="ja-JP" altLang="en-US" dirty="0">
+                <a:latin typeface="HGPｺﾞｼｯｸE" panose="020B0900000000000000" pitchFamily="50" charset="-128"/>
+                <a:ea typeface="HGPｺﾞｼｯｸE" panose="020B0900000000000000" pitchFamily="50" charset="-128"/>
+              </a:rPr>
+              <a:t>後述</a:t>
+            </a:r>
+            <a:r>
+              <a:rPr lang="en-US" altLang="ja-JP" dirty="0">
+                <a:latin typeface="HGPｺﾞｼｯｸE" panose="020B0900000000000000" pitchFamily="50" charset="-128"/>
+                <a:ea typeface="HGPｺﾞｼｯｸE" panose="020B0900000000000000" pitchFamily="50" charset="-128"/>
+              </a:rPr>
+              <a:t>)</a:t>
+            </a:r>
+            <a:r>
+              <a:rPr lang="ja-JP" altLang="en-US" dirty="0">
+                <a:latin typeface="HGPｺﾞｼｯｸE" panose="020B0900000000000000" pitchFamily="50" charset="-128"/>
+                <a:ea typeface="HGPｺﾞｼｯｸE" panose="020B0900000000000000" pitchFamily="50" charset="-128"/>
+              </a:rPr>
+              <a:t>とのシナジーが高い。</a:t>
             </a:r>
             <a:endParaRPr lang="en-US" altLang="ja-JP" dirty="0">
               <a:latin typeface="HGPｺﾞｼｯｸE" panose="020B0900000000000000" pitchFamily="50" charset="-128"/>
@@ -12383,8 +12507,8 @@
         </p:nvSpPr>
         <p:spPr>
           <a:xfrm>
-            <a:off x="5770486" y="4267200"/>
-            <a:ext cx="5185915" cy="1769616"/>
+            <a:off x="5214541" y="4267201"/>
+            <a:ext cx="5761607" cy="2163190"/>
           </a:xfrm>
           <a:prstGeom prst="rect">
             <a:avLst/>
@@ -12653,46 +12777,11 @@
               <a:buChar char="n"/>
             </a:pPr>
             <a:r>
-              <a:rPr lang="en-US" altLang="ja-JP" dirty="0">
-                <a:latin typeface="HGPｺﾞｼｯｸE" panose="020B0900000000000000" pitchFamily="50" charset="-128"/>
-                <a:ea typeface="HGPｺﾞｼｯｸE" panose="020B0900000000000000" pitchFamily="50" charset="-128"/>
-              </a:rPr>
-              <a:t>“Is A”</a:t>
-            </a:r>
-            <a:r>
               <a:rPr lang="ja-JP" altLang="en-US" dirty="0">
                 <a:latin typeface="HGPｺﾞｼｯｸE" panose="020B0900000000000000" pitchFamily="50" charset="-128"/>
                 <a:ea typeface="HGPｺﾞｼｯｸE" panose="020B0900000000000000" pitchFamily="50" charset="-128"/>
               </a:rPr>
-              <a:t>ではなく、</a:t>
-            </a:r>
-            <a:r>
-              <a:rPr lang="en-US" altLang="ja-JP" dirty="0">
-                <a:latin typeface="HGPｺﾞｼｯｸE" panose="020B0900000000000000" pitchFamily="50" charset="-128"/>
-                <a:ea typeface="HGPｺﾞｼｯｸE" panose="020B0900000000000000" pitchFamily="50" charset="-128"/>
-              </a:rPr>
-              <a:t>“has A”</a:t>
-            </a:r>
-            <a:r>
-              <a:rPr lang="ja-JP" altLang="en-US" dirty="0">
-                <a:latin typeface="HGPｺﾞｼｯｸE" panose="020B0900000000000000" pitchFamily="50" charset="-128"/>
-                <a:ea typeface="HGPｺﾞｼｯｸE" panose="020B0900000000000000" pitchFamily="50" charset="-128"/>
-              </a:rPr>
-              <a:t>の関係なので、</a:t>
-            </a:r>
-            <a:r>
-              <a:rPr lang="en-US" altLang="ja-JP" dirty="0">
-                <a:latin typeface="HGPｺﾞｼｯｸE" panose="020B0900000000000000" pitchFamily="50" charset="-128"/>
-                <a:ea typeface="HGPｺﾞｼｯｸE" panose="020B0900000000000000" pitchFamily="50" charset="-128"/>
-              </a:rPr>
-              <a:t>visitor</a:t>
-            </a:r>
-            <a:r>
-              <a:rPr lang="ja-JP" altLang="en-US" dirty="0">
-                <a:latin typeface="HGPｺﾞｼｯｸE" panose="020B0900000000000000" pitchFamily="50" charset="-128"/>
-                <a:ea typeface="HGPｺﾞｼｯｸE" panose="020B0900000000000000" pitchFamily="50" charset="-128"/>
-              </a:rPr>
-              <a:t>の編集でコンパイル時間が長くなる。</a:t>
+              <a:t>ファイル数が増える。</a:t>
             </a:r>
             <a:endParaRPr lang="en-US" altLang="ja-JP" dirty="0">
               <a:latin typeface="HGPｺﾞｼｯｸE" panose="020B0900000000000000" pitchFamily="50" charset="-128"/>
@@ -12704,6 +12793,13 @@
               <a:buFont typeface="Wingdings" panose="05000000000000000000" pitchFamily="2" charset="2"/>
               <a:buChar char="n"/>
             </a:pPr>
+            <a:r>
+              <a:rPr lang="ja-JP" altLang="en-US" dirty="0">
+                <a:latin typeface="HGPｺﾞｼｯｸE" panose="020B0900000000000000" pitchFamily="50" charset="-128"/>
+                <a:ea typeface="HGPｺﾞｼｯｸE" panose="020B0900000000000000" pitchFamily="50" charset="-128"/>
+              </a:rPr>
+              <a:t>クラス数が必然的に増える。</a:t>
+            </a:r>
             <a:endParaRPr lang="en-US" altLang="ja-JP" dirty="0">
               <a:latin typeface="HGPｺﾞｼｯｸE" panose="020B0900000000000000" pitchFamily="50" charset="-128"/>
               <a:ea typeface="HGPｺﾞｼｯｸE" panose="020B0900000000000000" pitchFamily="50" charset="-128"/>
@@ -12714,6 +12810,30 @@
               <a:buFont typeface="Wingdings" panose="05000000000000000000" pitchFamily="2" charset="2"/>
               <a:buChar char="n"/>
             </a:pPr>
+            <a:r>
+              <a:rPr lang="ja-JP" altLang="en-US" dirty="0">
+                <a:latin typeface="HGPｺﾞｼｯｸE" panose="020B0900000000000000" pitchFamily="50" charset="-128"/>
+                <a:ea typeface="HGPｺﾞｼｯｸE" panose="020B0900000000000000" pitchFamily="50" charset="-128"/>
+              </a:rPr>
+              <a:t>抽象クラスを編集した際ビルド時間が長くなりがち。</a:t>
+            </a:r>
+            <a:endParaRPr lang="en-US" altLang="ja-JP" dirty="0">
+              <a:latin typeface="HGPｺﾞｼｯｸE" panose="020B0900000000000000" pitchFamily="50" charset="-128"/>
+              <a:ea typeface="HGPｺﾞｼｯｸE" panose="020B0900000000000000" pitchFamily="50" charset="-128"/>
+            </a:endParaRPr>
+          </a:p>
+          <a:p>
+            <a:pPr>
+              <a:buFont typeface="Wingdings" panose="05000000000000000000" pitchFamily="2" charset="2"/>
+              <a:buChar char="n"/>
+            </a:pPr>
+            <a:r>
+              <a:rPr lang="ja-JP" altLang="en-US" dirty="0">
+                <a:latin typeface="HGPｺﾞｼｯｸE" panose="020B0900000000000000" pitchFamily="50" charset="-128"/>
+                <a:ea typeface="HGPｺﾞｼｯｸE" panose="020B0900000000000000" pitchFamily="50" charset="-128"/>
+              </a:rPr>
+              <a:t>インターフェイスや抽象クラスの知識必須。</a:t>
+            </a:r>
             <a:endParaRPr lang="en-US" altLang="ja-JP" dirty="0">
               <a:latin typeface="HGPｺﾞｼｯｸE" panose="020B0900000000000000" pitchFamily="50" charset="-128"/>
               <a:ea typeface="HGPｺﾞｼｯｸE" panose="020B0900000000000000" pitchFamily="50" charset="-128"/>
@@ -12724,7 +12844,1264 @@
     </p:spTree>
     <p:extLst>
       <p:ext uri="{BB962C8B-B14F-4D97-AF65-F5344CB8AC3E}">
-        <p14:creationId xmlns:p14="http://schemas.microsoft.com/office/powerpoint/2010/main" val="1112396335"/>
+        <p14:creationId xmlns:p14="http://schemas.microsoft.com/office/powerpoint/2010/main" val="3018300056"/>
+      </p:ext>
+    </p:extLst>
+  </p:cSld>
+  <p:clrMapOvr>
+    <a:masterClrMapping/>
+  </p:clrMapOvr>
+</p:sld>
+</file>
+
+<file path=ppt/slides/slide18.xml><?xml version="1.0" encoding="utf-8"?>
+<p:sld xmlns:a="http://schemas.openxmlformats.org/drawingml/2006/main" xmlns:r="http://schemas.openxmlformats.org/officeDocument/2006/relationships" xmlns:p="http://schemas.openxmlformats.org/presentationml/2006/main">
+  <p:cSld>
+    <p:spTree>
+      <p:nvGrpSpPr>
+        <p:cNvPr id="1" name=""/>
+        <p:cNvGrpSpPr/>
+        <p:nvPr/>
+      </p:nvGrpSpPr>
+      <p:grpSpPr>
+        <a:xfrm>
+          <a:off x="0" y="0"/>
+          <a:ext cx="0" cy="0"/>
+          <a:chOff x="0" y="0"/>
+          <a:chExt cx="0" cy="0"/>
+        </a:xfrm>
+      </p:grpSpPr>
+      <p:sp>
+        <p:nvSpPr>
+          <p:cNvPr id="2" name="タイトル 1">
+            <a:extLst>
+              <a:ext uri="{FF2B5EF4-FFF2-40B4-BE49-F238E27FC236}">
+                <a16:creationId xmlns:a16="http://schemas.microsoft.com/office/drawing/2014/main" id="{9AC4CA10-E254-4F92-B025-7DEDF16B07E5}"/>
+              </a:ext>
+            </a:extLst>
+          </p:cNvPr>
+          <p:cNvSpPr>
+            <a:spLocks noGrp="1"/>
+          </p:cNvSpPr>
+          <p:nvPr>
+            <p:ph type="title"/>
+          </p:nvPr>
+        </p:nvSpPr>
+        <p:spPr>
+          <a:xfrm>
+            <a:off x="1218871" y="2768600"/>
+            <a:ext cx="8596668" cy="1320800"/>
+          </a:xfrm>
+        </p:spPr>
+        <p:txBody>
+          <a:bodyPr anchor="ctr"/>
+          <a:lstStyle/>
+          <a:p>
+            <a:pPr algn="ctr"/>
+            <a:r>
+              <a:rPr kumimoji="1" lang="ja-JP" altLang="en-US" dirty="0">
+                <a:latin typeface="HGPｺﾞｼｯｸE" panose="020B0900000000000000" pitchFamily="50" charset="-128"/>
+                <a:ea typeface="HGPｺﾞｼｯｸE" panose="020B0900000000000000" pitchFamily="50" charset="-128"/>
+              </a:rPr>
+              <a:t>サンプルコード解説</a:t>
+            </a:r>
+          </a:p>
+        </p:txBody>
+      </p:sp>
+    </p:spTree>
+    <p:extLst>
+      <p:ext uri="{BB962C8B-B14F-4D97-AF65-F5344CB8AC3E}">
+        <p14:creationId xmlns:p14="http://schemas.microsoft.com/office/powerpoint/2010/main" val="731139050"/>
+      </p:ext>
+    </p:extLst>
+  </p:cSld>
+  <p:clrMapOvr>
+    <a:masterClrMapping/>
+  </p:clrMapOvr>
+</p:sld>
+</file>
+
+<file path=ppt/slides/slide19.xml><?xml version="1.0" encoding="utf-8"?>
+<p:sld xmlns:a="http://schemas.openxmlformats.org/drawingml/2006/main" xmlns:r="http://schemas.openxmlformats.org/officeDocument/2006/relationships" xmlns:p="http://schemas.openxmlformats.org/presentationml/2006/main">
+  <p:cSld>
+    <p:spTree>
+      <p:nvGrpSpPr>
+        <p:cNvPr id="1" name=""/>
+        <p:cNvGrpSpPr/>
+        <p:nvPr/>
+      </p:nvGrpSpPr>
+      <p:grpSpPr>
+        <a:xfrm>
+          <a:off x="0" y="0"/>
+          <a:ext cx="0" cy="0"/>
+          <a:chOff x="0" y="0"/>
+          <a:chExt cx="0" cy="0"/>
+        </a:xfrm>
+      </p:grpSpPr>
+      <p:sp>
+        <p:nvSpPr>
+          <p:cNvPr id="2" name="タイトル 1">
+            <a:extLst>
+              <a:ext uri="{FF2B5EF4-FFF2-40B4-BE49-F238E27FC236}">
+                <a16:creationId xmlns:a16="http://schemas.microsoft.com/office/drawing/2014/main" id="{845CC576-B1EE-40BF-9D53-4960A82271C2}"/>
+              </a:ext>
+            </a:extLst>
+          </p:cNvPr>
+          <p:cNvSpPr>
+            <a:spLocks noGrp="1"/>
+          </p:cNvSpPr>
+          <p:nvPr>
+            <p:ph type="title"/>
+          </p:nvPr>
+        </p:nvSpPr>
+        <p:spPr/>
+        <p:txBody>
+          <a:bodyPr anchor="ctr"/>
+          <a:lstStyle/>
+          <a:p>
+            <a:r>
+              <a:rPr lang="en-US" altLang="ja-JP" dirty="0">
+                <a:latin typeface="HGPｺﾞｼｯｸE" panose="020B0900000000000000" pitchFamily="50" charset="-128"/>
+                <a:ea typeface="HGPｺﾞｼｯｸE" panose="020B0900000000000000" pitchFamily="50" charset="-128"/>
+              </a:rPr>
+              <a:t>5.</a:t>
+            </a:r>
+            <a:r>
+              <a:rPr lang="en-US" altLang="ja-JP" b="1" dirty="0">
+                <a:latin typeface="HGPｺﾞｼｯｸE" panose="020B0900000000000000" pitchFamily="50" charset="-128"/>
+                <a:ea typeface="HGPｺﾞｼｯｸE" panose="020B0900000000000000" pitchFamily="50" charset="-128"/>
+              </a:rPr>
+              <a:t>Iterator</a:t>
+            </a:r>
+            <a:r>
+              <a:rPr lang="ja-JP" altLang="en-US" dirty="0">
+                <a:latin typeface="HGPｺﾞｼｯｸE" panose="020B0900000000000000" pitchFamily="50" charset="-128"/>
+                <a:ea typeface="HGPｺﾞｼｯｸE" panose="020B0900000000000000" pitchFamily="50" charset="-128"/>
+              </a:rPr>
+              <a:t>パターン</a:t>
+            </a:r>
+            <a:endParaRPr kumimoji="1" lang="ja-JP" altLang="en-US" dirty="0">
+              <a:latin typeface="HGPｺﾞｼｯｸE" panose="020B0900000000000000" pitchFamily="50" charset="-128"/>
+              <a:ea typeface="HGPｺﾞｼｯｸE" panose="020B0900000000000000" pitchFamily="50" charset="-128"/>
+            </a:endParaRPr>
+          </a:p>
+        </p:txBody>
+      </p:sp>
+      <p:sp>
+        <p:nvSpPr>
+          <p:cNvPr id="6" name="コンテンツ プレースホルダー 2">
+            <a:extLst>
+              <a:ext uri="{FF2B5EF4-FFF2-40B4-BE49-F238E27FC236}">
+                <a16:creationId xmlns:a16="http://schemas.microsoft.com/office/drawing/2014/main" id="{048AD946-95B6-4F80-BB06-2CBD2F20C382}"/>
+              </a:ext>
+            </a:extLst>
+          </p:cNvPr>
+          <p:cNvSpPr txBox="1">
+            <a:spLocks/>
+          </p:cNvSpPr>
+          <p:nvPr/>
+        </p:nvSpPr>
+        <p:spPr>
+          <a:xfrm>
+            <a:off x="841199" y="2108199"/>
+            <a:ext cx="8746684" cy="2159002"/>
+          </a:xfrm>
+          <a:prstGeom prst="rect">
+            <a:avLst/>
+          </a:prstGeom>
+        </p:spPr>
+        <p:txBody>
+          <a:bodyPr vert="horz" lIns="91440" tIns="45720" rIns="91440" bIns="45720" rtlCol="0">
+            <a:normAutofit/>
+          </a:bodyPr>
+          <a:lstStyle>
+            <a:lvl1pPr marL="342900" indent="-342900" algn="l" defTabSz="457200" rtl="0" eaLnBrk="1" latinLnBrk="0" hangingPunct="1">
+              <a:spcBef>
+                <a:spcPts val="1000"/>
+              </a:spcBef>
+              <a:spcAft>
+                <a:spcPts val="0"/>
+              </a:spcAft>
+              <a:buClr>
+                <a:schemeClr val="accent1"/>
+              </a:buClr>
+              <a:buSzPct val="80000"/>
+              <a:buFont typeface="Wingdings 3" charset="2"/>
+              <a:buChar char=""/>
+              <a:defRPr kumimoji="1" sz="1800" kern="1200">
+                <a:solidFill>
+                  <a:schemeClr val="tx1">
+                    <a:lumMod val="75000"/>
+                    <a:lumOff val="25000"/>
+                  </a:schemeClr>
+                </a:solidFill>
+                <a:latin typeface="+mn-lt"/>
+                <a:ea typeface="+mn-ea"/>
+                <a:cs typeface="+mn-cs"/>
+              </a:defRPr>
+            </a:lvl1pPr>
+            <a:lvl2pPr marL="742950" indent="-285750" algn="l" defTabSz="457200" rtl="0" eaLnBrk="1" latinLnBrk="0" hangingPunct="1">
+              <a:spcBef>
+                <a:spcPts val="1000"/>
+              </a:spcBef>
+              <a:spcAft>
+                <a:spcPts val="0"/>
+              </a:spcAft>
+              <a:buClr>
+                <a:schemeClr val="accent1"/>
+              </a:buClr>
+              <a:buSzPct val="80000"/>
+              <a:buFont typeface="Wingdings 3" charset="2"/>
+              <a:buChar char=""/>
+              <a:defRPr kumimoji="1" sz="1600" kern="1200">
+                <a:solidFill>
+                  <a:schemeClr val="tx1">
+                    <a:lumMod val="75000"/>
+                    <a:lumOff val="25000"/>
+                  </a:schemeClr>
+                </a:solidFill>
+                <a:latin typeface="+mn-lt"/>
+                <a:ea typeface="+mn-ea"/>
+                <a:cs typeface="+mn-cs"/>
+              </a:defRPr>
+            </a:lvl2pPr>
+            <a:lvl3pPr marL="1143000" indent="-228600" algn="l" defTabSz="457200" rtl="0" eaLnBrk="1" latinLnBrk="0" hangingPunct="1">
+              <a:spcBef>
+                <a:spcPts val="1000"/>
+              </a:spcBef>
+              <a:spcAft>
+                <a:spcPts val="0"/>
+              </a:spcAft>
+              <a:buClr>
+                <a:schemeClr val="accent1"/>
+              </a:buClr>
+              <a:buSzPct val="80000"/>
+              <a:buFont typeface="Wingdings 3" charset="2"/>
+              <a:buChar char=""/>
+              <a:defRPr kumimoji="1" sz="1400" kern="1200">
+                <a:solidFill>
+                  <a:schemeClr val="tx1">
+                    <a:lumMod val="75000"/>
+                    <a:lumOff val="25000"/>
+                  </a:schemeClr>
+                </a:solidFill>
+                <a:latin typeface="+mn-lt"/>
+                <a:ea typeface="+mn-ea"/>
+                <a:cs typeface="+mn-cs"/>
+              </a:defRPr>
+            </a:lvl3pPr>
+            <a:lvl4pPr marL="1600200" indent="-228600" algn="l" defTabSz="457200" rtl="0" eaLnBrk="1" latinLnBrk="0" hangingPunct="1">
+              <a:spcBef>
+                <a:spcPts val="1000"/>
+              </a:spcBef>
+              <a:spcAft>
+                <a:spcPts val="0"/>
+              </a:spcAft>
+              <a:buClr>
+                <a:schemeClr val="accent1"/>
+              </a:buClr>
+              <a:buSzPct val="80000"/>
+              <a:buFont typeface="Wingdings 3" charset="2"/>
+              <a:buChar char=""/>
+              <a:defRPr kumimoji="1" sz="1200" kern="1200">
+                <a:solidFill>
+                  <a:schemeClr val="tx1">
+                    <a:lumMod val="75000"/>
+                    <a:lumOff val="25000"/>
+                  </a:schemeClr>
+                </a:solidFill>
+                <a:latin typeface="+mn-lt"/>
+                <a:ea typeface="+mn-ea"/>
+                <a:cs typeface="+mn-cs"/>
+              </a:defRPr>
+            </a:lvl4pPr>
+            <a:lvl5pPr marL="2057400" indent="-228600" algn="l" defTabSz="457200" rtl="0" eaLnBrk="1" latinLnBrk="0" hangingPunct="1">
+              <a:spcBef>
+                <a:spcPts val="1000"/>
+              </a:spcBef>
+              <a:spcAft>
+                <a:spcPts val="0"/>
+              </a:spcAft>
+              <a:buClr>
+                <a:schemeClr val="accent1"/>
+              </a:buClr>
+              <a:buSzPct val="80000"/>
+              <a:buFont typeface="Wingdings 3" charset="2"/>
+              <a:buChar char=""/>
+              <a:defRPr kumimoji="1" sz="1200" kern="1200">
+                <a:solidFill>
+                  <a:schemeClr val="tx1">
+                    <a:lumMod val="75000"/>
+                    <a:lumOff val="25000"/>
+                  </a:schemeClr>
+                </a:solidFill>
+                <a:latin typeface="+mn-lt"/>
+                <a:ea typeface="+mn-ea"/>
+                <a:cs typeface="+mn-cs"/>
+              </a:defRPr>
+            </a:lvl5pPr>
+            <a:lvl6pPr marL="2514600" indent="-228600" algn="l" defTabSz="457200" rtl="0" eaLnBrk="1" latinLnBrk="0" hangingPunct="1">
+              <a:spcBef>
+                <a:spcPts val="1000"/>
+              </a:spcBef>
+              <a:spcAft>
+                <a:spcPts val="0"/>
+              </a:spcAft>
+              <a:buClr>
+                <a:schemeClr val="accent1"/>
+              </a:buClr>
+              <a:buSzPct val="80000"/>
+              <a:buFont typeface="Wingdings 3" charset="2"/>
+              <a:buChar char=""/>
+              <a:defRPr kumimoji="1" sz="1200" kern="1200">
+                <a:solidFill>
+                  <a:schemeClr val="tx1">
+                    <a:lumMod val="75000"/>
+                    <a:lumOff val="25000"/>
+                  </a:schemeClr>
+                </a:solidFill>
+                <a:latin typeface="+mn-lt"/>
+                <a:ea typeface="+mn-ea"/>
+                <a:cs typeface="+mn-cs"/>
+              </a:defRPr>
+            </a:lvl6pPr>
+            <a:lvl7pPr marL="2971800" indent="-228600" algn="l" defTabSz="457200" rtl="0" eaLnBrk="1" latinLnBrk="0" hangingPunct="1">
+              <a:spcBef>
+                <a:spcPts val="1000"/>
+              </a:spcBef>
+              <a:spcAft>
+                <a:spcPts val="0"/>
+              </a:spcAft>
+              <a:buClr>
+                <a:schemeClr val="accent1"/>
+              </a:buClr>
+              <a:buSzPct val="80000"/>
+              <a:buFont typeface="Wingdings 3" charset="2"/>
+              <a:buChar char=""/>
+              <a:defRPr kumimoji="1" sz="1200" kern="1200">
+                <a:solidFill>
+                  <a:schemeClr val="tx1">
+                    <a:lumMod val="75000"/>
+                    <a:lumOff val="25000"/>
+                  </a:schemeClr>
+                </a:solidFill>
+                <a:latin typeface="+mn-lt"/>
+                <a:ea typeface="+mn-ea"/>
+                <a:cs typeface="+mn-cs"/>
+              </a:defRPr>
+            </a:lvl7pPr>
+            <a:lvl8pPr marL="3429000" indent="-228600" algn="l" defTabSz="457200" rtl="0" eaLnBrk="1" latinLnBrk="0" hangingPunct="1">
+              <a:spcBef>
+                <a:spcPts val="1000"/>
+              </a:spcBef>
+              <a:spcAft>
+                <a:spcPts val="0"/>
+              </a:spcAft>
+              <a:buClr>
+                <a:schemeClr val="accent1"/>
+              </a:buClr>
+              <a:buSzPct val="80000"/>
+              <a:buFont typeface="Wingdings 3" charset="2"/>
+              <a:buChar char=""/>
+              <a:defRPr kumimoji="1" sz="1200" kern="1200">
+                <a:solidFill>
+                  <a:schemeClr val="tx1">
+                    <a:lumMod val="75000"/>
+                    <a:lumOff val="25000"/>
+                  </a:schemeClr>
+                </a:solidFill>
+                <a:latin typeface="+mn-lt"/>
+                <a:ea typeface="+mn-ea"/>
+                <a:cs typeface="+mn-cs"/>
+              </a:defRPr>
+            </a:lvl8pPr>
+            <a:lvl9pPr marL="3886200" indent="-228600" algn="l" defTabSz="457200" rtl="0" eaLnBrk="1" latinLnBrk="0" hangingPunct="1">
+              <a:spcBef>
+                <a:spcPts val="1000"/>
+              </a:spcBef>
+              <a:spcAft>
+                <a:spcPts val="0"/>
+              </a:spcAft>
+              <a:buClr>
+                <a:schemeClr val="accent1"/>
+              </a:buClr>
+              <a:buSzPct val="80000"/>
+              <a:buFont typeface="Wingdings 3" charset="2"/>
+              <a:buChar char=""/>
+              <a:defRPr kumimoji="1" sz="1200" kern="1200">
+                <a:solidFill>
+                  <a:schemeClr val="tx1">
+                    <a:lumMod val="75000"/>
+                    <a:lumOff val="25000"/>
+                  </a:schemeClr>
+                </a:solidFill>
+                <a:latin typeface="+mn-lt"/>
+                <a:ea typeface="+mn-ea"/>
+                <a:cs typeface="+mn-cs"/>
+              </a:defRPr>
+            </a:lvl9pPr>
+          </a:lstStyle>
+          <a:p>
+            <a:pPr>
+              <a:buFont typeface="Wingdings" panose="05000000000000000000" pitchFamily="2" charset="2"/>
+              <a:buChar char="n"/>
+            </a:pPr>
+            <a:r>
+              <a:rPr lang="ja-JP" altLang="en-US" dirty="0">
+                <a:latin typeface="HGPｺﾞｼｯｸE" panose="020B0900000000000000" pitchFamily="50" charset="-128"/>
+                <a:ea typeface="HGPｺﾞｼｯｸE" panose="020B0900000000000000" pitchFamily="50" charset="-128"/>
+              </a:rPr>
+              <a:t>範囲</a:t>
+            </a:r>
+            <a:r>
+              <a:rPr lang="en-US" altLang="ja-JP" dirty="0">
+                <a:latin typeface="HGPｺﾞｼｯｸE" panose="020B0900000000000000" pitchFamily="50" charset="-128"/>
+                <a:ea typeface="HGPｺﾞｼｯｸE" panose="020B0900000000000000" pitchFamily="50" charset="-128"/>
+              </a:rPr>
+              <a:t>for</a:t>
+            </a:r>
+            <a:r>
+              <a:rPr lang="ja-JP" altLang="en-US" dirty="0">
+                <a:latin typeface="HGPｺﾞｼｯｸE" panose="020B0900000000000000" pitchFamily="50" charset="-128"/>
+                <a:ea typeface="HGPｺﾞｼｯｸE" panose="020B0900000000000000" pitchFamily="50" charset="-128"/>
+              </a:rPr>
+              <a:t>文で処理をまとめられる。</a:t>
+            </a:r>
+            <a:r>
+              <a:rPr lang="en-US" altLang="ja-JP" dirty="0">
+                <a:latin typeface="HGPｺﾞｼｯｸE" panose="020B0900000000000000" pitchFamily="50" charset="-128"/>
+                <a:ea typeface="HGPｺﾞｼｯｸE" panose="020B0900000000000000" pitchFamily="50" charset="-128"/>
+              </a:rPr>
+              <a:t>(C#</a:t>
+            </a:r>
+            <a:r>
+              <a:rPr lang="ja-JP" altLang="en-US" dirty="0">
+                <a:latin typeface="HGPｺﾞｼｯｸE" panose="020B0900000000000000" pitchFamily="50" charset="-128"/>
+                <a:ea typeface="HGPｺﾞｼｯｸE" panose="020B0900000000000000" pitchFamily="50" charset="-128"/>
+              </a:rPr>
+              <a:t>なら</a:t>
+            </a:r>
+            <a:r>
+              <a:rPr lang="en-US" altLang="ja-JP" dirty="0">
+                <a:latin typeface="HGPｺﾞｼｯｸE" panose="020B0900000000000000" pitchFamily="50" charset="-128"/>
+                <a:ea typeface="HGPｺﾞｼｯｸE" panose="020B0900000000000000" pitchFamily="50" charset="-128"/>
+              </a:rPr>
+              <a:t>foreach)</a:t>
+            </a:r>
+          </a:p>
+          <a:p>
+            <a:pPr>
+              <a:buFont typeface="Wingdings" panose="05000000000000000000" pitchFamily="2" charset="2"/>
+              <a:buChar char="n"/>
+            </a:pPr>
+            <a:r>
+              <a:rPr lang="ja-JP" altLang="en-US" dirty="0">
+                <a:latin typeface="HGPｺﾞｼｯｸE" panose="020B0900000000000000" pitchFamily="50" charset="-128"/>
+                <a:ea typeface="HGPｺﾞｼｯｸE" panose="020B0900000000000000" pitchFamily="50" charset="-128"/>
+              </a:rPr>
+              <a:t>ループ文は基本的にこの構文。</a:t>
+            </a:r>
+            <a:r>
+              <a:rPr lang="en-US" altLang="ja-JP" dirty="0">
+                <a:latin typeface="HGPｺﾞｼｯｸE" panose="020B0900000000000000" pitchFamily="50" charset="-128"/>
+                <a:ea typeface="HGPｺﾞｼｯｸE" panose="020B0900000000000000" pitchFamily="50" charset="-128"/>
+              </a:rPr>
+              <a:t>(</a:t>
+            </a:r>
+            <a:r>
+              <a:rPr lang="ja-JP" altLang="en-US" dirty="0">
+                <a:latin typeface="HGPｺﾞｼｯｸE" panose="020B0900000000000000" pitchFamily="50" charset="-128"/>
+                <a:ea typeface="HGPｺﾞｼｯｸE" panose="020B0900000000000000" pitchFamily="50" charset="-128"/>
+              </a:rPr>
+              <a:t>普通の</a:t>
+            </a:r>
+            <a:r>
+              <a:rPr lang="en-US" altLang="ja-JP" dirty="0">
+                <a:latin typeface="HGPｺﾞｼｯｸE" panose="020B0900000000000000" pitchFamily="50" charset="-128"/>
+                <a:ea typeface="HGPｺﾞｼｯｸE" panose="020B0900000000000000" pitchFamily="50" charset="-128"/>
+              </a:rPr>
+              <a:t>for</a:t>
+            </a:r>
+            <a:r>
+              <a:rPr lang="ja-JP" altLang="en-US" dirty="0">
+                <a:latin typeface="HGPｺﾞｼｯｸE" panose="020B0900000000000000" pitchFamily="50" charset="-128"/>
+                <a:ea typeface="HGPｺﾞｼｯｸE" panose="020B0900000000000000" pitchFamily="50" charset="-128"/>
+              </a:rPr>
+              <a:t>文は使わない</a:t>
+            </a:r>
+            <a:r>
+              <a:rPr lang="en-US" altLang="ja-JP" dirty="0">
+                <a:latin typeface="HGPｺﾞｼｯｸE" panose="020B0900000000000000" pitchFamily="50" charset="-128"/>
+                <a:ea typeface="HGPｺﾞｼｯｸE" panose="020B0900000000000000" pitchFamily="50" charset="-128"/>
+              </a:rPr>
+              <a:t>)</a:t>
+            </a:r>
+          </a:p>
+          <a:p>
+            <a:pPr>
+              <a:buFont typeface="Wingdings" panose="05000000000000000000" pitchFamily="2" charset="2"/>
+              <a:buChar char="n"/>
+            </a:pPr>
+            <a:r>
+              <a:rPr lang="en-US" altLang="ja-JP" dirty="0">
+                <a:latin typeface="HGPｺﾞｼｯｸE" panose="020B0900000000000000" pitchFamily="50" charset="-128"/>
+                <a:ea typeface="HGPｺﾞｼｯｸE" panose="020B0900000000000000" pitchFamily="50" charset="-128"/>
+              </a:rPr>
+              <a:t>LINQ</a:t>
+            </a:r>
+            <a:r>
+              <a:rPr lang="ja-JP" altLang="en-US" dirty="0">
+                <a:latin typeface="HGPｺﾞｼｯｸE" panose="020B0900000000000000" pitchFamily="50" charset="-128"/>
+                <a:ea typeface="HGPｺﾞｼｯｸE" panose="020B0900000000000000" pitchFamily="50" charset="-128"/>
+              </a:rPr>
+              <a:t>使う際に必須。</a:t>
+            </a:r>
+            <a:r>
+              <a:rPr lang="en-US" altLang="ja-JP" dirty="0">
+                <a:latin typeface="HGPｺﾞｼｯｸE" panose="020B0900000000000000" pitchFamily="50" charset="-128"/>
+                <a:ea typeface="HGPｺﾞｼｯｸE" panose="020B0900000000000000" pitchFamily="50" charset="-128"/>
+              </a:rPr>
+              <a:t>(C#)</a:t>
+            </a:r>
+          </a:p>
+          <a:p>
+            <a:pPr>
+              <a:buFont typeface="Wingdings" panose="05000000000000000000" pitchFamily="2" charset="2"/>
+              <a:buChar char="n"/>
+            </a:pPr>
+            <a:r>
+              <a:rPr lang="ja-JP" altLang="en-US" dirty="0">
+                <a:latin typeface="HGPｺﾞｼｯｸE" panose="020B0900000000000000" pitchFamily="50" charset="-128"/>
+                <a:ea typeface="HGPｺﾞｼｯｸE" panose="020B0900000000000000" pitchFamily="50" charset="-128"/>
+              </a:rPr>
+              <a:t>コピーなのか参照渡しなのか気を付けよう！</a:t>
+            </a:r>
+            <a:endParaRPr lang="en-US" altLang="ja-JP" dirty="0">
+              <a:latin typeface="HGPｺﾞｼｯｸE" panose="020B0900000000000000" pitchFamily="50" charset="-128"/>
+              <a:ea typeface="HGPｺﾞｼｯｸE" panose="020B0900000000000000" pitchFamily="50" charset="-128"/>
+            </a:endParaRPr>
+          </a:p>
+          <a:p>
+            <a:pPr>
+              <a:buFont typeface="Wingdings" panose="05000000000000000000" pitchFamily="2" charset="2"/>
+              <a:buChar char="n"/>
+            </a:pPr>
+            <a:r>
+              <a:rPr lang="ja-JP" altLang="en-US" dirty="0">
+                <a:latin typeface="HGPｺﾞｼｯｸE" panose="020B0900000000000000" pitchFamily="50" charset="-128"/>
+                <a:ea typeface="HGPｺﾞｼｯｸE" panose="020B0900000000000000" pitchFamily="50" charset="-128"/>
+              </a:rPr>
+              <a:t>決定表の相方。</a:t>
+            </a:r>
+            <a:endParaRPr lang="en-US" altLang="ja-JP" dirty="0">
+              <a:latin typeface="HGPｺﾞｼｯｸE" panose="020B0900000000000000" pitchFamily="50" charset="-128"/>
+              <a:ea typeface="HGPｺﾞｼｯｸE" panose="020B0900000000000000" pitchFamily="50" charset="-128"/>
+            </a:endParaRPr>
+          </a:p>
+        </p:txBody>
+      </p:sp>
+      <p:sp>
+        <p:nvSpPr>
+          <p:cNvPr id="7" name="コンテンツ プレースホルダー 2">
+            <a:extLst>
+              <a:ext uri="{FF2B5EF4-FFF2-40B4-BE49-F238E27FC236}">
+                <a16:creationId xmlns:a16="http://schemas.microsoft.com/office/drawing/2014/main" id="{871414A4-B7C4-4DE9-9363-D015CEC18631}"/>
+              </a:ext>
+            </a:extLst>
+          </p:cNvPr>
+          <p:cNvSpPr txBox="1">
+            <a:spLocks/>
+          </p:cNvSpPr>
+          <p:nvPr/>
+        </p:nvSpPr>
+        <p:spPr>
+          <a:xfrm>
+            <a:off x="584571" y="4267201"/>
+            <a:ext cx="5185915" cy="2163190"/>
+          </a:xfrm>
+          <a:prstGeom prst="rect">
+            <a:avLst/>
+          </a:prstGeom>
+        </p:spPr>
+        <p:txBody>
+          <a:bodyPr vert="horz" lIns="91440" tIns="45720" rIns="91440" bIns="45720" rtlCol="0">
+            <a:normAutofit/>
+          </a:bodyPr>
+          <a:lstStyle>
+            <a:lvl1pPr marL="342900" indent="-342900" algn="l" defTabSz="457200" rtl="0" eaLnBrk="1" latinLnBrk="0" hangingPunct="1">
+              <a:spcBef>
+                <a:spcPts val="1000"/>
+              </a:spcBef>
+              <a:spcAft>
+                <a:spcPts val="0"/>
+              </a:spcAft>
+              <a:buClr>
+                <a:schemeClr val="accent1"/>
+              </a:buClr>
+              <a:buSzPct val="80000"/>
+              <a:buFont typeface="Wingdings 3" charset="2"/>
+              <a:buChar char=""/>
+              <a:defRPr kumimoji="1" sz="1800" kern="1200">
+                <a:solidFill>
+                  <a:schemeClr val="tx1">
+                    <a:lumMod val="75000"/>
+                    <a:lumOff val="25000"/>
+                  </a:schemeClr>
+                </a:solidFill>
+                <a:latin typeface="+mn-lt"/>
+                <a:ea typeface="+mn-ea"/>
+                <a:cs typeface="+mn-cs"/>
+              </a:defRPr>
+            </a:lvl1pPr>
+            <a:lvl2pPr marL="742950" indent="-285750" algn="l" defTabSz="457200" rtl="0" eaLnBrk="1" latinLnBrk="0" hangingPunct="1">
+              <a:spcBef>
+                <a:spcPts val="1000"/>
+              </a:spcBef>
+              <a:spcAft>
+                <a:spcPts val="0"/>
+              </a:spcAft>
+              <a:buClr>
+                <a:schemeClr val="accent1"/>
+              </a:buClr>
+              <a:buSzPct val="80000"/>
+              <a:buFont typeface="Wingdings 3" charset="2"/>
+              <a:buChar char=""/>
+              <a:defRPr kumimoji="1" sz="1600" kern="1200">
+                <a:solidFill>
+                  <a:schemeClr val="tx1">
+                    <a:lumMod val="75000"/>
+                    <a:lumOff val="25000"/>
+                  </a:schemeClr>
+                </a:solidFill>
+                <a:latin typeface="+mn-lt"/>
+                <a:ea typeface="+mn-ea"/>
+                <a:cs typeface="+mn-cs"/>
+              </a:defRPr>
+            </a:lvl2pPr>
+            <a:lvl3pPr marL="1143000" indent="-228600" algn="l" defTabSz="457200" rtl="0" eaLnBrk="1" latinLnBrk="0" hangingPunct="1">
+              <a:spcBef>
+                <a:spcPts val="1000"/>
+              </a:spcBef>
+              <a:spcAft>
+                <a:spcPts val="0"/>
+              </a:spcAft>
+              <a:buClr>
+                <a:schemeClr val="accent1"/>
+              </a:buClr>
+              <a:buSzPct val="80000"/>
+              <a:buFont typeface="Wingdings 3" charset="2"/>
+              <a:buChar char=""/>
+              <a:defRPr kumimoji="1" sz="1400" kern="1200">
+                <a:solidFill>
+                  <a:schemeClr val="tx1">
+                    <a:lumMod val="75000"/>
+                    <a:lumOff val="25000"/>
+                  </a:schemeClr>
+                </a:solidFill>
+                <a:latin typeface="+mn-lt"/>
+                <a:ea typeface="+mn-ea"/>
+                <a:cs typeface="+mn-cs"/>
+              </a:defRPr>
+            </a:lvl3pPr>
+            <a:lvl4pPr marL="1600200" indent="-228600" algn="l" defTabSz="457200" rtl="0" eaLnBrk="1" latinLnBrk="0" hangingPunct="1">
+              <a:spcBef>
+                <a:spcPts val="1000"/>
+              </a:spcBef>
+              <a:spcAft>
+                <a:spcPts val="0"/>
+              </a:spcAft>
+              <a:buClr>
+                <a:schemeClr val="accent1"/>
+              </a:buClr>
+              <a:buSzPct val="80000"/>
+              <a:buFont typeface="Wingdings 3" charset="2"/>
+              <a:buChar char=""/>
+              <a:defRPr kumimoji="1" sz="1200" kern="1200">
+                <a:solidFill>
+                  <a:schemeClr val="tx1">
+                    <a:lumMod val="75000"/>
+                    <a:lumOff val="25000"/>
+                  </a:schemeClr>
+                </a:solidFill>
+                <a:latin typeface="+mn-lt"/>
+                <a:ea typeface="+mn-ea"/>
+                <a:cs typeface="+mn-cs"/>
+              </a:defRPr>
+            </a:lvl4pPr>
+            <a:lvl5pPr marL="2057400" indent="-228600" algn="l" defTabSz="457200" rtl="0" eaLnBrk="1" latinLnBrk="0" hangingPunct="1">
+              <a:spcBef>
+                <a:spcPts val="1000"/>
+              </a:spcBef>
+              <a:spcAft>
+                <a:spcPts val="0"/>
+              </a:spcAft>
+              <a:buClr>
+                <a:schemeClr val="accent1"/>
+              </a:buClr>
+              <a:buSzPct val="80000"/>
+              <a:buFont typeface="Wingdings 3" charset="2"/>
+              <a:buChar char=""/>
+              <a:defRPr kumimoji="1" sz="1200" kern="1200">
+                <a:solidFill>
+                  <a:schemeClr val="tx1">
+                    <a:lumMod val="75000"/>
+                    <a:lumOff val="25000"/>
+                  </a:schemeClr>
+                </a:solidFill>
+                <a:latin typeface="+mn-lt"/>
+                <a:ea typeface="+mn-ea"/>
+                <a:cs typeface="+mn-cs"/>
+              </a:defRPr>
+            </a:lvl5pPr>
+            <a:lvl6pPr marL="2514600" indent="-228600" algn="l" defTabSz="457200" rtl="0" eaLnBrk="1" latinLnBrk="0" hangingPunct="1">
+              <a:spcBef>
+                <a:spcPts val="1000"/>
+              </a:spcBef>
+              <a:spcAft>
+                <a:spcPts val="0"/>
+              </a:spcAft>
+              <a:buClr>
+                <a:schemeClr val="accent1"/>
+              </a:buClr>
+              <a:buSzPct val="80000"/>
+              <a:buFont typeface="Wingdings 3" charset="2"/>
+              <a:buChar char=""/>
+              <a:defRPr kumimoji="1" sz="1200" kern="1200">
+                <a:solidFill>
+                  <a:schemeClr val="tx1">
+                    <a:lumMod val="75000"/>
+                    <a:lumOff val="25000"/>
+                  </a:schemeClr>
+                </a:solidFill>
+                <a:latin typeface="+mn-lt"/>
+                <a:ea typeface="+mn-ea"/>
+                <a:cs typeface="+mn-cs"/>
+              </a:defRPr>
+            </a:lvl6pPr>
+            <a:lvl7pPr marL="2971800" indent="-228600" algn="l" defTabSz="457200" rtl="0" eaLnBrk="1" latinLnBrk="0" hangingPunct="1">
+              <a:spcBef>
+                <a:spcPts val="1000"/>
+              </a:spcBef>
+              <a:spcAft>
+                <a:spcPts val="0"/>
+              </a:spcAft>
+              <a:buClr>
+                <a:schemeClr val="accent1"/>
+              </a:buClr>
+              <a:buSzPct val="80000"/>
+              <a:buFont typeface="Wingdings 3" charset="2"/>
+              <a:buChar char=""/>
+              <a:defRPr kumimoji="1" sz="1200" kern="1200">
+                <a:solidFill>
+                  <a:schemeClr val="tx1">
+                    <a:lumMod val="75000"/>
+                    <a:lumOff val="25000"/>
+                  </a:schemeClr>
+                </a:solidFill>
+                <a:latin typeface="+mn-lt"/>
+                <a:ea typeface="+mn-ea"/>
+                <a:cs typeface="+mn-cs"/>
+              </a:defRPr>
+            </a:lvl7pPr>
+            <a:lvl8pPr marL="3429000" indent="-228600" algn="l" defTabSz="457200" rtl="0" eaLnBrk="1" latinLnBrk="0" hangingPunct="1">
+              <a:spcBef>
+                <a:spcPts val="1000"/>
+              </a:spcBef>
+              <a:spcAft>
+                <a:spcPts val="0"/>
+              </a:spcAft>
+              <a:buClr>
+                <a:schemeClr val="accent1"/>
+              </a:buClr>
+              <a:buSzPct val="80000"/>
+              <a:buFont typeface="Wingdings 3" charset="2"/>
+              <a:buChar char=""/>
+              <a:defRPr kumimoji="1" sz="1200" kern="1200">
+                <a:solidFill>
+                  <a:schemeClr val="tx1">
+                    <a:lumMod val="75000"/>
+                    <a:lumOff val="25000"/>
+                  </a:schemeClr>
+                </a:solidFill>
+                <a:latin typeface="+mn-lt"/>
+                <a:ea typeface="+mn-ea"/>
+                <a:cs typeface="+mn-cs"/>
+              </a:defRPr>
+            </a:lvl8pPr>
+            <a:lvl9pPr marL="3886200" indent="-228600" algn="l" defTabSz="457200" rtl="0" eaLnBrk="1" latinLnBrk="0" hangingPunct="1">
+              <a:spcBef>
+                <a:spcPts val="1000"/>
+              </a:spcBef>
+              <a:spcAft>
+                <a:spcPts val="0"/>
+              </a:spcAft>
+              <a:buClr>
+                <a:schemeClr val="accent1"/>
+              </a:buClr>
+              <a:buSzPct val="80000"/>
+              <a:buFont typeface="Wingdings 3" charset="2"/>
+              <a:buChar char=""/>
+              <a:defRPr kumimoji="1" sz="1200" kern="1200">
+                <a:solidFill>
+                  <a:schemeClr val="tx1">
+                    <a:lumMod val="75000"/>
+                    <a:lumOff val="25000"/>
+                  </a:schemeClr>
+                </a:solidFill>
+                <a:latin typeface="+mn-lt"/>
+                <a:ea typeface="+mn-ea"/>
+                <a:cs typeface="+mn-cs"/>
+              </a:defRPr>
+            </a:lvl9pPr>
+          </a:lstStyle>
+          <a:p>
+            <a:pPr marL="0" indent="0">
+              <a:buNone/>
+            </a:pPr>
+            <a:r>
+              <a:rPr lang="en-US" altLang="ja-JP" dirty="0">
+                <a:latin typeface="HGPｺﾞｼｯｸE" panose="020B0900000000000000" pitchFamily="50" charset="-128"/>
+                <a:ea typeface="HGPｺﾞｼｯｸE" panose="020B0900000000000000" pitchFamily="50" charset="-128"/>
+              </a:rPr>
+              <a:t>	【</a:t>
+            </a:r>
+            <a:r>
+              <a:rPr lang="ja-JP" altLang="en-US" dirty="0">
+                <a:latin typeface="HGPｺﾞｼｯｸE" panose="020B0900000000000000" pitchFamily="50" charset="-128"/>
+                <a:ea typeface="HGPｺﾞｼｯｸE" panose="020B0900000000000000" pitchFamily="50" charset="-128"/>
+              </a:rPr>
+              <a:t>メリット</a:t>
+            </a:r>
+            <a:r>
+              <a:rPr lang="en-US" altLang="ja-JP" dirty="0">
+                <a:latin typeface="HGPｺﾞｼｯｸE" panose="020B0900000000000000" pitchFamily="50" charset="-128"/>
+                <a:ea typeface="HGPｺﾞｼｯｸE" panose="020B0900000000000000" pitchFamily="50" charset="-128"/>
+              </a:rPr>
+              <a:t>】</a:t>
+            </a:r>
+          </a:p>
+          <a:p>
+            <a:pPr>
+              <a:buFont typeface="Wingdings" panose="05000000000000000000" pitchFamily="2" charset="2"/>
+              <a:buChar char="n"/>
+            </a:pPr>
+            <a:r>
+              <a:rPr lang="ja-JP" altLang="en-US" dirty="0">
+                <a:latin typeface="HGPｺﾞｼｯｸE" panose="020B0900000000000000" pitchFamily="50" charset="-128"/>
+                <a:ea typeface="HGPｺﾞｼｯｸE" panose="020B0900000000000000" pitchFamily="50" charset="-128"/>
+              </a:rPr>
+              <a:t>文が短くなり、可読性の向上。</a:t>
+            </a:r>
+            <a:endParaRPr lang="en-US" altLang="ja-JP" dirty="0">
+              <a:latin typeface="HGPｺﾞｼｯｸE" panose="020B0900000000000000" pitchFamily="50" charset="-128"/>
+              <a:ea typeface="HGPｺﾞｼｯｸE" panose="020B0900000000000000" pitchFamily="50" charset="-128"/>
+            </a:endParaRPr>
+          </a:p>
+          <a:p>
+            <a:pPr>
+              <a:buFont typeface="Wingdings" panose="05000000000000000000" pitchFamily="2" charset="2"/>
+              <a:buChar char="n"/>
+            </a:pPr>
+            <a:r>
+              <a:rPr lang="ja-JP" altLang="en-US" dirty="0">
+                <a:latin typeface="HGPｺﾞｼｯｸE" panose="020B0900000000000000" pitchFamily="50" charset="-128"/>
+                <a:ea typeface="HGPｺﾞｼｯｸE" panose="020B0900000000000000" pitchFamily="50" charset="-128"/>
+              </a:rPr>
+              <a:t>普通の</a:t>
+            </a:r>
+            <a:r>
+              <a:rPr lang="en-US" altLang="ja-JP" dirty="0">
+                <a:latin typeface="HGPｺﾞｼｯｸE" panose="020B0900000000000000" pitchFamily="50" charset="-128"/>
+                <a:ea typeface="HGPｺﾞｼｯｸE" panose="020B0900000000000000" pitchFamily="50" charset="-128"/>
+              </a:rPr>
+              <a:t>for</a:t>
+            </a:r>
+            <a:r>
+              <a:rPr lang="ja-JP" altLang="en-US" dirty="0">
+                <a:latin typeface="HGPｺﾞｼｯｸE" panose="020B0900000000000000" pitchFamily="50" charset="-128"/>
+                <a:ea typeface="HGPｺﾞｼｯｸE" panose="020B0900000000000000" pitchFamily="50" charset="-128"/>
+              </a:rPr>
+              <a:t>文を使わなくてよくなる。</a:t>
+            </a:r>
+            <a:endParaRPr lang="en-US" altLang="ja-JP" dirty="0">
+              <a:latin typeface="HGPｺﾞｼｯｸE" panose="020B0900000000000000" pitchFamily="50" charset="-128"/>
+              <a:ea typeface="HGPｺﾞｼｯｸE" panose="020B0900000000000000" pitchFamily="50" charset="-128"/>
+            </a:endParaRPr>
+          </a:p>
+        </p:txBody>
+      </p:sp>
+      <p:sp>
+        <p:nvSpPr>
+          <p:cNvPr id="8" name="コンテンツ プレースホルダー 2">
+            <a:extLst>
+              <a:ext uri="{FF2B5EF4-FFF2-40B4-BE49-F238E27FC236}">
+                <a16:creationId xmlns:a16="http://schemas.microsoft.com/office/drawing/2014/main" id="{E0915D32-8FE1-40EE-B586-26F3AA67F381}"/>
+              </a:ext>
+            </a:extLst>
+          </p:cNvPr>
+          <p:cNvSpPr txBox="1">
+            <a:spLocks/>
+          </p:cNvSpPr>
+          <p:nvPr/>
+        </p:nvSpPr>
+        <p:spPr>
+          <a:xfrm>
+            <a:off x="5214541" y="4267201"/>
+            <a:ext cx="5761607" cy="2163190"/>
+          </a:xfrm>
+          <a:prstGeom prst="rect">
+            <a:avLst/>
+          </a:prstGeom>
+        </p:spPr>
+        <p:txBody>
+          <a:bodyPr vert="horz" lIns="91440" tIns="45720" rIns="91440" bIns="45720" rtlCol="0">
+            <a:normAutofit/>
+          </a:bodyPr>
+          <a:lstStyle>
+            <a:lvl1pPr marL="342900" indent="-342900" algn="l" defTabSz="457200" rtl="0" eaLnBrk="1" latinLnBrk="0" hangingPunct="1">
+              <a:spcBef>
+                <a:spcPts val="1000"/>
+              </a:spcBef>
+              <a:spcAft>
+                <a:spcPts val="0"/>
+              </a:spcAft>
+              <a:buClr>
+                <a:schemeClr val="accent1"/>
+              </a:buClr>
+              <a:buSzPct val="80000"/>
+              <a:buFont typeface="Wingdings 3" charset="2"/>
+              <a:buChar char=""/>
+              <a:defRPr kumimoji="1" sz="1800" kern="1200">
+                <a:solidFill>
+                  <a:schemeClr val="tx1">
+                    <a:lumMod val="75000"/>
+                    <a:lumOff val="25000"/>
+                  </a:schemeClr>
+                </a:solidFill>
+                <a:latin typeface="+mn-lt"/>
+                <a:ea typeface="+mn-ea"/>
+                <a:cs typeface="+mn-cs"/>
+              </a:defRPr>
+            </a:lvl1pPr>
+            <a:lvl2pPr marL="742950" indent="-285750" algn="l" defTabSz="457200" rtl="0" eaLnBrk="1" latinLnBrk="0" hangingPunct="1">
+              <a:spcBef>
+                <a:spcPts val="1000"/>
+              </a:spcBef>
+              <a:spcAft>
+                <a:spcPts val="0"/>
+              </a:spcAft>
+              <a:buClr>
+                <a:schemeClr val="accent1"/>
+              </a:buClr>
+              <a:buSzPct val="80000"/>
+              <a:buFont typeface="Wingdings 3" charset="2"/>
+              <a:buChar char=""/>
+              <a:defRPr kumimoji="1" sz="1600" kern="1200">
+                <a:solidFill>
+                  <a:schemeClr val="tx1">
+                    <a:lumMod val="75000"/>
+                    <a:lumOff val="25000"/>
+                  </a:schemeClr>
+                </a:solidFill>
+                <a:latin typeface="+mn-lt"/>
+                <a:ea typeface="+mn-ea"/>
+                <a:cs typeface="+mn-cs"/>
+              </a:defRPr>
+            </a:lvl2pPr>
+            <a:lvl3pPr marL="1143000" indent="-228600" algn="l" defTabSz="457200" rtl="0" eaLnBrk="1" latinLnBrk="0" hangingPunct="1">
+              <a:spcBef>
+                <a:spcPts val="1000"/>
+              </a:spcBef>
+              <a:spcAft>
+                <a:spcPts val="0"/>
+              </a:spcAft>
+              <a:buClr>
+                <a:schemeClr val="accent1"/>
+              </a:buClr>
+              <a:buSzPct val="80000"/>
+              <a:buFont typeface="Wingdings 3" charset="2"/>
+              <a:buChar char=""/>
+              <a:defRPr kumimoji="1" sz="1400" kern="1200">
+                <a:solidFill>
+                  <a:schemeClr val="tx1">
+                    <a:lumMod val="75000"/>
+                    <a:lumOff val="25000"/>
+                  </a:schemeClr>
+                </a:solidFill>
+                <a:latin typeface="+mn-lt"/>
+                <a:ea typeface="+mn-ea"/>
+                <a:cs typeface="+mn-cs"/>
+              </a:defRPr>
+            </a:lvl3pPr>
+            <a:lvl4pPr marL="1600200" indent="-228600" algn="l" defTabSz="457200" rtl="0" eaLnBrk="1" latinLnBrk="0" hangingPunct="1">
+              <a:spcBef>
+                <a:spcPts val="1000"/>
+              </a:spcBef>
+              <a:spcAft>
+                <a:spcPts val="0"/>
+              </a:spcAft>
+              <a:buClr>
+                <a:schemeClr val="accent1"/>
+              </a:buClr>
+              <a:buSzPct val="80000"/>
+              <a:buFont typeface="Wingdings 3" charset="2"/>
+              <a:buChar char=""/>
+              <a:defRPr kumimoji="1" sz="1200" kern="1200">
+                <a:solidFill>
+                  <a:schemeClr val="tx1">
+                    <a:lumMod val="75000"/>
+                    <a:lumOff val="25000"/>
+                  </a:schemeClr>
+                </a:solidFill>
+                <a:latin typeface="+mn-lt"/>
+                <a:ea typeface="+mn-ea"/>
+                <a:cs typeface="+mn-cs"/>
+              </a:defRPr>
+            </a:lvl4pPr>
+            <a:lvl5pPr marL="2057400" indent="-228600" algn="l" defTabSz="457200" rtl="0" eaLnBrk="1" latinLnBrk="0" hangingPunct="1">
+              <a:spcBef>
+                <a:spcPts val="1000"/>
+              </a:spcBef>
+              <a:spcAft>
+                <a:spcPts val="0"/>
+              </a:spcAft>
+              <a:buClr>
+                <a:schemeClr val="accent1"/>
+              </a:buClr>
+              <a:buSzPct val="80000"/>
+              <a:buFont typeface="Wingdings 3" charset="2"/>
+              <a:buChar char=""/>
+              <a:defRPr kumimoji="1" sz="1200" kern="1200">
+                <a:solidFill>
+                  <a:schemeClr val="tx1">
+                    <a:lumMod val="75000"/>
+                    <a:lumOff val="25000"/>
+                  </a:schemeClr>
+                </a:solidFill>
+                <a:latin typeface="+mn-lt"/>
+                <a:ea typeface="+mn-ea"/>
+                <a:cs typeface="+mn-cs"/>
+              </a:defRPr>
+            </a:lvl5pPr>
+            <a:lvl6pPr marL="2514600" indent="-228600" algn="l" defTabSz="457200" rtl="0" eaLnBrk="1" latinLnBrk="0" hangingPunct="1">
+              <a:spcBef>
+                <a:spcPts val="1000"/>
+              </a:spcBef>
+              <a:spcAft>
+                <a:spcPts val="0"/>
+              </a:spcAft>
+              <a:buClr>
+                <a:schemeClr val="accent1"/>
+              </a:buClr>
+              <a:buSzPct val="80000"/>
+              <a:buFont typeface="Wingdings 3" charset="2"/>
+              <a:buChar char=""/>
+              <a:defRPr kumimoji="1" sz="1200" kern="1200">
+                <a:solidFill>
+                  <a:schemeClr val="tx1">
+                    <a:lumMod val="75000"/>
+                    <a:lumOff val="25000"/>
+                  </a:schemeClr>
+                </a:solidFill>
+                <a:latin typeface="+mn-lt"/>
+                <a:ea typeface="+mn-ea"/>
+                <a:cs typeface="+mn-cs"/>
+              </a:defRPr>
+            </a:lvl6pPr>
+            <a:lvl7pPr marL="2971800" indent="-228600" algn="l" defTabSz="457200" rtl="0" eaLnBrk="1" latinLnBrk="0" hangingPunct="1">
+              <a:spcBef>
+                <a:spcPts val="1000"/>
+              </a:spcBef>
+              <a:spcAft>
+                <a:spcPts val="0"/>
+              </a:spcAft>
+              <a:buClr>
+                <a:schemeClr val="accent1"/>
+              </a:buClr>
+              <a:buSzPct val="80000"/>
+              <a:buFont typeface="Wingdings 3" charset="2"/>
+              <a:buChar char=""/>
+              <a:defRPr kumimoji="1" sz="1200" kern="1200">
+                <a:solidFill>
+                  <a:schemeClr val="tx1">
+                    <a:lumMod val="75000"/>
+                    <a:lumOff val="25000"/>
+                  </a:schemeClr>
+                </a:solidFill>
+                <a:latin typeface="+mn-lt"/>
+                <a:ea typeface="+mn-ea"/>
+                <a:cs typeface="+mn-cs"/>
+              </a:defRPr>
+            </a:lvl7pPr>
+            <a:lvl8pPr marL="3429000" indent="-228600" algn="l" defTabSz="457200" rtl="0" eaLnBrk="1" latinLnBrk="0" hangingPunct="1">
+              <a:spcBef>
+                <a:spcPts val="1000"/>
+              </a:spcBef>
+              <a:spcAft>
+                <a:spcPts val="0"/>
+              </a:spcAft>
+              <a:buClr>
+                <a:schemeClr val="accent1"/>
+              </a:buClr>
+              <a:buSzPct val="80000"/>
+              <a:buFont typeface="Wingdings 3" charset="2"/>
+              <a:buChar char=""/>
+              <a:defRPr kumimoji="1" sz="1200" kern="1200">
+                <a:solidFill>
+                  <a:schemeClr val="tx1">
+                    <a:lumMod val="75000"/>
+                    <a:lumOff val="25000"/>
+                  </a:schemeClr>
+                </a:solidFill>
+                <a:latin typeface="+mn-lt"/>
+                <a:ea typeface="+mn-ea"/>
+                <a:cs typeface="+mn-cs"/>
+              </a:defRPr>
+            </a:lvl8pPr>
+            <a:lvl9pPr marL="3886200" indent="-228600" algn="l" defTabSz="457200" rtl="0" eaLnBrk="1" latinLnBrk="0" hangingPunct="1">
+              <a:spcBef>
+                <a:spcPts val="1000"/>
+              </a:spcBef>
+              <a:spcAft>
+                <a:spcPts val="0"/>
+              </a:spcAft>
+              <a:buClr>
+                <a:schemeClr val="accent1"/>
+              </a:buClr>
+              <a:buSzPct val="80000"/>
+              <a:buFont typeface="Wingdings 3" charset="2"/>
+              <a:buChar char=""/>
+              <a:defRPr kumimoji="1" sz="1200" kern="1200">
+                <a:solidFill>
+                  <a:schemeClr val="tx1">
+                    <a:lumMod val="75000"/>
+                    <a:lumOff val="25000"/>
+                  </a:schemeClr>
+                </a:solidFill>
+                <a:latin typeface="+mn-lt"/>
+                <a:ea typeface="+mn-ea"/>
+                <a:cs typeface="+mn-cs"/>
+              </a:defRPr>
+            </a:lvl9pPr>
+          </a:lstStyle>
+          <a:p>
+            <a:pPr marL="0" indent="0">
+              <a:buNone/>
+            </a:pPr>
+            <a:r>
+              <a:rPr lang="en-US" altLang="ja-JP" dirty="0">
+                <a:latin typeface="HGPｺﾞｼｯｸE" panose="020B0900000000000000" pitchFamily="50" charset="-128"/>
+                <a:ea typeface="HGPｺﾞｼｯｸE" panose="020B0900000000000000" pitchFamily="50" charset="-128"/>
+              </a:rPr>
+              <a:t>	【</a:t>
+            </a:r>
+            <a:r>
+              <a:rPr lang="ja-JP" altLang="en-US" dirty="0">
+                <a:latin typeface="HGPｺﾞｼｯｸE" panose="020B0900000000000000" pitchFamily="50" charset="-128"/>
+                <a:ea typeface="HGPｺﾞｼｯｸE" panose="020B0900000000000000" pitchFamily="50" charset="-128"/>
+              </a:rPr>
+              <a:t>デメリット</a:t>
+            </a:r>
+            <a:r>
+              <a:rPr lang="en-US" altLang="ja-JP" dirty="0">
+                <a:latin typeface="HGPｺﾞｼｯｸE" panose="020B0900000000000000" pitchFamily="50" charset="-128"/>
+                <a:ea typeface="HGPｺﾞｼｯｸE" panose="020B0900000000000000" pitchFamily="50" charset="-128"/>
+              </a:rPr>
+              <a:t>】</a:t>
+            </a:r>
+          </a:p>
+          <a:p>
+            <a:pPr>
+              <a:buFont typeface="Wingdings" panose="05000000000000000000" pitchFamily="2" charset="2"/>
+              <a:buChar char="n"/>
+            </a:pPr>
+            <a:r>
+              <a:rPr lang="ja-JP" altLang="en-US" dirty="0">
+                <a:latin typeface="HGPｺﾞｼｯｸE" panose="020B0900000000000000" pitchFamily="50" charset="-128"/>
+                <a:ea typeface="HGPｺﾞｼｯｸE" panose="020B0900000000000000" pitchFamily="50" charset="-128"/>
+              </a:rPr>
+              <a:t>デメリットなく</a:t>
+            </a:r>
+            <a:r>
+              <a:rPr lang="ja-JP" altLang="en-US" dirty="0" err="1">
+                <a:latin typeface="HGPｺﾞｼｯｸE" panose="020B0900000000000000" pitchFamily="50" charset="-128"/>
+                <a:ea typeface="HGPｺﾞｼｯｸE" panose="020B0900000000000000" pitchFamily="50" charset="-128"/>
+              </a:rPr>
+              <a:t>ね</a:t>
+            </a:r>
+            <a:r>
+              <a:rPr lang="ja-JP" altLang="en-US" dirty="0">
+                <a:latin typeface="HGPｺﾞｼｯｸE" panose="020B0900000000000000" pitchFamily="50" charset="-128"/>
+                <a:ea typeface="HGPｺﾞｼｯｸE" panose="020B0900000000000000" pitchFamily="50" charset="-128"/>
+              </a:rPr>
+              <a:t>？</a:t>
+            </a:r>
+            <a:endParaRPr lang="en-US" altLang="ja-JP" dirty="0">
+              <a:latin typeface="HGPｺﾞｼｯｸE" panose="020B0900000000000000" pitchFamily="50" charset="-128"/>
+              <a:ea typeface="HGPｺﾞｼｯｸE" panose="020B0900000000000000" pitchFamily="50" charset="-128"/>
+            </a:endParaRPr>
+          </a:p>
+          <a:p>
+            <a:pPr>
+              <a:buFont typeface="Wingdings" panose="05000000000000000000" pitchFamily="2" charset="2"/>
+              <a:buChar char="n"/>
+            </a:pPr>
+            <a:r>
+              <a:rPr lang="en-US" altLang="ja-JP" dirty="0">
+                <a:latin typeface="HGPｺﾞｼｯｸE" panose="020B0900000000000000" pitchFamily="50" charset="-128"/>
+                <a:ea typeface="HGPｺﾞｼｯｸE" panose="020B0900000000000000" pitchFamily="50" charset="-128"/>
+              </a:rPr>
+              <a:t>(C#</a:t>
+            </a:r>
+            <a:r>
+              <a:rPr lang="ja-JP" altLang="en-US" dirty="0">
+                <a:latin typeface="HGPｺﾞｼｯｸE" panose="020B0900000000000000" pitchFamily="50" charset="-128"/>
+                <a:ea typeface="HGPｺﾞｼｯｸE" panose="020B0900000000000000" pitchFamily="50" charset="-128"/>
+              </a:rPr>
+              <a:t>の</a:t>
+            </a:r>
+            <a:r>
+              <a:rPr lang="en-US" altLang="ja-JP" dirty="0">
+                <a:latin typeface="HGPｺﾞｼｯｸE" panose="020B0900000000000000" pitchFamily="50" charset="-128"/>
+                <a:ea typeface="HGPｺﾞｼｯｸE" panose="020B0900000000000000" pitchFamily="50" charset="-128"/>
+              </a:rPr>
+              <a:t>LINQ</a:t>
+            </a:r>
+            <a:r>
+              <a:rPr lang="ja-JP" altLang="en-US" dirty="0">
+                <a:latin typeface="HGPｺﾞｼｯｸE" panose="020B0900000000000000" pitchFamily="50" charset="-128"/>
+                <a:ea typeface="HGPｺﾞｼｯｸE" panose="020B0900000000000000" pitchFamily="50" charset="-128"/>
+              </a:rPr>
+              <a:t>は若干重い処理</a:t>
+            </a:r>
+            <a:r>
+              <a:rPr lang="en-US" altLang="ja-JP" dirty="0">
+                <a:latin typeface="HGPｺﾞｼｯｸE" panose="020B0900000000000000" pitchFamily="50" charset="-128"/>
+                <a:ea typeface="HGPｺﾞｼｯｸE" panose="020B0900000000000000" pitchFamily="50" charset="-128"/>
+              </a:rPr>
+              <a:t>)</a:t>
+            </a:r>
+            <a:r>
+              <a:rPr lang="ja-JP" altLang="en-US" dirty="0">
+                <a:latin typeface="HGPｺﾞｼｯｸE" panose="020B0900000000000000" pitchFamily="50" charset="-128"/>
+                <a:ea typeface="HGPｺﾞｼｯｸE" panose="020B0900000000000000" pitchFamily="50" charset="-128"/>
+              </a:rPr>
+              <a:t>→自作しよう</a:t>
+            </a:r>
+            <a:r>
+              <a:rPr lang="en-US" altLang="ja-JP" dirty="0">
+                <a:latin typeface="HGPｺﾞｼｯｸE" panose="020B0900000000000000" pitchFamily="50" charset="-128"/>
+                <a:ea typeface="HGPｺﾞｼｯｸE" panose="020B0900000000000000" pitchFamily="50" charset="-128"/>
+              </a:rPr>
+              <a:t>!!</a:t>
+            </a:r>
+          </a:p>
+        </p:txBody>
+      </p:sp>
+    </p:spTree>
+    <p:extLst>
+      <p:ext uri="{BB962C8B-B14F-4D97-AF65-F5344CB8AC3E}">
+        <p14:creationId xmlns:p14="http://schemas.microsoft.com/office/powerpoint/2010/main" val="2724150406"/>
       </p:ext>
     </p:extLst>
   </p:cSld>
@@ -12969,6 +14346,1184 @@
     <p:extLst>
       <p:ext uri="{BB962C8B-B14F-4D97-AF65-F5344CB8AC3E}">
         <p14:creationId xmlns:p14="http://schemas.microsoft.com/office/powerpoint/2010/main" val="2906770442"/>
+      </p:ext>
+    </p:extLst>
+  </p:cSld>
+  <p:clrMapOvr>
+    <a:masterClrMapping/>
+  </p:clrMapOvr>
+</p:sld>
+</file>
+
+<file path=ppt/slides/slide20.xml><?xml version="1.0" encoding="utf-8"?>
+<p:sld xmlns:a="http://schemas.openxmlformats.org/drawingml/2006/main" xmlns:r="http://schemas.openxmlformats.org/officeDocument/2006/relationships" xmlns:p="http://schemas.openxmlformats.org/presentationml/2006/main">
+  <p:cSld>
+    <p:spTree>
+      <p:nvGrpSpPr>
+        <p:cNvPr id="1" name=""/>
+        <p:cNvGrpSpPr/>
+        <p:nvPr/>
+      </p:nvGrpSpPr>
+      <p:grpSpPr>
+        <a:xfrm>
+          <a:off x="0" y="0"/>
+          <a:ext cx="0" cy="0"/>
+          <a:chOff x="0" y="0"/>
+          <a:chExt cx="0" cy="0"/>
+        </a:xfrm>
+      </p:grpSpPr>
+      <p:sp>
+        <p:nvSpPr>
+          <p:cNvPr id="2" name="タイトル 1">
+            <a:extLst>
+              <a:ext uri="{FF2B5EF4-FFF2-40B4-BE49-F238E27FC236}">
+                <a16:creationId xmlns:a16="http://schemas.microsoft.com/office/drawing/2014/main" id="{9AC4CA10-E254-4F92-B025-7DEDF16B07E5}"/>
+              </a:ext>
+            </a:extLst>
+          </p:cNvPr>
+          <p:cNvSpPr>
+            <a:spLocks noGrp="1"/>
+          </p:cNvSpPr>
+          <p:nvPr>
+            <p:ph type="title"/>
+          </p:nvPr>
+        </p:nvSpPr>
+        <p:spPr>
+          <a:xfrm>
+            <a:off x="1218871" y="2768600"/>
+            <a:ext cx="8596668" cy="1320800"/>
+          </a:xfrm>
+        </p:spPr>
+        <p:txBody>
+          <a:bodyPr anchor="ctr"/>
+          <a:lstStyle/>
+          <a:p>
+            <a:pPr algn="ctr"/>
+            <a:r>
+              <a:rPr kumimoji="1" lang="ja-JP" altLang="en-US" dirty="0">
+                <a:latin typeface="HGPｺﾞｼｯｸE" panose="020B0900000000000000" pitchFamily="50" charset="-128"/>
+                <a:ea typeface="HGPｺﾞｼｯｸE" panose="020B0900000000000000" pitchFamily="50" charset="-128"/>
+              </a:rPr>
+              <a:t>サンプルコード解説</a:t>
+            </a:r>
+          </a:p>
+        </p:txBody>
+      </p:sp>
+    </p:spTree>
+    <p:extLst>
+      <p:ext uri="{BB962C8B-B14F-4D97-AF65-F5344CB8AC3E}">
+        <p14:creationId xmlns:p14="http://schemas.microsoft.com/office/powerpoint/2010/main" val="1183825951"/>
+      </p:ext>
+    </p:extLst>
+  </p:cSld>
+  <p:clrMapOvr>
+    <a:masterClrMapping/>
+  </p:clrMapOvr>
+</p:sld>
+</file>
+
+<file path=ppt/slides/slide21.xml><?xml version="1.0" encoding="utf-8"?>
+<p:sld xmlns:a="http://schemas.openxmlformats.org/drawingml/2006/main" xmlns:r="http://schemas.openxmlformats.org/officeDocument/2006/relationships" xmlns:p="http://schemas.openxmlformats.org/presentationml/2006/main">
+  <p:cSld>
+    <p:spTree>
+      <p:nvGrpSpPr>
+        <p:cNvPr id="1" name=""/>
+        <p:cNvGrpSpPr/>
+        <p:nvPr/>
+      </p:nvGrpSpPr>
+      <p:grpSpPr>
+        <a:xfrm>
+          <a:off x="0" y="0"/>
+          <a:ext cx="0" cy="0"/>
+          <a:chOff x="0" y="0"/>
+          <a:chExt cx="0" cy="0"/>
+        </a:xfrm>
+      </p:grpSpPr>
+      <p:sp>
+        <p:nvSpPr>
+          <p:cNvPr id="2" name="タイトル 1">
+            <a:extLst>
+              <a:ext uri="{FF2B5EF4-FFF2-40B4-BE49-F238E27FC236}">
+                <a16:creationId xmlns:a16="http://schemas.microsoft.com/office/drawing/2014/main" id="{845CC576-B1EE-40BF-9D53-4960A82271C2}"/>
+              </a:ext>
+            </a:extLst>
+          </p:cNvPr>
+          <p:cNvSpPr>
+            <a:spLocks noGrp="1"/>
+          </p:cNvSpPr>
+          <p:nvPr>
+            <p:ph type="title"/>
+          </p:nvPr>
+        </p:nvSpPr>
+        <p:spPr/>
+        <p:txBody>
+          <a:bodyPr anchor="ctr"/>
+          <a:lstStyle/>
+          <a:p>
+            <a:r>
+              <a:rPr lang="en-US" altLang="ja-JP" dirty="0">
+                <a:latin typeface="HGPｺﾞｼｯｸE" panose="020B0900000000000000" pitchFamily="50" charset="-128"/>
+                <a:ea typeface="HGPｺﾞｼｯｸE" panose="020B0900000000000000" pitchFamily="50" charset="-128"/>
+              </a:rPr>
+              <a:t>3.</a:t>
+            </a:r>
+            <a:r>
+              <a:rPr lang="en-US" altLang="ja-JP" b="1" dirty="0">
+                <a:latin typeface="HGPｺﾞｼｯｸE" panose="020B0900000000000000" pitchFamily="50" charset="-128"/>
+                <a:ea typeface="HGPｺﾞｼｯｸE" panose="020B0900000000000000" pitchFamily="50" charset="-128"/>
+              </a:rPr>
+              <a:t>Visitor</a:t>
+            </a:r>
+            <a:r>
+              <a:rPr lang="ja-JP" altLang="en-US" dirty="0">
+                <a:latin typeface="HGPｺﾞｼｯｸE" panose="020B0900000000000000" pitchFamily="50" charset="-128"/>
+                <a:ea typeface="HGPｺﾞｼｯｸE" panose="020B0900000000000000" pitchFamily="50" charset="-128"/>
+              </a:rPr>
+              <a:t>パターン</a:t>
+            </a:r>
+            <a:endParaRPr kumimoji="1" lang="ja-JP" altLang="en-US" dirty="0">
+              <a:latin typeface="HGPｺﾞｼｯｸE" panose="020B0900000000000000" pitchFamily="50" charset="-128"/>
+              <a:ea typeface="HGPｺﾞｼｯｸE" panose="020B0900000000000000" pitchFamily="50" charset="-128"/>
+            </a:endParaRPr>
+          </a:p>
+        </p:txBody>
+      </p:sp>
+      <p:sp>
+        <p:nvSpPr>
+          <p:cNvPr id="6" name="コンテンツ プレースホルダー 2">
+            <a:extLst>
+              <a:ext uri="{FF2B5EF4-FFF2-40B4-BE49-F238E27FC236}">
+                <a16:creationId xmlns:a16="http://schemas.microsoft.com/office/drawing/2014/main" id="{048AD946-95B6-4F80-BB06-2CBD2F20C382}"/>
+              </a:ext>
+            </a:extLst>
+          </p:cNvPr>
+          <p:cNvSpPr txBox="1">
+            <a:spLocks/>
+          </p:cNvSpPr>
+          <p:nvPr/>
+        </p:nvSpPr>
+        <p:spPr>
+          <a:xfrm>
+            <a:off x="841199" y="2108199"/>
+            <a:ext cx="8746684" cy="1320801"/>
+          </a:xfrm>
+          <a:prstGeom prst="rect">
+            <a:avLst/>
+          </a:prstGeom>
+        </p:spPr>
+        <p:txBody>
+          <a:bodyPr vert="horz" lIns="91440" tIns="45720" rIns="91440" bIns="45720" rtlCol="0">
+            <a:normAutofit/>
+          </a:bodyPr>
+          <a:lstStyle>
+            <a:lvl1pPr marL="342900" indent="-342900" algn="l" defTabSz="457200" rtl="0" eaLnBrk="1" latinLnBrk="0" hangingPunct="1">
+              <a:spcBef>
+                <a:spcPts val="1000"/>
+              </a:spcBef>
+              <a:spcAft>
+                <a:spcPts val="0"/>
+              </a:spcAft>
+              <a:buClr>
+                <a:schemeClr val="accent1"/>
+              </a:buClr>
+              <a:buSzPct val="80000"/>
+              <a:buFont typeface="Wingdings 3" charset="2"/>
+              <a:buChar char=""/>
+              <a:defRPr kumimoji="1" sz="1800" kern="1200">
+                <a:solidFill>
+                  <a:schemeClr val="tx1">
+                    <a:lumMod val="75000"/>
+                    <a:lumOff val="25000"/>
+                  </a:schemeClr>
+                </a:solidFill>
+                <a:latin typeface="+mn-lt"/>
+                <a:ea typeface="+mn-ea"/>
+                <a:cs typeface="+mn-cs"/>
+              </a:defRPr>
+            </a:lvl1pPr>
+            <a:lvl2pPr marL="742950" indent="-285750" algn="l" defTabSz="457200" rtl="0" eaLnBrk="1" latinLnBrk="0" hangingPunct="1">
+              <a:spcBef>
+                <a:spcPts val="1000"/>
+              </a:spcBef>
+              <a:spcAft>
+                <a:spcPts val="0"/>
+              </a:spcAft>
+              <a:buClr>
+                <a:schemeClr val="accent1"/>
+              </a:buClr>
+              <a:buSzPct val="80000"/>
+              <a:buFont typeface="Wingdings 3" charset="2"/>
+              <a:buChar char=""/>
+              <a:defRPr kumimoji="1" sz="1600" kern="1200">
+                <a:solidFill>
+                  <a:schemeClr val="tx1">
+                    <a:lumMod val="75000"/>
+                    <a:lumOff val="25000"/>
+                  </a:schemeClr>
+                </a:solidFill>
+                <a:latin typeface="+mn-lt"/>
+                <a:ea typeface="+mn-ea"/>
+                <a:cs typeface="+mn-cs"/>
+              </a:defRPr>
+            </a:lvl2pPr>
+            <a:lvl3pPr marL="1143000" indent="-228600" algn="l" defTabSz="457200" rtl="0" eaLnBrk="1" latinLnBrk="0" hangingPunct="1">
+              <a:spcBef>
+                <a:spcPts val="1000"/>
+              </a:spcBef>
+              <a:spcAft>
+                <a:spcPts val="0"/>
+              </a:spcAft>
+              <a:buClr>
+                <a:schemeClr val="accent1"/>
+              </a:buClr>
+              <a:buSzPct val="80000"/>
+              <a:buFont typeface="Wingdings 3" charset="2"/>
+              <a:buChar char=""/>
+              <a:defRPr kumimoji="1" sz="1400" kern="1200">
+                <a:solidFill>
+                  <a:schemeClr val="tx1">
+                    <a:lumMod val="75000"/>
+                    <a:lumOff val="25000"/>
+                  </a:schemeClr>
+                </a:solidFill>
+                <a:latin typeface="+mn-lt"/>
+                <a:ea typeface="+mn-ea"/>
+                <a:cs typeface="+mn-cs"/>
+              </a:defRPr>
+            </a:lvl3pPr>
+            <a:lvl4pPr marL="1600200" indent="-228600" algn="l" defTabSz="457200" rtl="0" eaLnBrk="1" latinLnBrk="0" hangingPunct="1">
+              <a:spcBef>
+                <a:spcPts val="1000"/>
+              </a:spcBef>
+              <a:spcAft>
+                <a:spcPts val="0"/>
+              </a:spcAft>
+              <a:buClr>
+                <a:schemeClr val="accent1"/>
+              </a:buClr>
+              <a:buSzPct val="80000"/>
+              <a:buFont typeface="Wingdings 3" charset="2"/>
+              <a:buChar char=""/>
+              <a:defRPr kumimoji="1" sz="1200" kern="1200">
+                <a:solidFill>
+                  <a:schemeClr val="tx1">
+                    <a:lumMod val="75000"/>
+                    <a:lumOff val="25000"/>
+                  </a:schemeClr>
+                </a:solidFill>
+                <a:latin typeface="+mn-lt"/>
+                <a:ea typeface="+mn-ea"/>
+                <a:cs typeface="+mn-cs"/>
+              </a:defRPr>
+            </a:lvl4pPr>
+            <a:lvl5pPr marL="2057400" indent="-228600" algn="l" defTabSz="457200" rtl="0" eaLnBrk="1" latinLnBrk="0" hangingPunct="1">
+              <a:spcBef>
+                <a:spcPts val="1000"/>
+              </a:spcBef>
+              <a:spcAft>
+                <a:spcPts val="0"/>
+              </a:spcAft>
+              <a:buClr>
+                <a:schemeClr val="accent1"/>
+              </a:buClr>
+              <a:buSzPct val="80000"/>
+              <a:buFont typeface="Wingdings 3" charset="2"/>
+              <a:buChar char=""/>
+              <a:defRPr kumimoji="1" sz="1200" kern="1200">
+                <a:solidFill>
+                  <a:schemeClr val="tx1">
+                    <a:lumMod val="75000"/>
+                    <a:lumOff val="25000"/>
+                  </a:schemeClr>
+                </a:solidFill>
+                <a:latin typeface="+mn-lt"/>
+                <a:ea typeface="+mn-ea"/>
+                <a:cs typeface="+mn-cs"/>
+              </a:defRPr>
+            </a:lvl5pPr>
+            <a:lvl6pPr marL="2514600" indent="-228600" algn="l" defTabSz="457200" rtl="0" eaLnBrk="1" latinLnBrk="0" hangingPunct="1">
+              <a:spcBef>
+                <a:spcPts val="1000"/>
+              </a:spcBef>
+              <a:spcAft>
+                <a:spcPts val="0"/>
+              </a:spcAft>
+              <a:buClr>
+                <a:schemeClr val="accent1"/>
+              </a:buClr>
+              <a:buSzPct val="80000"/>
+              <a:buFont typeface="Wingdings 3" charset="2"/>
+              <a:buChar char=""/>
+              <a:defRPr kumimoji="1" sz="1200" kern="1200">
+                <a:solidFill>
+                  <a:schemeClr val="tx1">
+                    <a:lumMod val="75000"/>
+                    <a:lumOff val="25000"/>
+                  </a:schemeClr>
+                </a:solidFill>
+                <a:latin typeface="+mn-lt"/>
+                <a:ea typeface="+mn-ea"/>
+                <a:cs typeface="+mn-cs"/>
+              </a:defRPr>
+            </a:lvl6pPr>
+            <a:lvl7pPr marL="2971800" indent="-228600" algn="l" defTabSz="457200" rtl="0" eaLnBrk="1" latinLnBrk="0" hangingPunct="1">
+              <a:spcBef>
+                <a:spcPts val="1000"/>
+              </a:spcBef>
+              <a:spcAft>
+                <a:spcPts val="0"/>
+              </a:spcAft>
+              <a:buClr>
+                <a:schemeClr val="accent1"/>
+              </a:buClr>
+              <a:buSzPct val="80000"/>
+              <a:buFont typeface="Wingdings 3" charset="2"/>
+              <a:buChar char=""/>
+              <a:defRPr kumimoji="1" sz="1200" kern="1200">
+                <a:solidFill>
+                  <a:schemeClr val="tx1">
+                    <a:lumMod val="75000"/>
+                    <a:lumOff val="25000"/>
+                  </a:schemeClr>
+                </a:solidFill>
+                <a:latin typeface="+mn-lt"/>
+                <a:ea typeface="+mn-ea"/>
+                <a:cs typeface="+mn-cs"/>
+              </a:defRPr>
+            </a:lvl7pPr>
+            <a:lvl8pPr marL="3429000" indent="-228600" algn="l" defTabSz="457200" rtl="0" eaLnBrk="1" latinLnBrk="0" hangingPunct="1">
+              <a:spcBef>
+                <a:spcPts val="1000"/>
+              </a:spcBef>
+              <a:spcAft>
+                <a:spcPts val="0"/>
+              </a:spcAft>
+              <a:buClr>
+                <a:schemeClr val="accent1"/>
+              </a:buClr>
+              <a:buSzPct val="80000"/>
+              <a:buFont typeface="Wingdings 3" charset="2"/>
+              <a:buChar char=""/>
+              <a:defRPr kumimoji="1" sz="1200" kern="1200">
+                <a:solidFill>
+                  <a:schemeClr val="tx1">
+                    <a:lumMod val="75000"/>
+                    <a:lumOff val="25000"/>
+                  </a:schemeClr>
+                </a:solidFill>
+                <a:latin typeface="+mn-lt"/>
+                <a:ea typeface="+mn-ea"/>
+                <a:cs typeface="+mn-cs"/>
+              </a:defRPr>
+            </a:lvl8pPr>
+            <a:lvl9pPr marL="3886200" indent="-228600" algn="l" defTabSz="457200" rtl="0" eaLnBrk="1" latinLnBrk="0" hangingPunct="1">
+              <a:spcBef>
+                <a:spcPts val="1000"/>
+              </a:spcBef>
+              <a:spcAft>
+                <a:spcPts val="0"/>
+              </a:spcAft>
+              <a:buClr>
+                <a:schemeClr val="accent1"/>
+              </a:buClr>
+              <a:buSzPct val="80000"/>
+              <a:buFont typeface="Wingdings 3" charset="2"/>
+              <a:buChar char=""/>
+              <a:defRPr kumimoji="1" sz="1200" kern="1200">
+                <a:solidFill>
+                  <a:schemeClr val="tx1">
+                    <a:lumMod val="75000"/>
+                    <a:lumOff val="25000"/>
+                  </a:schemeClr>
+                </a:solidFill>
+                <a:latin typeface="+mn-lt"/>
+                <a:ea typeface="+mn-ea"/>
+                <a:cs typeface="+mn-cs"/>
+              </a:defRPr>
+            </a:lvl9pPr>
+          </a:lstStyle>
+          <a:p>
+            <a:pPr>
+              <a:buFont typeface="Wingdings" panose="05000000000000000000" pitchFamily="2" charset="2"/>
+              <a:buChar char="n"/>
+            </a:pPr>
+            <a:r>
+              <a:rPr lang="ja-JP" altLang="en-US" dirty="0">
+                <a:latin typeface="HGPｺﾞｼｯｸE" panose="020B0900000000000000" pitchFamily="50" charset="-128"/>
+                <a:ea typeface="HGPｺﾞｼｯｸE" panose="020B0900000000000000" pitchFamily="50" charset="-128"/>
+              </a:rPr>
+              <a:t>同じ機能が複数必要になり、いくつも同じ関数を作る羽目になる場合の解決策。</a:t>
+            </a:r>
+            <a:endParaRPr lang="en-US" altLang="ja-JP" dirty="0">
+              <a:latin typeface="HGPｺﾞｼｯｸE" panose="020B0900000000000000" pitchFamily="50" charset="-128"/>
+              <a:ea typeface="HGPｺﾞｼｯｸE" panose="020B0900000000000000" pitchFamily="50" charset="-128"/>
+            </a:endParaRPr>
+          </a:p>
+          <a:p>
+            <a:pPr>
+              <a:buFont typeface="Wingdings" panose="05000000000000000000" pitchFamily="2" charset="2"/>
+              <a:buChar char="n"/>
+            </a:pPr>
+            <a:r>
+              <a:rPr lang="ja-JP" altLang="en-US" dirty="0">
+                <a:latin typeface="HGPｺﾞｼｯｸE" panose="020B0900000000000000" pitchFamily="50" charset="-128"/>
+                <a:ea typeface="HGPｺﾞｼｯｸE" panose="020B0900000000000000" pitchFamily="50" charset="-128"/>
+              </a:rPr>
+              <a:t>リファレンスで一考の余地あり。</a:t>
+            </a:r>
+            <a:endParaRPr lang="en-US" altLang="ja-JP" dirty="0">
+              <a:latin typeface="HGPｺﾞｼｯｸE" panose="020B0900000000000000" pitchFamily="50" charset="-128"/>
+              <a:ea typeface="HGPｺﾞｼｯｸE" panose="020B0900000000000000" pitchFamily="50" charset="-128"/>
+            </a:endParaRPr>
+          </a:p>
+          <a:p>
+            <a:pPr>
+              <a:buFont typeface="Wingdings" panose="05000000000000000000" pitchFamily="2" charset="2"/>
+              <a:buChar char="n"/>
+            </a:pPr>
+            <a:r>
+              <a:rPr lang="ja-JP" altLang="en-US" dirty="0">
+                <a:latin typeface="HGPｺﾞｼｯｸE" panose="020B0900000000000000" pitchFamily="50" charset="-128"/>
+                <a:ea typeface="HGPｺﾞｼｯｸE" panose="020B0900000000000000" pitchFamily="50" charset="-128"/>
+              </a:rPr>
+              <a:t>不要な</a:t>
+            </a:r>
+            <a:r>
+              <a:rPr lang="en-US" altLang="ja-JP" dirty="0">
+                <a:latin typeface="HGPｺﾞｼｯｸE" panose="020B0900000000000000" pitchFamily="50" charset="-128"/>
+                <a:ea typeface="HGPｺﾞｼｯｸE" panose="020B0900000000000000" pitchFamily="50" charset="-128"/>
+              </a:rPr>
+              <a:t>Manager</a:t>
+            </a:r>
+            <a:r>
+              <a:rPr lang="ja-JP" altLang="en-US" dirty="0">
+                <a:latin typeface="HGPｺﾞｼｯｸE" panose="020B0900000000000000" pitchFamily="50" charset="-128"/>
+                <a:ea typeface="HGPｺﾞｼｯｸE" panose="020B0900000000000000" pitchFamily="50" charset="-128"/>
+              </a:rPr>
+              <a:t>や</a:t>
+            </a:r>
+            <a:r>
+              <a:rPr lang="en-US" altLang="ja-JP" dirty="0">
+                <a:latin typeface="HGPｺﾞｼｯｸE" panose="020B0900000000000000" pitchFamily="50" charset="-128"/>
+                <a:ea typeface="HGPｺﾞｼｯｸE" panose="020B0900000000000000" pitchFamily="50" charset="-128"/>
+              </a:rPr>
+              <a:t>Controller</a:t>
+            </a:r>
+            <a:r>
+              <a:rPr lang="ja-JP" altLang="en-US" dirty="0">
+                <a:latin typeface="HGPｺﾞｼｯｸE" panose="020B0900000000000000" pitchFamily="50" charset="-128"/>
+                <a:ea typeface="HGPｺﾞｼｯｸE" panose="020B0900000000000000" pitchFamily="50" charset="-128"/>
+              </a:rPr>
+              <a:t>の洗い出しと設計整備にも役立つ？かも</a:t>
+            </a:r>
+            <a:endParaRPr lang="en-US" altLang="ja-JP" dirty="0">
+              <a:latin typeface="HGPｺﾞｼｯｸE" panose="020B0900000000000000" pitchFamily="50" charset="-128"/>
+              <a:ea typeface="HGPｺﾞｼｯｸE" panose="020B0900000000000000" pitchFamily="50" charset="-128"/>
+            </a:endParaRPr>
+          </a:p>
+          <a:p>
+            <a:pPr>
+              <a:buFont typeface="Wingdings" panose="05000000000000000000" pitchFamily="2" charset="2"/>
+              <a:buChar char="n"/>
+            </a:pPr>
+            <a:endParaRPr lang="en-US" altLang="ja-JP" dirty="0">
+              <a:latin typeface="HGPｺﾞｼｯｸE" panose="020B0900000000000000" pitchFamily="50" charset="-128"/>
+              <a:ea typeface="HGPｺﾞｼｯｸE" panose="020B0900000000000000" pitchFamily="50" charset="-128"/>
+            </a:endParaRPr>
+          </a:p>
+        </p:txBody>
+      </p:sp>
+      <p:sp>
+        <p:nvSpPr>
+          <p:cNvPr id="7" name="コンテンツ プレースホルダー 2">
+            <a:extLst>
+              <a:ext uri="{FF2B5EF4-FFF2-40B4-BE49-F238E27FC236}">
+                <a16:creationId xmlns:a16="http://schemas.microsoft.com/office/drawing/2014/main" id="{871414A4-B7C4-4DE9-9363-D015CEC18631}"/>
+              </a:ext>
+            </a:extLst>
+          </p:cNvPr>
+          <p:cNvSpPr txBox="1">
+            <a:spLocks/>
+          </p:cNvSpPr>
+          <p:nvPr/>
+        </p:nvSpPr>
+        <p:spPr>
+          <a:xfrm>
+            <a:off x="584571" y="4267200"/>
+            <a:ext cx="5185915" cy="2160233"/>
+          </a:xfrm>
+          <a:prstGeom prst="rect">
+            <a:avLst/>
+          </a:prstGeom>
+        </p:spPr>
+        <p:txBody>
+          <a:bodyPr vert="horz" lIns="91440" tIns="45720" rIns="91440" bIns="45720" rtlCol="0">
+            <a:normAutofit/>
+          </a:bodyPr>
+          <a:lstStyle>
+            <a:lvl1pPr marL="342900" indent="-342900" algn="l" defTabSz="457200" rtl="0" eaLnBrk="1" latinLnBrk="0" hangingPunct="1">
+              <a:spcBef>
+                <a:spcPts val="1000"/>
+              </a:spcBef>
+              <a:spcAft>
+                <a:spcPts val="0"/>
+              </a:spcAft>
+              <a:buClr>
+                <a:schemeClr val="accent1"/>
+              </a:buClr>
+              <a:buSzPct val="80000"/>
+              <a:buFont typeface="Wingdings 3" charset="2"/>
+              <a:buChar char=""/>
+              <a:defRPr kumimoji="1" sz="1800" kern="1200">
+                <a:solidFill>
+                  <a:schemeClr val="tx1">
+                    <a:lumMod val="75000"/>
+                    <a:lumOff val="25000"/>
+                  </a:schemeClr>
+                </a:solidFill>
+                <a:latin typeface="+mn-lt"/>
+                <a:ea typeface="+mn-ea"/>
+                <a:cs typeface="+mn-cs"/>
+              </a:defRPr>
+            </a:lvl1pPr>
+            <a:lvl2pPr marL="742950" indent="-285750" algn="l" defTabSz="457200" rtl="0" eaLnBrk="1" latinLnBrk="0" hangingPunct="1">
+              <a:spcBef>
+                <a:spcPts val="1000"/>
+              </a:spcBef>
+              <a:spcAft>
+                <a:spcPts val="0"/>
+              </a:spcAft>
+              <a:buClr>
+                <a:schemeClr val="accent1"/>
+              </a:buClr>
+              <a:buSzPct val="80000"/>
+              <a:buFont typeface="Wingdings 3" charset="2"/>
+              <a:buChar char=""/>
+              <a:defRPr kumimoji="1" sz="1600" kern="1200">
+                <a:solidFill>
+                  <a:schemeClr val="tx1">
+                    <a:lumMod val="75000"/>
+                    <a:lumOff val="25000"/>
+                  </a:schemeClr>
+                </a:solidFill>
+                <a:latin typeface="+mn-lt"/>
+                <a:ea typeface="+mn-ea"/>
+                <a:cs typeface="+mn-cs"/>
+              </a:defRPr>
+            </a:lvl2pPr>
+            <a:lvl3pPr marL="1143000" indent="-228600" algn="l" defTabSz="457200" rtl="0" eaLnBrk="1" latinLnBrk="0" hangingPunct="1">
+              <a:spcBef>
+                <a:spcPts val="1000"/>
+              </a:spcBef>
+              <a:spcAft>
+                <a:spcPts val="0"/>
+              </a:spcAft>
+              <a:buClr>
+                <a:schemeClr val="accent1"/>
+              </a:buClr>
+              <a:buSzPct val="80000"/>
+              <a:buFont typeface="Wingdings 3" charset="2"/>
+              <a:buChar char=""/>
+              <a:defRPr kumimoji="1" sz="1400" kern="1200">
+                <a:solidFill>
+                  <a:schemeClr val="tx1">
+                    <a:lumMod val="75000"/>
+                    <a:lumOff val="25000"/>
+                  </a:schemeClr>
+                </a:solidFill>
+                <a:latin typeface="+mn-lt"/>
+                <a:ea typeface="+mn-ea"/>
+                <a:cs typeface="+mn-cs"/>
+              </a:defRPr>
+            </a:lvl3pPr>
+            <a:lvl4pPr marL="1600200" indent="-228600" algn="l" defTabSz="457200" rtl="0" eaLnBrk="1" latinLnBrk="0" hangingPunct="1">
+              <a:spcBef>
+                <a:spcPts val="1000"/>
+              </a:spcBef>
+              <a:spcAft>
+                <a:spcPts val="0"/>
+              </a:spcAft>
+              <a:buClr>
+                <a:schemeClr val="accent1"/>
+              </a:buClr>
+              <a:buSzPct val="80000"/>
+              <a:buFont typeface="Wingdings 3" charset="2"/>
+              <a:buChar char=""/>
+              <a:defRPr kumimoji="1" sz="1200" kern="1200">
+                <a:solidFill>
+                  <a:schemeClr val="tx1">
+                    <a:lumMod val="75000"/>
+                    <a:lumOff val="25000"/>
+                  </a:schemeClr>
+                </a:solidFill>
+                <a:latin typeface="+mn-lt"/>
+                <a:ea typeface="+mn-ea"/>
+                <a:cs typeface="+mn-cs"/>
+              </a:defRPr>
+            </a:lvl4pPr>
+            <a:lvl5pPr marL="2057400" indent="-228600" algn="l" defTabSz="457200" rtl="0" eaLnBrk="1" latinLnBrk="0" hangingPunct="1">
+              <a:spcBef>
+                <a:spcPts val="1000"/>
+              </a:spcBef>
+              <a:spcAft>
+                <a:spcPts val="0"/>
+              </a:spcAft>
+              <a:buClr>
+                <a:schemeClr val="accent1"/>
+              </a:buClr>
+              <a:buSzPct val="80000"/>
+              <a:buFont typeface="Wingdings 3" charset="2"/>
+              <a:buChar char=""/>
+              <a:defRPr kumimoji="1" sz="1200" kern="1200">
+                <a:solidFill>
+                  <a:schemeClr val="tx1">
+                    <a:lumMod val="75000"/>
+                    <a:lumOff val="25000"/>
+                  </a:schemeClr>
+                </a:solidFill>
+                <a:latin typeface="+mn-lt"/>
+                <a:ea typeface="+mn-ea"/>
+                <a:cs typeface="+mn-cs"/>
+              </a:defRPr>
+            </a:lvl5pPr>
+            <a:lvl6pPr marL="2514600" indent="-228600" algn="l" defTabSz="457200" rtl="0" eaLnBrk="1" latinLnBrk="0" hangingPunct="1">
+              <a:spcBef>
+                <a:spcPts val="1000"/>
+              </a:spcBef>
+              <a:spcAft>
+                <a:spcPts val="0"/>
+              </a:spcAft>
+              <a:buClr>
+                <a:schemeClr val="accent1"/>
+              </a:buClr>
+              <a:buSzPct val="80000"/>
+              <a:buFont typeface="Wingdings 3" charset="2"/>
+              <a:buChar char=""/>
+              <a:defRPr kumimoji="1" sz="1200" kern="1200">
+                <a:solidFill>
+                  <a:schemeClr val="tx1">
+                    <a:lumMod val="75000"/>
+                    <a:lumOff val="25000"/>
+                  </a:schemeClr>
+                </a:solidFill>
+                <a:latin typeface="+mn-lt"/>
+                <a:ea typeface="+mn-ea"/>
+                <a:cs typeface="+mn-cs"/>
+              </a:defRPr>
+            </a:lvl6pPr>
+            <a:lvl7pPr marL="2971800" indent="-228600" algn="l" defTabSz="457200" rtl="0" eaLnBrk="1" latinLnBrk="0" hangingPunct="1">
+              <a:spcBef>
+                <a:spcPts val="1000"/>
+              </a:spcBef>
+              <a:spcAft>
+                <a:spcPts val="0"/>
+              </a:spcAft>
+              <a:buClr>
+                <a:schemeClr val="accent1"/>
+              </a:buClr>
+              <a:buSzPct val="80000"/>
+              <a:buFont typeface="Wingdings 3" charset="2"/>
+              <a:buChar char=""/>
+              <a:defRPr kumimoji="1" sz="1200" kern="1200">
+                <a:solidFill>
+                  <a:schemeClr val="tx1">
+                    <a:lumMod val="75000"/>
+                    <a:lumOff val="25000"/>
+                  </a:schemeClr>
+                </a:solidFill>
+                <a:latin typeface="+mn-lt"/>
+                <a:ea typeface="+mn-ea"/>
+                <a:cs typeface="+mn-cs"/>
+              </a:defRPr>
+            </a:lvl7pPr>
+            <a:lvl8pPr marL="3429000" indent="-228600" algn="l" defTabSz="457200" rtl="0" eaLnBrk="1" latinLnBrk="0" hangingPunct="1">
+              <a:spcBef>
+                <a:spcPts val="1000"/>
+              </a:spcBef>
+              <a:spcAft>
+                <a:spcPts val="0"/>
+              </a:spcAft>
+              <a:buClr>
+                <a:schemeClr val="accent1"/>
+              </a:buClr>
+              <a:buSzPct val="80000"/>
+              <a:buFont typeface="Wingdings 3" charset="2"/>
+              <a:buChar char=""/>
+              <a:defRPr kumimoji="1" sz="1200" kern="1200">
+                <a:solidFill>
+                  <a:schemeClr val="tx1">
+                    <a:lumMod val="75000"/>
+                    <a:lumOff val="25000"/>
+                  </a:schemeClr>
+                </a:solidFill>
+                <a:latin typeface="+mn-lt"/>
+                <a:ea typeface="+mn-ea"/>
+                <a:cs typeface="+mn-cs"/>
+              </a:defRPr>
+            </a:lvl8pPr>
+            <a:lvl9pPr marL="3886200" indent="-228600" algn="l" defTabSz="457200" rtl="0" eaLnBrk="1" latinLnBrk="0" hangingPunct="1">
+              <a:spcBef>
+                <a:spcPts val="1000"/>
+              </a:spcBef>
+              <a:spcAft>
+                <a:spcPts val="0"/>
+              </a:spcAft>
+              <a:buClr>
+                <a:schemeClr val="accent1"/>
+              </a:buClr>
+              <a:buSzPct val="80000"/>
+              <a:buFont typeface="Wingdings 3" charset="2"/>
+              <a:buChar char=""/>
+              <a:defRPr kumimoji="1" sz="1200" kern="1200">
+                <a:solidFill>
+                  <a:schemeClr val="tx1">
+                    <a:lumMod val="75000"/>
+                    <a:lumOff val="25000"/>
+                  </a:schemeClr>
+                </a:solidFill>
+                <a:latin typeface="+mn-lt"/>
+                <a:ea typeface="+mn-ea"/>
+                <a:cs typeface="+mn-cs"/>
+              </a:defRPr>
+            </a:lvl9pPr>
+          </a:lstStyle>
+          <a:p>
+            <a:pPr marL="0" indent="0">
+              <a:buNone/>
+            </a:pPr>
+            <a:r>
+              <a:rPr lang="en-US" altLang="ja-JP" dirty="0">
+                <a:latin typeface="HGPｺﾞｼｯｸE" panose="020B0900000000000000" pitchFamily="50" charset="-128"/>
+                <a:ea typeface="HGPｺﾞｼｯｸE" panose="020B0900000000000000" pitchFamily="50" charset="-128"/>
+              </a:rPr>
+              <a:t>	【</a:t>
+            </a:r>
+            <a:r>
+              <a:rPr lang="ja-JP" altLang="en-US" dirty="0">
+                <a:latin typeface="HGPｺﾞｼｯｸE" panose="020B0900000000000000" pitchFamily="50" charset="-128"/>
+                <a:ea typeface="HGPｺﾞｼｯｸE" panose="020B0900000000000000" pitchFamily="50" charset="-128"/>
+              </a:rPr>
+              <a:t>メリット</a:t>
+            </a:r>
+            <a:r>
+              <a:rPr lang="en-US" altLang="ja-JP" dirty="0">
+                <a:latin typeface="HGPｺﾞｼｯｸE" panose="020B0900000000000000" pitchFamily="50" charset="-128"/>
+                <a:ea typeface="HGPｺﾞｼｯｸE" panose="020B0900000000000000" pitchFamily="50" charset="-128"/>
+              </a:rPr>
+              <a:t>】</a:t>
+            </a:r>
+          </a:p>
+          <a:p>
+            <a:pPr>
+              <a:buFont typeface="Wingdings" panose="05000000000000000000" pitchFamily="2" charset="2"/>
+              <a:buChar char="n"/>
+            </a:pPr>
+            <a:r>
+              <a:rPr lang="ja-JP" altLang="en-US" dirty="0">
+                <a:latin typeface="HGPｺﾞｼｯｸE" panose="020B0900000000000000" pitchFamily="50" charset="-128"/>
+                <a:ea typeface="HGPｺﾞｼｯｸE" panose="020B0900000000000000" pitchFamily="50" charset="-128"/>
+              </a:rPr>
+              <a:t>再利用性が高いので、同じ機能を複数使う場合は便利。</a:t>
+            </a:r>
+            <a:endParaRPr lang="en-US" altLang="ja-JP" dirty="0">
+              <a:latin typeface="HGPｺﾞｼｯｸE" panose="020B0900000000000000" pitchFamily="50" charset="-128"/>
+              <a:ea typeface="HGPｺﾞｼｯｸE" panose="020B0900000000000000" pitchFamily="50" charset="-128"/>
+            </a:endParaRPr>
+          </a:p>
+          <a:p>
+            <a:pPr>
+              <a:buFont typeface="Wingdings" panose="05000000000000000000" pitchFamily="2" charset="2"/>
+              <a:buChar char="n"/>
+            </a:pPr>
+            <a:r>
+              <a:rPr lang="ja-JP" altLang="en-US" dirty="0">
+                <a:latin typeface="HGPｺﾞｼｯｸE" panose="020B0900000000000000" pitchFamily="50" charset="-128"/>
+                <a:ea typeface="HGPｺﾞｼｯｸE" panose="020B0900000000000000" pitchFamily="50" charset="-128"/>
+              </a:rPr>
+              <a:t>位置など簡易情報の管理はシングルトンよりこっちの方が便利。</a:t>
+            </a:r>
+            <a:endParaRPr lang="en-US" altLang="ja-JP" dirty="0">
+              <a:latin typeface="HGPｺﾞｼｯｸE" panose="020B0900000000000000" pitchFamily="50" charset="-128"/>
+              <a:ea typeface="HGPｺﾞｼｯｸE" panose="020B0900000000000000" pitchFamily="50" charset="-128"/>
+            </a:endParaRPr>
+          </a:p>
+          <a:p>
+            <a:pPr>
+              <a:buFont typeface="Wingdings" panose="05000000000000000000" pitchFamily="2" charset="2"/>
+              <a:buChar char="n"/>
+            </a:pPr>
+            <a:r>
+              <a:rPr lang="ja-JP" altLang="en-US" dirty="0">
+                <a:latin typeface="HGPｺﾞｼｯｸE" panose="020B0900000000000000" pitchFamily="50" charset="-128"/>
+                <a:ea typeface="HGPｺﾞｼｯｸE" panose="020B0900000000000000" pitchFamily="50" charset="-128"/>
+              </a:rPr>
+              <a:t>コードがスッキリする。</a:t>
+            </a:r>
+            <a:endParaRPr lang="en-US" altLang="ja-JP" dirty="0">
+              <a:latin typeface="HGPｺﾞｼｯｸE" panose="020B0900000000000000" pitchFamily="50" charset="-128"/>
+              <a:ea typeface="HGPｺﾞｼｯｸE" panose="020B0900000000000000" pitchFamily="50" charset="-128"/>
+            </a:endParaRPr>
+          </a:p>
+        </p:txBody>
+      </p:sp>
+      <p:sp>
+        <p:nvSpPr>
+          <p:cNvPr id="8" name="コンテンツ プレースホルダー 2">
+            <a:extLst>
+              <a:ext uri="{FF2B5EF4-FFF2-40B4-BE49-F238E27FC236}">
+                <a16:creationId xmlns:a16="http://schemas.microsoft.com/office/drawing/2014/main" id="{E0915D32-8FE1-40EE-B586-26F3AA67F381}"/>
+              </a:ext>
+            </a:extLst>
+          </p:cNvPr>
+          <p:cNvSpPr txBox="1">
+            <a:spLocks/>
+          </p:cNvSpPr>
+          <p:nvPr/>
+        </p:nvSpPr>
+        <p:spPr>
+          <a:xfrm>
+            <a:off x="5770486" y="4267200"/>
+            <a:ext cx="5185915" cy="1769616"/>
+          </a:xfrm>
+          <a:prstGeom prst="rect">
+            <a:avLst/>
+          </a:prstGeom>
+        </p:spPr>
+        <p:txBody>
+          <a:bodyPr vert="horz" lIns="91440" tIns="45720" rIns="91440" bIns="45720" rtlCol="0">
+            <a:normAutofit/>
+          </a:bodyPr>
+          <a:lstStyle>
+            <a:lvl1pPr marL="342900" indent="-342900" algn="l" defTabSz="457200" rtl="0" eaLnBrk="1" latinLnBrk="0" hangingPunct="1">
+              <a:spcBef>
+                <a:spcPts val="1000"/>
+              </a:spcBef>
+              <a:spcAft>
+                <a:spcPts val="0"/>
+              </a:spcAft>
+              <a:buClr>
+                <a:schemeClr val="accent1"/>
+              </a:buClr>
+              <a:buSzPct val="80000"/>
+              <a:buFont typeface="Wingdings 3" charset="2"/>
+              <a:buChar char=""/>
+              <a:defRPr kumimoji="1" sz="1800" kern="1200">
+                <a:solidFill>
+                  <a:schemeClr val="tx1">
+                    <a:lumMod val="75000"/>
+                    <a:lumOff val="25000"/>
+                  </a:schemeClr>
+                </a:solidFill>
+                <a:latin typeface="+mn-lt"/>
+                <a:ea typeface="+mn-ea"/>
+                <a:cs typeface="+mn-cs"/>
+              </a:defRPr>
+            </a:lvl1pPr>
+            <a:lvl2pPr marL="742950" indent="-285750" algn="l" defTabSz="457200" rtl="0" eaLnBrk="1" latinLnBrk="0" hangingPunct="1">
+              <a:spcBef>
+                <a:spcPts val="1000"/>
+              </a:spcBef>
+              <a:spcAft>
+                <a:spcPts val="0"/>
+              </a:spcAft>
+              <a:buClr>
+                <a:schemeClr val="accent1"/>
+              </a:buClr>
+              <a:buSzPct val="80000"/>
+              <a:buFont typeface="Wingdings 3" charset="2"/>
+              <a:buChar char=""/>
+              <a:defRPr kumimoji="1" sz="1600" kern="1200">
+                <a:solidFill>
+                  <a:schemeClr val="tx1">
+                    <a:lumMod val="75000"/>
+                    <a:lumOff val="25000"/>
+                  </a:schemeClr>
+                </a:solidFill>
+                <a:latin typeface="+mn-lt"/>
+                <a:ea typeface="+mn-ea"/>
+                <a:cs typeface="+mn-cs"/>
+              </a:defRPr>
+            </a:lvl2pPr>
+            <a:lvl3pPr marL="1143000" indent="-228600" algn="l" defTabSz="457200" rtl="0" eaLnBrk="1" latinLnBrk="0" hangingPunct="1">
+              <a:spcBef>
+                <a:spcPts val="1000"/>
+              </a:spcBef>
+              <a:spcAft>
+                <a:spcPts val="0"/>
+              </a:spcAft>
+              <a:buClr>
+                <a:schemeClr val="accent1"/>
+              </a:buClr>
+              <a:buSzPct val="80000"/>
+              <a:buFont typeface="Wingdings 3" charset="2"/>
+              <a:buChar char=""/>
+              <a:defRPr kumimoji="1" sz="1400" kern="1200">
+                <a:solidFill>
+                  <a:schemeClr val="tx1">
+                    <a:lumMod val="75000"/>
+                    <a:lumOff val="25000"/>
+                  </a:schemeClr>
+                </a:solidFill>
+                <a:latin typeface="+mn-lt"/>
+                <a:ea typeface="+mn-ea"/>
+                <a:cs typeface="+mn-cs"/>
+              </a:defRPr>
+            </a:lvl3pPr>
+            <a:lvl4pPr marL="1600200" indent="-228600" algn="l" defTabSz="457200" rtl="0" eaLnBrk="1" latinLnBrk="0" hangingPunct="1">
+              <a:spcBef>
+                <a:spcPts val="1000"/>
+              </a:spcBef>
+              <a:spcAft>
+                <a:spcPts val="0"/>
+              </a:spcAft>
+              <a:buClr>
+                <a:schemeClr val="accent1"/>
+              </a:buClr>
+              <a:buSzPct val="80000"/>
+              <a:buFont typeface="Wingdings 3" charset="2"/>
+              <a:buChar char=""/>
+              <a:defRPr kumimoji="1" sz="1200" kern="1200">
+                <a:solidFill>
+                  <a:schemeClr val="tx1">
+                    <a:lumMod val="75000"/>
+                    <a:lumOff val="25000"/>
+                  </a:schemeClr>
+                </a:solidFill>
+                <a:latin typeface="+mn-lt"/>
+                <a:ea typeface="+mn-ea"/>
+                <a:cs typeface="+mn-cs"/>
+              </a:defRPr>
+            </a:lvl4pPr>
+            <a:lvl5pPr marL="2057400" indent="-228600" algn="l" defTabSz="457200" rtl="0" eaLnBrk="1" latinLnBrk="0" hangingPunct="1">
+              <a:spcBef>
+                <a:spcPts val="1000"/>
+              </a:spcBef>
+              <a:spcAft>
+                <a:spcPts val="0"/>
+              </a:spcAft>
+              <a:buClr>
+                <a:schemeClr val="accent1"/>
+              </a:buClr>
+              <a:buSzPct val="80000"/>
+              <a:buFont typeface="Wingdings 3" charset="2"/>
+              <a:buChar char=""/>
+              <a:defRPr kumimoji="1" sz="1200" kern="1200">
+                <a:solidFill>
+                  <a:schemeClr val="tx1">
+                    <a:lumMod val="75000"/>
+                    <a:lumOff val="25000"/>
+                  </a:schemeClr>
+                </a:solidFill>
+                <a:latin typeface="+mn-lt"/>
+                <a:ea typeface="+mn-ea"/>
+                <a:cs typeface="+mn-cs"/>
+              </a:defRPr>
+            </a:lvl5pPr>
+            <a:lvl6pPr marL="2514600" indent="-228600" algn="l" defTabSz="457200" rtl="0" eaLnBrk="1" latinLnBrk="0" hangingPunct="1">
+              <a:spcBef>
+                <a:spcPts val="1000"/>
+              </a:spcBef>
+              <a:spcAft>
+                <a:spcPts val="0"/>
+              </a:spcAft>
+              <a:buClr>
+                <a:schemeClr val="accent1"/>
+              </a:buClr>
+              <a:buSzPct val="80000"/>
+              <a:buFont typeface="Wingdings 3" charset="2"/>
+              <a:buChar char=""/>
+              <a:defRPr kumimoji="1" sz="1200" kern="1200">
+                <a:solidFill>
+                  <a:schemeClr val="tx1">
+                    <a:lumMod val="75000"/>
+                    <a:lumOff val="25000"/>
+                  </a:schemeClr>
+                </a:solidFill>
+                <a:latin typeface="+mn-lt"/>
+                <a:ea typeface="+mn-ea"/>
+                <a:cs typeface="+mn-cs"/>
+              </a:defRPr>
+            </a:lvl6pPr>
+            <a:lvl7pPr marL="2971800" indent="-228600" algn="l" defTabSz="457200" rtl="0" eaLnBrk="1" latinLnBrk="0" hangingPunct="1">
+              <a:spcBef>
+                <a:spcPts val="1000"/>
+              </a:spcBef>
+              <a:spcAft>
+                <a:spcPts val="0"/>
+              </a:spcAft>
+              <a:buClr>
+                <a:schemeClr val="accent1"/>
+              </a:buClr>
+              <a:buSzPct val="80000"/>
+              <a:buFont typeface="Wingdings 3" charset="2"/>
+              <a:buChar char=""/>
+              <a:defRPr kumimoji="1" sz="1200" kern="1200">
+                <a:solidFill>
+                  <a:schemeClr val="tx1">
+                    <a:lumMod val="75000"/>
+                    <a:lumOff val="25000"/>
+                  </a:schemeClr>
+                </a:solidFill>
+                <a:latin typeface="+mn-lt"/>
+                <a:ea typeface="+mn-ea"/>
+                <a:cs typeface="+mn-cs"/>
+              </a:defRPr>
+            </a:lvl7pPr>
+            <a:lvl8pPr marL="3429000" indent="-228600" algn="l" defTabSz="457200" rtl="0" eaLnBrk="1" latinLnBrk="0" hangingPunct="1">
+              <a:spcBef>
+                <a:spcPts val="1000"/>
+              </a:spcBef>
+              <a:spcAft>
+                <a:spcPts val="0"/>
+              </a:spcAft>
+              <a:buClr>
+                <a:schemeClr val="accent1"/>
+              </a:buClr>
+              <a:buSzPct val="80000"/>
+              <a:buFont typeface="Wingdings 3" charset="2"/>
+              <a:buChar char=""/>
+              <a:defRPr kumimoji="1" sz="1200" kern="1200">
+                <a:solidFill>
+                  <a:schemeClr val="tx1">
+                    <a:lumMod val="75000"/>
+                    <a:lumOff val="25000"/>
+                  </a:schemeClr>
+                </a:solidFill>
+                <a:latin typeface="+mn-lt"/>
+                <a:ea typeface="+mn-ea"/>
+                <a:cs typeface="+mn-cs"/>
+              </a:defRPr>
+            </a:lvl8pPr>
+            <a:lvl9pPr marL="3886200" indent="-228600" algn="l" defTabSz="457200" rtl="0" eaLnBrk="1" latinLnBrk="0" hangingPunct="1">
+              <a:spcBef>
+                <a:spcPts val="1000"/>
+              </a:spcBef>
+              <a:spcAft>
+                <a:spcPts val="0"/>
+              </a:spcAft>
+              <a:buClr>
+                <a:schemeClr val="accent1"/>
+              </a:buClr>
+              <a:buSzPct val="80000"/>
+              <a:buFont typeface="Wingdings 3" charset="2"/>
+              <a:buChar char=""/>
+              <a:defRPr kumimoji="1" sz="1200" kern="1200">
+                <a:solidFill>
+                  <a:schemeClr val="tx1">
+                    <a:lumMod val="75000"/>
+                    <a:lumOff val="25000"/>
+                  </a:schemeClr>
+                </a:solidFill>
+                <a:latin typeface="+mn-lt"/>
+                <a:ea typeface="+mn-ea"/>
+                <a:cs typeface="+mn-cs"/>
+              </a:defRPr>
+            </a:lvl9pPr>
+          </a:lstStyle>
+          <a:p>
+            <a:pPr marL="0" indent="0">
+              <a:buNone/>
+            </a:pPr>
+            <a:r>
+              <a:rPr lang="en-US" altLang="ja-JP" dirty="0">
+                <a:latin typeface="HGPｺﾞｼｯｸE" panose="020B0900000000000000" pitchFamily="50" charset="-128"/>
+                <a:ea typeface="HGPｺﾞｼｯｸE" panose="020B0900000000000000" pitchFamily="50" charset="-128"/>
+              </a:rPr>
+              <a:t>	【</a:t>
+            </a:r>
+            <a:r>
+              <a:rPr lang="ja-JP" altLang="en-US" dirty="0">
+                <a:latin typeface="HGPｺﾞｼｯｸE" panose="020B0900000000000000" pitchFamily="50" charset="-128"/>
+                <a:ea typeface="HGPｺﾞｼｯｸE" panose="020B0900000000000000" pitchFamily="50" charset="-128"/>
+              </a:rPr>
+              <a:t>デメリット</a:t>
+            </a:r>
+            <a:r>
+              <a:rPr lang="en-US" altLang="ja-JP" dirty="0">
+                <a:latin typeface="HGPｺﾞｼｯｸE" panose="020B0900000000000000" pitchFamily="50" charset="-128"/>
+                <a:ea typeface="HGPｺﾞｼｯｸE" panose="020B0900000000000000" pitchFamily="50" charset="-128"/>
+              </a:rPr>
+              <a:t>】</a:t>
+            </a:r>
+          </a:p>
+          <a:p>
+            <a:pPr>
+              <a:buFont typeface="Wingdings" panose="05000000000000000000" pitchFamily="2" charset="2"/>
+              <a:buChar char="n"/>
+            </a:pPr>
+            <a:r>
+              <a:rPr lang="en-US" altLang="ja-JP" dirty="0">
+                <a:latin typeface="HGPｺﾞｼｯｸE" panose="020B0900000000000000" pitchFamily="50" charset="-128"/>
+                <a:ea typeface="HGPｺﾞｼｯｸE" panose="020B0900000000000000" pitchFamily="50" charset="-128"/>
+              </a:rPr>
+              <a:t>“Is A”</a:t>
+            </a:r>
+            <a:r>
+              <a:rPr lang="ja-JP" altLang="en-US" dirty="0">
+                <a:latin typeface="HGPｺﾞｼｯｸE" panose="020B0900000000000000" pitchFamily="50" charset="-128"/>
+                <a:ea typeface="HGPｺﾞｼｯｸE" panose="020B0900000000000000" pitchFamily="50" charset="-128"/>
+              </a:rPr>
+              <a:t>ではなく、</a:t>
+            </a:r>
+            <a:r>
+              <a:rPr lang="en-US" altLang="ja-JP" dirty="0">
+                <a:latin typeface="HGPｺﾞｼｯｸE" panose="020B0900000000000000" pitchFamily="50" charset="-128"/>
+                <a:ea typeface="HGPｺﾞｼｯｸE" panose="020B0900000000000000" pitchFamily="50" charset="-128"/>
+              </a:rPr>
+              <a:t>“has A”</a:t>
+            </a:r>
+            <a:r>
+              <a:rPr lang="ja-JP" altLang="en-US" dirty="0">
+                <a:latin typeface="HGPｺﾞｼｯｸE" panose="020B0900000000000000" pitchFamily="50" charset="-128"/>
+                <a:ea typeface="HGPｺﾞｼｯｸE" panose="020B0900000000000000" pitchFamily="50" charset="-128"/>
+              </a:rPr>
+              <a:t>の関係なので、</a:t>
+            </a:r>
+            <a:r>
+              <a:rPr lang="en-US" altLang="ja-JP" dirty="0">
+                <a:latin typeface="HGPｺﾞｼｯｸE" panose="020B0900000000000000" pitchFamily="50" charset="-128"/>
+                <a:ea typeface="HGPｺﾞｼｯｸE" panose="020B0900000000000000" pitchFamily="50" charset="-128"/>
+              </a:rPr>
+              <a:t>visitor</a:t>
+            </a:r>
+            <a:r>
+              <a:rPr lang="ja-JP" altLang="en-US" dirty="0">
+                <a:latin typeface="HGPｺﾞｼｯｸE" panose="020B0900000000000000" pitchFamily="50" charset="-128"/>
+                <a:ea typeface="HGPｺﾞｼｯｸE" panose="020B0900000000000000" pitchFamily="50" charset="-128"/>
+              </a:rPr>
+              <a:t>の編集でコンパイル時間が長くなる。</a:t>
+            </a:r>
+            <a:endParaRPr lang="en-US" altLang="ja-JP" dirty="0">
+              <a:latin typeface="HGPｺﾞｼｯｸE" panose="020B0900000000000000" pitchFamily="50" charset="-128"/>
+              <a:ea typeface="HGPｺﾞｼｯｸE" panose="020B0900000000000000" pitchFamily="50" charset="-128"/>
+            </a:endParaRPr>
+          </a:p>
+          <a:p>
+            <a:pPr>
+              <a:buFont typeface="Wingdings" panose="05000000000000000000" pitchFamily="2" charset="2"/>
+              <a:buChar char="n"/>
+            </a:pPr>
+            <a:endParaRPr lang="en-US" altLang="ja-JP" dirty="0">
+              <a:latin typeface="HGPｺﾞｼｯｸE" panose="020B0900000000000000" pitchFamily="50" charset="-128"/>
+              <a:ea typeface="HGPｺﾞｼｯｸE" panose="020B0900000000000000" pitchFamily="50" charset="-128"/>
+            </a:endParaRPr>
+          </a:p>
+          <a:p>
+            <a:pPr>
+              <a:buFont typeface="Wingdings" panose="05000000000000000000" pitchFamily="2" charset="2"/>
+              <a:buChar char="n"/>
+            </a:pPr>
+            <a:endParaRPr lang="en-US" altLang="ja-JP" dirty="0">
+              <a:latin typeface="HGPｺﾞｼｯｸE" panose="020B0900000000000000" pitchFamily="50" charset="-128"/>
+              <a:ea typeface="HGPｺﾞｼｯｸE" panose="020B0900000000000000" pitchFamily="50" charset="-128"/>
+            </a:endParaRPr>
+          </a:p>
+        </p:txBody>
+      </p:sp>
+    </p:spTree>
+    <p:extLst>
+      <p:ext uri="{BB962C8B-B14F-4D97-AF65-F5344CB8AC3E}">
+        <p14:creationId xmlns:p14="http://schemas.microsoft.com/office/powerpoint/2010/main" val="1112396335"/>
       </p:ext>
     </p:extLst>
   </p:cSld>

--- a/コーディング講座 最終回.pptx
+++ b/コーディング講座 最終回.pptx
@@ -25,7 +25,9 @@
     <p:sldId id="276" r:id="rId19"/>
     <p:sldId id="275" r:id="rId20"/>
     <p:sldId id="277" r:id="rId21"/>
-    <p:sldId id="271" r:id="rId22"/>
+    <p:sldId id="278" r:id="rId22"/>
+    <p:sldId id="279" r:id="rId23"/>
+    <p:sldId id="271" r:id="rId24"/>
   </p:sldIdLst>
   <p:sldSz cx="12192000" cy="6858000"/>
   <p:notesSz cx="6858000" cy="9144000"/>
@@ -877,7 +879,7 @@
           <a:p>
             <a:fld id="{758B9292-117B-40DE-9116-9B57CD567806}" type="datetimeFigureOut">
               <a:rPr kumimoji="1" lang="ja-JP" altLang="en-US" smtClean="0"/>
-              <a:t>2019/6/29</a:t>
+              <a:t>2019/6/30</a:t>
             </a:fld>
             <a:endParaRPr kumimoji="1" lang="ja-JP" altLang="en-US"/>
           </a:p>
@@ -1128,7 +1130,7 @@
           <a:p>
             <a:fld id="{758B9292-117B-40DE-9116-9B57CD567806}" type="datetimeFigureOut">
               <a:rPr kumimoji="1" lang="ja-JP" altLang="en-US" smtClean="0"/>
-              <a:t>2019/6/29</a:t>
+              <a:t>2019/6/30</a:t>
             </a:fld>
             <a:endParaRPr kumimoji="1" lang="ja-JP" altLang="en-US"/>
           </a:p>
@@ -1442,7 +1444,7 @@
           <a:p>
             <a:fld id="{758B9292-117B-40DE-9116-9B57CD567806}" type="datetimeFigureOut">
               <a:rPr kumimoji="1" lang="ja-JP" altLang="en-US" smtClean="0"/>
-              <a:t>2019/6/29</a:t>
+              <a:t>2019/6/30</a:t>
             </a:fld>
             <a:endParaRPr kumimoji="1" lang="ja-JP" altLang="en-US"/>
           </a:p>
@@ -1775,7 +1777,7 @@
           <a:p>
             <a:fld id="{758B9292-117B-40DE-9116-9B57CD567806}" type="datetimeFigureOut">
               <a:rPr kumimoji="1" lang="ja-JP" altLang="en-US" smtClean="0"/>
-              <a:t>2019/6/29</a:t>
+              <a:t>2019/6/30</a:t>
             </a:fld>
             <a:endParaRPr kumimoji="1" lang="ja-JP" altLang="en-US"/>
           </a:p>
@@ -2089,7 +2091,7 @@
           <a:p>
             <a:fld id="{758B9292-117B-40DE-9116-9B57CD567806}" type="datetimeFigureOut">
               <a:rPr kumimoji="1" lang="ja-JP" altLang="en-US" smtClean="0"/>
-              <a:t>2019/6/29</a:t>
+              <a:t>2019/6/30</a:t>
             </a:fld>
             <a:endParaRPr kumimoji="1" lang="ja-JP" altLang="en-US"/>
           </a:p>
@@ -2482,7 +2484,7 @@
           <a:p>
             <a:fld id="{758B9292-117B-40DE-9116-9B57CD567806}" type="datetimeFigureOut">
               <a:rPr kumimoji="1" lang="ja-JP" altLang="en-US" smtClean="0"/>
-              <a:t>2019/6/29</a:t>
+              <a:t>2019/6/30</a:t>
             </a:fld>
             <a:endParaRPr kumimoji="1" lang="ja-JP" altLang="en-US"/>
           </a:p>
@@ -2684,7 +2686,7 @@
           <a:p>
             <a:fld id="{758B9292-117B-40DE-9116-9B57CD567806}" type="datetimeFigureOut">
               <a:rPr kumimoji="1" lang="ja-JP" altLang="en-US" smtClean="0"/>
-              <a:t>2019/6/29</a:t>
+              <a:t>2019/6/30</a:t>
             </a:fld>
             <a:endParaRPr kumimoji="1" lang="ja-JP" altLang="en-US"/>
           </a:p>
@@ -2896,7 +2898,7 @@
           <a:p>
             <a:fld id="{758B9292-117B-40DE-9116-9B57CD567806}" type="datetimeFigureOut">
               <a:rPr kumimoji="1" lang="ja-JP" altLang="en-US" smtClean="0"/>
-              <a:t>2019/6/29</a:t>
+              <a:t>2019/6/30</a:t>
             </a:fld>
             <a:endParaRPr kumimoji="1" lang="ja-JP" altLang="en-US"/>
           </a:p>
@@ -3098,7 +3100,7 @@
           <a:p>
             <a:fld id="{758B9292-117B-40DE-9116-9B57CD567806}" type="datetimeFigureOut">
               <a:rPr kumimoji="1" lang="ja-JP" altLang="en-US" smtClean="0"/>
-              <a:t>2019/6/29</a:t>
+              <a:t>2019/6/30</a:t>
             </a:fld>
             <a:endParaRPr kumimoji="1" lang="ja-JP" altLang="en-US"/>
           </a:p>
@@ -3345,7 +3347,7 @@
           <a:p>
             <a:fld id="{758B9292-117B-40DE-9116-9B57CD567806}" type="datetimeFigureOut">
               <a:rPr kumimoji="1" lang="ja-JP" altLang="en-US" smtClean="0"/>
-              <a:t>2019/6/29</a:t>
+              <a:t>2019/6/30</a:t>
             </a:fld>
             <a:endParaRPr kumimoji="1" lang="ja-JP" altLang="en-US"/>
           </a:p>
@@ -3641,7 +3643,7 @@
           <a:p>
             <a:fld id="{758B9292-117B-40DE-9116-9B57CD567806}" type="datetimeFigureOut">
               <a:rPr kumimoji="1" lang="ja-JP" altLang="en-US" smtClean="0"/>
-              <a:t>2019/6/29</a:t>
+              <a:t>2019/6/30</a:t>
             </a:fld>
             <a:endParaRPr kumimoji="1" lang="ja-JP" altLang="en-US"/>
           </a:p>
@@ -4079,7 +4081,7 @@
           <a:p>
             <a:fld id="{758B9292-117B-40DE-9116-9B57CD567806}" type="datetimeFigureOut">
               <a:rPr kumimoji="1" lang="ja-JP" altLang="en-US" smtClean="0"/>
-              <a:t>2019/6/29</a:t>
+              <a:t>2019/6/30</a:t>
             </a:fld>
             <a:endParaRPr kumimoji="1" lang="ja-JP" altLang="en-US"/>
           </a:p>
@@ -4202,7 +4204,7 @@
           <a:p>
             <a:fld id="{758B9292-117B-40DE-9116-9B57CD567806}" type="datetimeFigureOut">
               <a:rPr kumimoji="1" lang="ja-JP" altLang="en-US" smtClean="0"/>
-              <a:t>2019/6/29</a:t>
+              <a:t>2019/6/30</a:t>
             </a:fld>
             <a:endParaRPr kumimoji="1" lang="ja-JP" altLang="en-US"/>
           </a:p>
@@ -4297,7 +4299,7 @@
           <a:p>
             <a:fld id="{758B9292-117B-40DE-9116-9B57CD567806}" type="datetimeFigureOut">
               <a:rPr kumimoji="1" lang="ja-JP" altLang="en-US" smtClean="0"/>
-              <a:t>2019/6/29</a:t>
+              <a:t>2019/6/30</a:t>
             </a:fld>
             <a:endParaRPr kumimoji="1" lang="ja-JP" altLang="en-US"/>
           </a:p>
@@ -4584,7 +4586,7 @@
           <a:p>
             <a:fld id="{758B9292-117B-40DE-9116-9B57CD567806}" type="datetimeFigureOut">
               <a:rPr kumimoji="1" lang="ja-JP" altLang="en-US" smtClean="0"/>
-              <a:t>2019/6/29</a:t>
+              <a:t>2019/6/30</a:t>
             </a:fld>
             <a:endParaRPr kumimoji="1" lang="ja-JP" altLang="en-US"/>
           </a:p>
@@ -4889,7 +4891,7 @@
           <a:p>
             <a:fld id="{758B9292-117B-40DE-9116-9B57CD567806}" type="datetimeFigureOut">
               <a:rPr kumimoji="1" lang="ja-JP" altLang="en-US" smtClean="0"/>
-              <a:t>2019/6/29</a:t>
+              <a:t>2019/6/30</a:t>
             </a:fld>
             <a:endParaRPr kumimoji="1" lang="ja-JP" altLang="en-US"/>
           </a:p>
@@ -5623,7 +5625,7 @@
           <a:p>
             <a:fld id="{758B9292-117B-40DE-9116-9B57CD567806}" type="datetimeFigureOut">
               <a:rPr kumimoji="1" lang="ja-JP" altLang="en-US" smtClean="0"/>
-              <a:t>2019/6/29</a:t>
+              <a:t>2019/6/30</a:t>
             </a:fld>
             <a:endParaRPr kumimoji="1" lang="ja-JP" altLang="en-US"/>
           </a:p>
@@ -14465,6 +14467,1142 @@
                 <a:latin typeface="HGPｺﾞｼｯｸE" panose="020B0900000000000000" pitchFamily="50" charset="-128"/>
                 <a:ea typeface="HGPｺﾞｼｯｸE" panose="020B0900000000000000" pitchFamily="50" charset="-128"/>
               </a:rPr>
+              <a:t>6.</a:t>
+            </a:r>
+            <a:r>
+              <a:rPr lang="en-US" altLang="ja-JP" b="1" dirty="0">
+                <a:latin typeface="HGPｺﾞｼｯｸE" panose="020B0900000000000000" pitchFamily="50" charset="-128"/>
+                <a:ea typeface="HGPｺﾞｼｯｸE" panose="020B0900000000000000" pitchFamily="50" charset="-128"/>
+              </a:rPr>
+              <a:t>Template</a:t>
+            </a:r>
+            <a:r>
+              <a:rPr lang="ja-JP" altLang="en-US" b="1" dirty="0">
+                <a:latin typeface="HGPｺﾞｼｯｸE" panose="020B0900000000000000" pitchFamily="50" charset="-128"/>
+                <a:ea typeface="HGPｺﾞｼｯｸE" panose="020B0900000000000000" pitchFamily="50" charset="-128"/>
+              </a:rPr>
+              <a:t> </a:t>
+            </a:r>
+            <a:r>
+              <a:rPr lang="en-US" altLang="ja-JP" b="1" dirty="0">
+                <a:latin typeface="HGPｺﾞｼｯｸE" panose="020B0900000000000000" pitchFamily="50" charset="-128"/>
+                <a:ea typeface="HGPｺﾞｼｯｸE" panose="020B0900000000000000" pitchFamily="50" charset="-128"/>
+              </a:rPr>
+              <a:t>Method</a:t>
+            </a:r>
+            <a:r>
+              <a:rPr lang="ja-JP" altLang="en-US" dirty="0">
+                <a:latin typeface="HGPｺﾞｼｯｸE" panose="020B0900000000000000" pitchFamily="50" charset="-128"/>
+                <a:ea typeface="HGPｺﾞｼｯｸE" panose="020B0900000000000000" pitchFamily="50" charset="-128"/>
+              </a:rPr>
+              <a:t>パターン</a:t>
+            </a:r>
+            <a:endParaRPr kumimoji="1" lang="ja-JP" altLang="en-US" dirty="0">
+              <a:latin typeface="HGPｺﾞｼｯｸE" panose="020B0900000000000000" pitchFamily="50" charset="-128"/>
+              <a:ea typeface="HGPｺﾞｼｯｸE" panose="020B0900000000000000" pitchFamily="50" charset="-128"/>
+            </a:endParaRPr>
+          </a:p>
+        </p:txBody>
+      </p:sp>
+      <p:sp>
+        <p:nvSpPr>
+          <p:cNvPr id="6" name="コンテンツ プレースホルダー 2">
+            <a:extLst>
+              <a:ext uri="{FF2B5EF4-FFF2-40B4-BE49-F238E27FC236}">
+                <a16:creationId xmlns:a16="http://schemas.microsoft.com/office/drawing/2014/main" id="{048AD946-95B6-4F80-BB06-2CBD2F20C382}"/>
+              </a:ext>
+            </a:extLst>
+          </p:cNvPr>
+          <p:cNvSpPr txBox="1">
+            <a:spLocks/>
+          </p:cNvSpPr>
+          <p:nvPr/>
+        </p:nvSpPr>
+        <p:spPr>
+          <a:xfrm>
+            <a:off x="841199" y="2108199"/>
+            <a:ext cx="8746684" cy="2159002"/>
+          </a:xfrm>
+          <a:prstGeom prst="rect">
+            <a:avLst/>
+          </a:prstGeom>
+        </p:spPr>
+        <p:txBody>
+          <a:bodyPr vert="horz" lIns="91440" tIns="45720" rIns="91440" bIns="45720" rtlCol="0">
+            <a:normAutofit/>
+          </a:bodyPr>
+          <a:lstStyle>
+            <a:lvl1pPr marL="342900" indent="-342900" algn="l" defTabSz="457200" rtl="0" eaLnBrk="1" latinLnBrk="0" hangingPunct="1">
+              <a:spcBef>
+                <a:spcPts val="1000"/>
+              </a:spcBef>
+              <a:spcAft>
+                <a:spcPts val="0"/>
+              </a:spcAft>
+              <a:buClr>
+                <a:schemeClr val="accent1"/>
+              </a:buClr>
+              <a:buSzPct val="80000"/>
+              <a:buFont typeface="Wingdings 3" charset="2"/>
+              <a:buChar char=""/>
+              <a:defRPr kumimoji="1" sz="1800" kern="1200">
+                <a:solidFill>
+                  <a:schemeClr val="tx1">
+                    <a:lumMod val="75000"/>
+                    <a:lumOff val="25000"/>
+                  </a:schemeClr>
+                </a:solidFill>
+                <a:latin typeface="+mn-lt"/>
+                <a:ea typeface="+mn-ea"/>
+                <a:cs typeface="+mn-cs"/>
+              </a:defRPr>
+            </a:lvl1pPr>
+            <a:lvl2pPr marL="742950" indent="-285750" algn="l" defTabSz="457200" rtl="0" eaLnBrk="1" latinLnBrk="0" hangingPunct="1">
+              <a:spcBef>
+                <a:spcPts val="1000"/>
+              </a:spcBef>
+              <a:spcAft>
+                <a:spcPts val="0"/>
+              </a:spcAft>
+              <a:buClr>
+                <a:schemeClr val="accent1"/>
+              </a:buClr>
+              <a:buSzPct val="80000"/>
+              <a:buFont typeface="Wingdings 3" charset="2"/>
+              <a:buChar char=""/>
+              <a:defRPr kumimoji="1" sz="1600" kern="1200">
+                <a:solidFill>
+                  <a:schemeClr val="tx1">
+                    <a:lumMod val="75000"/>
+                    <a:lumOff val="25000"/>
+                  </a:schemeClr>
+                </a:solidFill>
+                <a:latin typeface="+mn-lt"/>
+                <a:ea typeface="+mn-ea"/>
+                <a:cs typeface="+mn-cs"/>
+              </a:defRPr>
+            </a:lvl2pPr>
+            <a:lvl3pPr marL="1143000" indent="-228600" algn="l" defTabSz="457200" rtl="0" eaLnBrk="1" latinLnBrk="0" hangingPunct="1">
+              <a:spcBef>
+                <a:spcPts val="1000"/>
+              </a:spcBef>
+              <a:spcAft>
+                <a:spcPts val="0"/>
+              </a:spcAft>
+              <a:buClr>
+                <a:schemeClr val="accent1"/>
+              </a:buClr>
+              <a:buSzPct val="80000"/>
+              <a:buFont typeface="Wingdings 3" charset="2"/>
+              <a:buChar char=""/>
+              <a:defRPr kumimoji="1" sz="1400" kern="1200">
+                <a:solidFill>
+                  <a:schemeClr val="tx1">
+                    <a:lumMod val="75000"/>
+                    <a:lumOff val="25000"/>
+                  </a:schemeClr>
+                </a:solidFill>
+                <a:latin typeface="+mn-lt"/>
+                <a:ea typeface="+mn-ea"/>
+                <a:cs typeface="+mn-cs"/>
+              </a:defRPr>
+            </a:lvl3pPr>
+            <a:lvl4pPr marL="1600200" indent="-228600" algn="l" defTabSz="457200" rtl="0" eaLnBrk="1" latinLnBrk="0" hangingPunct="1">
+              <a:spcBef>
+                <a:spcPts val="1000"/>
+              </a:spcBef>
+              <a:spcAft>
+                <a:spcPts val="0"/>
+              </a:spcAft>
+              <a:buClr>
+                <a:schemeClr val="accent1"/>
+              </a:buClr>
+              <a:buSzPct val="80000"/>
+              <a:buFont typeface="Wingdings 3" charset="2"/>
+              <a:buChar char=""/>
+              <a:defRPr kumimoji="1" sz="1200" kern="1200">
+                <a:solidFill>
+                  <a:schemeClr val="tx1">
+                    <a:lumMod val="75000"/>
+                    <a:lumOff val="25000"/>
+                  </a:schemeClr>
+                </a:solidFill>
+                <a:latin typeface="+mn-lt"/>
+                <a:ea typeface="+mn-ea"/>
+                <a:cs typeface="+mn-cs"/>
+              </a:defRPr>
+            </a:lvl4pPr>
+            <a:lvl5pPr marL="2057400" indent="-228600" algn="l" defTabSz="457200" rtl="0" eaLnBrk="1" latinLnBrk="0" hangingPunct="1">
+              <a:spcBef>
+                <a:spcPts val="1000"/>
+              </a:spcBef>
+              <a:spcAft>
+                <a:spcPts val="0"/>
+              </a:spcAft>
+              <a:buClr>
+                <a:schemeClr val="accent1"/>
+              </a:buClr>
+              <a:buSzPct val="80000"/>
+              <a:buFont typeface="Wingdings 3" charset="2"/>
+              <a:buChar char=""/>
+              <a:defRPr kumimoji="1" sz="1200" kern="1200">
+                <a:solidFill>
+                  <a:schemeClr val="tx1">
+                    <a:lumMod val="75000"/>
+                    <a:lumOff val="25000"/>
+                  </a:schemeClr>
+                </a:solidFill>
+                <a:latin typeface="+mn-lt"/>
+                <a:ea typeface="+mn-ea"/>
+                <a:cs typeface="+mn-cs"/>
+              </a:defRPr>
+            </a:lvl5pPr>
+            <a:lvl6pPr marL="2514600" indent="-228600" algn="l" defTabSz="457200" rtl="0" eaLnBrk="1" latinLnBrk="0" hangingPunct="1">
+              <a:spcBef>
+                <a:spcPts val="1000"/>
+              </a:spcBef>
+              <a:spcAft>
+                <a:spcPts val="0"/>
+              </a:spcAft>
+              <a:buClr>
+                <a:schemeClr val="accent1"/>
+              </a:buClr>
+              <a:buSzPct val="80000"/>
+              <a:buFont typeface="Wingdings 3" charset="2"/>
+              <a:buChar char=""/>
+              <a:defRPr kumimoji="1" sz="1200" kern="1200">
+                <a:solidFill>
+                  <a:schemeClr val="tx1">
+                    <a:lumMod val="75000"/>
+                    <a:lumOff val="25000"/>
+                  </a:schemeClr>
+                </a:solidFill>
+                <a:latin typeface="+mn-lt"/>
+                <a:ea typeface="+mn-ea"/>
+                <a:cs typeface="+mn-cs"/>
+              </a:defRPr>
+            </a:lvl6pPr>
+            <a:lvl7pPr marL="2971800" indent="-228600" algn="l" defTabSz="457200" rtl="0" eaLnBrk="1" latinLnBrk="0" hangingPunct="1">
+              <a:spcBef>
+                <a:spcPts val="1000"/>
+              </a:spcBef>
+              <a:spcAft>
+                <a:spcPts val="0"/>
+              </a:spcAft>
+              <a:buClr>
+                <a:schemeClr val="accent1"/>
+              </a:buClr>
+              <a:buSzPct val="80000"/>
+              <a:buFont typeface="Wingdings 3" charset="2"/>
+              <a:buChar char=""/>
+              <a:defRPr kumimoji="1" sz="1200" kern="1200">
+                <a:solidFill>
+                  <a:schemeClr val="tx1">
+                    <a:lumMod val="75000"/>
+                    <a:lumOff val="25000"/>
+                  </a:schemeClr>
+                </a:solidFill>
+                <a:latin typeface="+mn-lt"/>
+                <a:ea typeface="+mn-ea"/>
+                <a:cs typeface="+mn-cs"/>
+              </a:defRPr>
+            </a:lvl7pPr>
+            <a:lvl8pPr marL="3429000" indent="-228600" algn="l" defTabSz="457200" rtl="0" eaLnBrk="1" latinLnBrk="0" hangingPunct="1">
+              <a:spcBef>
+                <a:spcPts val="1000"/>
+              </a:spcBef>
+              <a:spcAft>
+                <a:spcPts val="0"/>
+              </a:spcAft>
+              <a:buClr>
+                <a:schemeClr val="accent1"/>
+              </a:buClr>
+              <a:buSzPct val="80000"/>
+              <a:buFont typeface="Wingdings 3" charset="2"/>
+              <a:buChar char=""/>
+              <a:defRPr kumimoji="1" sz="1200" kern="1200">
+                <a:solidFill>
+                  <a:schemeClr val="tx1">
+                    <a:lumMod val="75000"/>
+                    <a:lumOff val="25000"/>
+                  </a:schemeClr>
+                </a:solidFill>
+                <a:latin typeface="+mn-lt"/>
+                <a:ea typeface="+mn-ea"/>
+                <a:cs typeface="+mn-cs"/>
+              </a:defRPr>
+            </a:lvl8pPr>
+            <a:lvl9pPr marL="3886200" indent="-228600" algn="l" defTabSz="457200" rtl="0" eaLnBrk="1" latinLnBrk="0" hangingPunct="1">
+              <a:spcBef>
+                <a:spcPts val="1000"/>
+              </a:spcBef>
+              <a:spcAft>
+                <a:spcPts val="0"/>
+              </a:spcAft>
+              <a:buClr>
+                <a:schemeClr val="accent1"/>
+              </a:buClr>
+              <a:buSzPct val="80000"/>
+              <a:buFont typeface="Wingdings 3" charset="2"/>
+              <a:buChar char=""/>
+              <a:defRPr kumimoji="1" sz="1200" kern="1200">
+                <a:solidFill>
+                  <a:schemeClr val="tx1">
+                    <a:lumMod val="75000"/>
+                    <a:lumOff val="25000"/>
+                  </a:schemeClr>
+                </a:solidFill>
+                <a:latin typeface="+mn-lt"/>
+                <a:ea typeface="+mn-ea"/>
+                <a:cs typeface="+mn-cs"/>
+              </a:defRPr>
+            </a:lvl9pPr>
+          </a:lstStyle>
+          <a:p>
+            <a:pPr>
+              <a:buFont typeface="Wingdings" panose="05000000000000000000" pitchFamily="2" charset="2"/>
+              <a:buChar char="n"/>
+            </a:pPr>
+            <a:r>
+              <a:rPr lang="ja-JP" altLang="en-US" dirty="0">
+                <a:latin typeface="HGPｺﾞｼｯｸE" panose="020B0900000000000000" pitchFamily="50" charset="-128"/>
+                <a:ea typeface="HGPｺﾞｼｯｸE" panose="020B0900000000000000" pitchFamily="50" charset="-128"/>
+              </a:rPr>
+              <a:t>オブジェクト指向の基本概念の一つ「継承」を有効活用したパターン。</a:t>
+            </a:r>
+            <a:endParaRPr lang="en-US" altLang="ja-JP" dirty="0">
+              <a:latin typeface="HGPｺﾞｼｯｸE" panose="020B0900000000000000" pitchFamily="50" charset="-128"/>
+              <a:ea typeface="HGPｺﾞｼｯｸE" panose="020B0900000000000000" pitchFamily="50" charset="-128"/>
+            </a:endParaRPr>
+          </a:p>
+          <a:p>
+            <a:pPr>
+              <a:buFont typeface="Wingdings" panose="05000000000000000000" pitchFamily="2" charset="2"/>
+              <a:buChar char="n"/>
+            </a:pPr>
+            <a:r>
+              <a:rPr lang="ja-JP" altLang="en-US" dirty="0">
+                <a:latin typeface="HGPｺﾞｼｯｸE" panose="020B0900000000000000" pitchFamily="50" charset="-128"/>
+                <a:ea typeface="HGPｺﾞｼｯｸE" panose="020B0900000000000000" pitchFamily="50" charset="-128"/>
+              </a:rPr>
+              <a:t>ダックタイピングはあまり使わない方がいい？</a:t>
+            </a:r>
+            <a:endParaRPr lang="en-US" altLang="ja-JP" dirty="0">
+              <a:latin typeface="HGPｺﾞｼｯｸE" panose="020B0900000000000000" pitchFamily="50" charset="-128"/>
+              <a:ea typeface="HGPｺﾞｼｯｸE" panose="020B0900000000000000" pitchFamily="50" charset="-128"/>
+            </a:endParaRPr>
+          </a:p>
+          <a:p>
+            <a:pPr>
+              <a:buFont typeface="Wingdings" panose="05000000000000000000" pitchFamily="2" charset="2"/>
+              <a:buChar char="n"/>
+            </a:pPr>
+            <a:r>
+              <a:rPr lang="ja-JP" altLang="en-US" dirty="0">
+                <a:latin typeface="HGPｺﾞｼｯｸE" panose="020B0900000000000000" pitchFamily="50" charset="-128"/>
+                <a:ea typeface="HGPｺﾞｼｯｸE" panose="020B0900000000000000" pitchFamily="50" charset="-128"/>
+              </a:rPr>
+              <a:t>無駄に種類が多い</a:t>
+            </a:r>
+            <a:r>
+              <a:rPr lang="en-US" altLang="ja-JP" dirty="0">
+                <a:latin typeface="HGPｺﾞｼｯｸE" panose="020B0900000000000000" pitchFamily="50" charset="-128"/>
+                <a:ea typeface="HGPｺﾞｼｯｸE" panose="020B0900000000000000" pitchFamily="50" charset="-128"/>
+              </a:rPr>
+              <a:t>(</a:t>
+            </a:r>
+            <a:r>
+              <a:rPr lang="ja-JP" altLang="en-US" dirty="0">
+                <a:latin typeface="HGPｺﾞｼｯｸE" panose="020B0900000000000000" pitchFamily="50" charset="-128"/>
+                <a:ea typeface="HGPｺﾞｼｯｸE" panose="020B0900000000000000" pitchFamily="50" charset="-128"/>
+              </a:rPr>
+              <a:t>使い分けはしっかりと！</a:t>
+            </a:r>
+            <a:r>
+              <a:rPr lang="en-US" altLang="ja-JP" dirty="0">
+                <a:latin typeface="HGPｺﾞｼｯｸE" panose="020B0900000000000000" pitchFamily="50" charset="-128"/>
+                <a:ea typeface="HGPｺﾞｼｯｸE" panose="020B0900000000000000" pitchFamily="50" charset="-128"/>
+              </a:rPr>
+              <a:t>)</a:t>
+            </a:r>
+          </a:p>
+          <a:p>
+            <a:pPr>
+              <a:buFont typeface="Wingdings" panose="05000000000000000000" pitchFamily="2" charset="2"/>
+              <a:buChar char="n"/>
+            </a:pPr>
+            <a:r>
+              <a:rPr lang="ja-JP" altLang="en-US" dirty="0">
+                <a:latin typeface="HGPｺﾞｼｯｸE" panose="020B0900000000000000" pitchFamily="50" charset="-128"/>
+                <a:ea typeface="HGPｺﾞｼｯｸE" panose="020B0900000000000000" pitchFamily="50" charset="-128"/>
+              </a:rPr>
+              <a:t>メタプログラミング。</a:t>
+            </a:r>
+            <a:endParaRPr lang="en-US" altLang="ja-JP" dirty="0">
+              <a:latin typeface="HGPｺﾞｼｯｸE" panose="020B0900000000000000" pitchFamily="50" charset="-128"/>
+              <a:ea typeface="HGPｺﾞｼｯｸE" panose="020B0900000000000000" pitchFamily="50" charset="-128"/>
+            </a:endParaRPr>
+          </a:p>
+        </p:txBody>
+      </p:sp>
+      <p:sp>
+        <p:nvSpPr>
+          <p:cNvPr id="7" name="コンテンツ プレースホルダー 2">
+            <a:extLst>
+              <a:ext uri="{FF2B5EF4-FFF2-40B4-BE49-F238E27FC236}">
+                <a16:creationId xmlns:a16="http://schemas.microsoft.com/office/drawing/2014/main" id="{871414A4-B7C4-4DE9-9363-D015CEC18631}"/>
+              </a:ext>
+            </a:extLst>
+          </p:cNvPr>
+          <p:cNvSpPr txBox="1">
+            <a:spLocks/>
+          </p:cNvSpPr>
+          <p:nvPr/>
+        </p:nvSpPr>
+        <p:spPr>
+          <a:xfrm>
+            <a:off x="584571" y="4267201"/>
+            <a:ext cx="5185915" cy="2163190"/>
+          </a:xfrm>
+          <a:prstGeom prst="rect">
+            <a:avLst/>
+          </a:prstGeom>
+        </p:spPr>
+        <p:txBody>
+          <a:bodyPr vert="horz" lIns="91440" tIns="45720" rIns="91440" bIns="45720" rtlCol="0">
+            <a:normAutofit/>
+          </a:bodyPr>
+          <a:lstStyle>
+            <a:lvl1pPr marL="342900" indent="-342900" algn="l" defTabSz="457200" rtl="0" eaLnBrk="1" latinLnBrk="0" hangingPunct="1">
+              <a:spcBef>
+                <a:spcPts val="1000"/>
+              </a:spcBef>
+              <a:spcAft>
+                <a:spcPts val="0"/>
+              </a:spcAft>
+              <a:buClr>
+                <a:schemeClr val="accent1"/>
+              </a:buClr>
+              <a:buSzPct val="80000"/>
+              <a:buFont typeface="Wingdings 3" charset="2"/>
+              <a:buChar char=""/>
+              <a:defRPr kumimoji="1" sz="1800" kern="1200">
+                <a:solidFill>
+                  <a:schemeClr val="tx1">
+                    <a:lumMod val="75000"/>
+                    <a:lumOff val="25000"/>
+                  </a:schemeClr>
+                </a:solidFill>
+                <a:latin typeface="+mn-lt"/>
+                <a:ea typeface="+mn-ea"/>
+                <a:cs typeface="+mn-cs"/>
+              </a:defRPr>
+            </a:lvl1pPr>
+            <a:lvl2pPr marL="742950" indent="-285750" algn="l" defTabSz="457200" rtl="0" eaLnBrk="1" latinLnBrk="0" hangingPunct="1">
+              <a:spcBef>
+                <a:spcPts val="1000"/>
+              </a:spcBef>
+              <a:spcAft>
+                <a:spcPts val="0"/>
+              </a:spcAft>
+              <a:buClr>
+                <a:schemeClr val="accent1"/>
+              </a:buClr>
+              <a:buSzPct val="80000"/>
+              <a:buFont typeface="Wingdings 3" charset="2"/>
+              <a:buChar char=""/>
+              <a:defRPr kumimoji="1" sz="1600" kern="1200">
+                <a:solidFill>
+                  <a:schemeClr val="tx1">
+                    <a:lumMod val="75000"/>
+                    <a:lumOff val="25000"/>
+                  </a:schemeClr>
+                </a:solidFill>
+                <a:latin typeface="+mn-lt"/>
+                <a:ea typeface="+mn-ea"/>
+                <a:cs typeface="+mn-cs"/>
+              </a:defRPr>
+            </a:lvl2pPr>
+            <a:lvl3pPr marL="1143000" indent="-228600" algn="l" defTabSz="457200" rtl="0" eaLnBrk="1" latinLnBrk="0" hangingPunct="1">
+              <a:spcBef>
+                <a:spcPts val="1000"/>
+              </a:spcBef>
+              <a:spcAft>
+                <a:spcPts val="0"/>
+              </a:spcAft>
+              <a:buClr>
+                <a:schemeClr val="accent1"/>
+              </a:buClr>
+              <a:buSzPct val="80000"/>
+              <a:buFont typeface="Wingdings 3" charset="2"/>
+              <a:buChar char=""/>
+              <a:defRPr kumimoji="1" sz="1400" kern="1200">
+                <a:solidFill>
+                  <a:schemeClr val="tx1">
+                    <a:lumMod val="75000"/>
+                    <a:lumOff val="25000"/>
+                  </a:schemeClr>
+                </a:solidFill>
+                <a:latin typeface="+mn-lt"/>
+                <a:ea typeface="+mn-ea"/>
+                <a:cs typeface="+mn-cs"/>
+              </a:defRPr>
+            </a:lvl3pPr>
+            <a:lvl4pPr marL="1600200" indent="-228600" algn="l" defTabSz="457200" rtl="0" eaLnBrk="1" latinLnBrk="0" hangingPunct="1">
+              <a:spcBef>
+                <a:spcPts val="1000"/>
+              </a:spcBef>
+              <a:spcAft>
+                <a:spcPts val="0"/>
+              </a:spcAft>
+              <a:buClr>
+                <a:schemeClr val="accent1"/>
+              </a:buClr>
+              <a:buSzPct val="80000"/>
+              <a:buFont typeface="Wingdings 3" charset="2"/>
+              <a:buChar char=""/>
+              <a:defRPr kumimoji="1" sz="1200" kern="1200">
+                <a:solidFill>
+                  <a:schemeClr val="tx1">
+                    <a:lumMod val="75000"/>
+                    <a:lumOff val="25000"/>
+                  </a:schemeClr>
+                </a:solidFill>
+                <a:latin typeface="+mn-lt"/>
+                <a:ea typeface="+mn-ea"/>
+                <a:cs typeface="+mn-cs"/>
+              </a:defRPr>
+            </a:lvl4pPr>
+            <a:lvl5pPr marL="2057400" indent="-228600" algn="l" defTabSz="457200" rtl="0" eaLnBrk="1" latinLnBrk="0" hangingPunct="1">
+              <a:spcBef>
+                <a:spcPts val="1000"/>
+              </a:spcBef>
+              <a:spcAft>
+                <a:spcPts val="0"/>
+              </a:spcAft>
+              <a:buClr>
+                <a:schemeClr val="accent1"/>
+              </a:buClr>
+              <a:buSzPct val="80000"/>
+              <a:buFont typeface="Wingdings 3" charset="2"/>
+              <a:buChar char=""/>
+              <a:defRPr kumimoji="1" sz="1200" kern="1200">
+                <a:solidFill>
+                  <a:schemeClr val="tx1">
+                    <a:lumMod val="75000"/>
+                    <a:lumOff val="25000"/>
+                  </a:schemeClr>
+                </a:solidFill>
+                <a:latin typeface="+mn-lt"/>
+                <a:ea typeface="+mn-ea"/>
+                <a:cs typeface="+mn-cs"/>
+              </a:defRPr>
+            </a:lvl5pPr>
+            <a:lvl6pPr marL="2514600" indent="-228600" algn="l" defTabSz="457200" rtl="0" eaLnBrk="1" latinLnBrk="0" hangingPunct="1">
+              <a:spcBef>
+                <a:spcPts val="1000"/>
+              </a:spcBef>
+              <a:spcAft>
+                <a:spcPts val="0"/>
+              </a:spcAft>
+              <a:buClr>
+                <a:schemeClr val="accent1"/>
+              </a:buClr>
+              <a:buSzPct val="80000"/>
+              <a:buFont typeface="Wingdings 3" charset="2"/>
+              <a:buChar char=""/>
+              <a:defRPr kumimoji="1" sz="1200" kern="1200">
+                <a:solidFill>
+                  <a:schemeClr val="tx1">
+                    <a:lumMod val="75000"/>
+                    <a:lumOff val="25000"/>
+                  </a:schemeClr>
+                </a:solidFill>
+                <a:latin typeface="+mn-lt"/>
+                <a:ea typeface="+mn-ea"/>
+                <a:cs typeface="+mn-cs"/>
+              </a:defRPr>
+            </a:lvl6pPr>
+            <a:lvl7pPr marL="2971800" indent="-228600" algn="l" defTabSz="457200" rtl="0" eaLnBrk="1" latinLnBrk="0" hangingPunct="1">
+              <a:spcBef>
+                <a:spcPts val="1000"/>
+              </a:spcBef>
+              <a:spcAft>
+                <a:spcPts val="0"/>
+              </a:spcAft>
+              <a:buClr>
+                <a:schemeClr val="accent1"/>
+              </a:buClr>
+              <a:buSzPct val="80000"/>
+              <a:buFont typeface="Wingdings 3" charset="2"/>
+              <a:buChar char=""/>
+              <a:defRPr kumimoji="1" sz="1200" kern="1200">
+                <a:solidFill>
+                  <a:schemeClr val="tx1">
+                    <a:lumMod val="75000"/>
+                    <a:lumOff val="25000"/>
+                  </a:schemeClr>
+                </a:solidFill>
+                <a:latin typeface="+mn-lt"/>
+                <a:ea typeface="+mn-ea"/>
+                <a:cs typeface="+mn-cs"/>
+              </a:defRPr>
+            </a:lvl7pPr>
+            <a:lvl8pPr marL="3429000" indent="-228600" algn="l" defTabSz="457200" rtl="0" eaLnBrk="1" latinLnBrk="0" hangingPunct="1">
+              <a:spcBef>
+                <a:spcPts val="1000"/>
+              </a:spcBef>
+              <a:spcAft>
+                <a:spcPts val="0"/>
+              </a:spcAft>
+              <a:buClr>
+                <a:schemeClr val="accent1"/>
+              </a:buClr>
+              <a:buSzPct val="80000"/>
+              <a:buFont typeface="Wingdings 3" charset="2"/>
+              <a:buChar char=""/>
+              <a:defRPr kumimoji="1" sz="1200" kern="1200">
+                <a:solidFill>
+                  <a:schemeClr val="tx1">
+                    <a:lumMod val="75000"/>
+                    <a:lumOff val="25000"/>
+                  </a:schemeClr>
+                </a:solidFill>
+                <a:latin typeface="+mn-lt"/>
+                <a:ea typeface="+mn-ea"/>
+                <a:cs typeface="+mn-cs"/>
+              </a:defRPr>
+            </a:lvl8pPr>
+            <a:lvl9pPr marL="3886200" indent="-228600" algn="l" defTabSz="457200" rtl="0" eaLnBrk="1" latinLnBrk="0" hangingPunct="1">
+              <a:spcBef>
+                <a:spcPts val="1000"/>
+              </a:spcBef>
+              <a:spcAft>
+                <a:spcPts val="0"/>
+              </a:spcAft>
+              <a:buClr>
+                <a:schemeClr val="accent1"/>
+              </a:buClr>
+              <a:buSzPct val="80000"/>
+              <a:buFont typeface="Wingdings 3" charset="2"/>
+              <a:buChar char=""/>
+              <a:defRPr kumimoji="1" sz="1200" kern="1200">
+                <a:solidFill>
+                  <a:schemeClr val="tx1">
+                    <a:lumMod val="75000"/>
+                    <a:lumOff val="25000"/>
+                  </a:schemeClr>
+                </a:solidFill>
+                <a:latin typeface="+mn-lt"/>
+                <a:ea typeface="+mn-ea"/>
+                <a:cs typeface="+mn-cs"/>
+              </a:defRPr>
+            </a:lvl9pPr>
+          </a:lstStyle>
+          <a:p>
+            <a:pPr marL="0" indent="0">
+              <a:buNone/>
+            </a:pPr>
+            <a:r>
+              <a:rPr lang="en-US" altLang="ja-JP" dirty="0">
+                <a:latin typeface="HGPｺﾞｼｯｸE" panose="020B0900000000000000" pitchFamily="50" charset="-128"/>
+                <a:ea typeface="HGPｺﾞｼｯｸE" panose="020B0900000000000000" pitchFamily="50" charset="-128"/>
+              </a:rPr>
+              <a:t>	【</a:t>
+            </a:r>
+            <a:r>
+              <a:rPr lang="ja-JP" altLang="en-US" dirty="0">
+                <a:latin typeface="HGPｺﾞｼｯｸE" panose="020B0900000000000000" pitchFamily="50" charset="-128"/>
+                <a:ea typeface="HGPｺﾞｼｯｸE" panose="020B0900000000000000" pitchFamily="50" charset="-128"/>
+              </a:rPr>
+              <a:t>メリット</a:t>
+            </a:r>
+            <a:r>
+              <a:rPr lang="en-US" altLang="ja-JP" dirty="0">
+                <a:latin typeface="HGPｺﾞｼｯｸE" panose="020B0900000000000000" pitchFamily="50" charset="-128"/>
+                <a:ea typeface="HGPｺﾞｼｯｸE" panose="020B0900000000000000" pitchFamily="50" charset="-128"/>
+              </a:rPr>
+              <a:t>】</a:t>
+            </a:r>
+          </a:p>
+          <a:p>
+            <a:pPr>
+              <a:buFont typeface="Wingdings" panose="05000000000000000000" pitchFamily="2" charset="2"/>
+              <a:buChar char="n"/>
+            </a:pPr>
+            <a:r>
+              <a:rPr lang="en-US" altLang="ja-JP" dirty="0">
+                <a:latin typeface="HGPｺﾞｼｯｸE" panose="020B0900000000000000" pitchFamily="50" charset="-128"/>
+                <a:ea typeface="HGPｺﾞｼｯｸE" panose="020B0900000000000000" pitchFamily="50" charset="-128"/>
+              </a:rPr>
+              <a:t>Virtual</a:t>
+            </a:r>
+            <a:r>
+              <a:rPr lang="ja-JP" altLang="en-US" dirty="0">
+                <a:latin typeface="HGPｺﾞｼｯｸE" panose="020B0900000000000000" pitchFamily="50" charset="-128"/>
+                <a:ea typeface="HGPｺﾞｼｯｸE" panose="020B0900000000000000" pitchFamily="50" charset="-128"/>
+              </a:rPr>
+              <a:t>より動作速度が速い。</a:t>
+            </a:r>
+          </a:p>
+          <a:p>
+            <a:pPr>
+              <a:buFont typeface="Wingdings" panose="05000000000000000000" pitchFamily="2" charset="2"/>
+              <a:buChar char="n"/>
+            </a:pPr>
+            <a:r>
+              <a:rPr lang="ja-JP" altLang="en-US" dirty="0">
+                <a:latin typeface="HGPｺﾞｼｯｸE" panose="020B0900000000000000" pitchFamily="50" charset="-128"/>
+                <a:ea typeface="HGPｺﾞｼｯｸE" panose="020B0900000000000000" pitchFamily="50" charset="-128"/>
+              </a:rPr>
+              <a:t>似たような処理を書かなくてよくなる。</a:t>
+            </a:r>
+            <a:endParaRPr lang="en-US" altLang="ja-JP" dirty="0">
+              <a:latin typeface="HGPｺﾞｼｯｸE" panose="020B0900000000000000" pitchFamily="50" charset="-128"/>
+              <a:ea typeface="HGPｺﾞｼｯｸE" panose="020B0900000000000000" pitchFamily="50" charset="-128"/>
+            </a:endParaRPr>
+          </a:p>
+        </p:txBody>
+      </p:sp>
+      <p:sp>
+        <p:nvSpPr>
+          <p:cNvPr id="8" name="コンテンツ プレースホルダー 2">
+            <a:extLst>
+              <a:ext uri="{FF2B5EF4-FFF2-40B4-BE49-F238E27FC236}">
+                <a16:creationId xmlns:a16="http://schemas.microsoft.com/office/drawing/2014/main" id="{E0915D32-8FE1-40EE-B586-26F3AA67F381}"/>
+              </a:ext>
+            </a:extLst>
+          </p:cNvPr>
+          <p:cNvSpPr txBox="1">
+            <a:spLocks/>
+          </p:cNvSpPr>
+          <p:nvPr/>
+        </p:nvSpPr>
+        <p:spPr>
+          <a:xfrm>
+            <a:off x="4798381" y="4267201"/>
+            <a:ext cx="5761607" cy="2163190"/>
+          </a:xfrm>
+          <a:prstGeom prst="rect">
+            <a:avLst/>
+          </a:prstGeom>
+        </p:spPr>
+        <p:txBody>
+          <a:bodyPr vert="horz" lIns="91440" tIns="45720" rIns="91440" bIns="45720" rtlCol="0">
+            <a:normAutofit/>
+          </a:bodyPr>
+          <a:lstStyle>
+            <a:lvl1pPr marL="342900" indent="-342900" algn="l" defTabSz="457200" rtl="0" eaLnBrk="1" latinLnBrk="0" hangingPunct="1">
+              <a:spcBef>
+                <a:spcPts val="1000"/>
+              </a:spcBef>
+              <a:spcAft>
+                <a:spcPts val="0"/>
+              </a:spcAft>
+              <a:buClr>
+                <a:schemeClr val="accent1"/>
+              </a:buClr>
+              <a:buSzPct val="80000"/>
+              <a:buFont typeface="Wingdings 3" charset="2"/>
+              <a:buChar char=""/>
+              <a:defRPr kumimoji="1" sz="1800" kern="1200">
+                <a:solidFill>
+                  <a:schemeClr val="tx1">
+                    <a:lumMod val="75000"/>
+                    <a:lumOff val="25000"/>
+                  </a:schemeClr>
+                </a:solidFill>
+                <a:latin typeface="+mn-lt"/>
+                <a:ea typeface="+mn-ea"/>
+                <a:cs typeface="+mn-cs"/>
+              </a:defRPr>
+            </a:lvl1pPr>
+            <a:lvl2pPr marL="742950" indent="-285750" algn="l" defTabSz="457200" rtl="0" eaLnBrk="1" latinLnBrk="0" hangingPunct="1">
+              <a:spcBef>
+                <a:spcPts val="1000"/>
+              </a:spcBef>
+              <a:spcAft>
+                <a:spcPts val="0"/>
+              </a:spcAft>
+              <a:buClr>
+                <a:schemeClr val="accent1"/>
+              </a:buClr>
+              <a:buSzPct val="80000"/>
+              <a:buFont typeface="Wingdings 3" charset="2"/>
+              <a:buChar char=""/>
+              <a:defRPr kumimoji="1" sz="1600" kern="1200">
+                <a:solidFill>
+                  <a:schemeClr val="tx1">
+                    <a:lumMod val="75000"/>
+                    <a:lumOff val="25000"/>
+                  </a:schemeClr>
+                </a:solidFill>
+                <a:latin typeface="+mn-lt"/>
+                <a:ea typeface="+mn-ea"/>
+                <a:cs typeface="+mn-cs"/>
+              </a:defRPr>
+            </a:lvl2pPr>
+            <a:lvl3pPr marL="1143000" indent="-228600" algn="l" defTabSz="457200" rtl="0" eaLnBrk="1" latinLnBrk="0" hangingPunct="1">
+              <a:spcBef>
+                <a:spcPts val="1000"/>
+              </a:spcBef>
+              <a:spcAft>
+                <a:spcPts val="0"/>
+              </a:spcAft>
+              <a:buClr>
+                <a:schemeClr val="accent1"/>
+              </a:buClr>
+              <a:buSzPct val="80000"/>
+              <a:buFont typeface="Wingdings 3" charset="2"/>
+              <a:buChar char=""/>
+              <a:defRPr kumimoji="1" sz="1400" kern="1200">
+                <a:solidFill>
+                  <a:schemeClr val="tx1">
+                    <a:lumMod val="75000"/>
+                    <a:lumOff val="25000"/>
+                  </a:schemeClr>
+                </a:solidFill>
+                <a:latin typeface="+mn-lt"/>
+                <a:ea typeface="+mn-ea"/>
+                <a:cs typeface="+mn-cs"/>
+              </a:defRPr>
+            </a:lvl3pPr>
+            <a:lvl4pPr marL="1600200" indent="-228600" algn="l" defTabSz="457200" rtl="0" eaLnBrk="1" latinLnBrk="0" hangingPunct="1">
+              <a:spcBef>
+                <a:spcPts val="1000"/>
+              </a:spcBef>
+              <a:spcAft>
+                <a:spcPts val="0"/>
+              </a:spcAft>
+              <a:buClr>
+                <a:schemeClr val="accent1"/>
+              </a:buClr>
+              <a:buSzPct val="80000"/>
+              <a:buFont typeface="Wingdings 3" charset="2"/>
+              <a:buChar char=""/>
+              <a:defRPr kumimoji="1" sz="1200" kern="1200">
+                <a:solidFill>
+                  <a:schemeClr val="tx1">
+                    <a:lumMod val="75000"/>
+                    <a:lumOff val="25000"/>
+                  </a:schemeClr>
+                </a:solidFill>
+                <a:latin typeface="+mn-lt"/>
+                <a:ea typeface="+mn-ea"/>
+                <a:cs typeface="+mn-cs"/>
+              </a:defRPr>
+            </a:lvl4pPr>
+            <a:lvl5pPr marL="2057400" indent="-228600" algn="l" defTabSz="457200" rtl="0" eaLnBrk="1" latinLnBrk="0" hangingPunct="1">
+              <a:spcBef>
+                <a:spcPts val="1000"/>
+              </a:spcBef>
+              <a:spcAft>
+                <a:spcPts val="0"/>
+              </a:spcAft>
+              <a:buClr>
+                <a:schemeClr val="accent1"/>
+              </a:buClr>
+              <a:buSzPct val="80000"/>
+              <a:buFont typeface="Wingdings 3" charset="2"/>
+              <a:buChar char=""/>
+              <a:defRPr kumimoji="1" sz="1200" kern="1200">
+                <a:solidFill>
+                  <a:schemeClr val="tx1">
+                    <a:lumMod val="75000"/>
+                    <a:lumOff val="25000"/>
+                  </a:schemeClr>
+                </a:solidFill>
+                <a:latin typeface="+mn-lt"/>
+                <a:ea typeface="+mn-ea"/>
+                <a:cs typeface="+mn-cs"/>
+              </a:defRPr>
+            </a:lvl5pPr>
+            <a:lvl6pPr marL="2514600" indent="-228600" algn="l" defTabSz="457200" rtl="0" eaLnBrk="1" latinLnBrk="0" hangingPunct="1">
+              <a:spcBef>
+                <a:spcPts val="1000"/>
+              </a:spcBef>
+              <a:spcAft>
+                <a:spcPts val="0"/>
+              </a:spcAft>
+              <a:buClr>
+                <a:schemeClr val="accent1"/>
+              </a:buClr>
+              <a:buSzPct val="80000"/>
+              <a:buFont typeface="Wingdings 3" charset="2"/>
+              <a:buChar char=""/>
+              <a:defRPr kumimoji="1" sz="1200" kern="1200">
+                <a:solidFill>
+                  <a:schemeClr val="tx1">
+                    <a:lumMod val="75000"/>
+                    <a:lumOff val="25000"/>
+                  </a:schemeClr>
+                </a:solidFill>
+                <a:latin typeface="+mn-lt"/>
+                <a:ea typeface="+mn-ea"/>
+                <a:cs typeface="+mn-cs"/>
+              </a:defRPr>
+            </a:lvl6pPr>
+            <a:lvl7pPr marL="2971800" indent="-228600" algn="l" defTabSz="457200" rtl="0" eaLnBrk="1" latinLnBrk="0" hangingPunct="1">
+              <a:spcBef>
+                <a:spcPts val="1000"/>
+              </a:spcBef>
+              <a:spcAft>
+                <a:spcPts val="0"/>
+              </a:spcAft>
+              <a:buClr>
+                <a:schemeClr val="accent1"/>
+              </a:buClr>
+              <a:buSzPct val="80000"/>
+              <a:buFont typeface="Wingdings 3" charset="2"/>
+              <a:buChar char=""/>
+              <a:defRPr kumimoji="1" sz="1200" kern="1200">
+                <a:solidFill>
+                  <a:schemeClr val="tx1">
+                    <a:lumMod val="75000"/>
+                    <a:lumOff val="25000"/>
+                  </a:schemeClr>
+                </a:solidFill>
+                <a:latin typeface="+mn-lt"/>
+                <a:ea typeface="+mn-ea"/>
+                <a:cs typeface="+mn-cs"/>
+              </a:defRPr>
+            </a:lvl7pPr>
+            <a:lvl8pPr marL="3429000" indent="-228600" algn="l" defTabSz="457200" rtl="0" eaLnBrk="1" latinLnBrk="0" hangingPunct="1">
+              <a:spcBef>
+                <a:spcPts val="1000"/>
+              </a:spcBef>
+              <a:spcAft>
+                <a:spcPts val="0"/>
+              </a:spcAft>
+              <a:buClr>
+                <a:schemeClr val="accent1"/>
+              </a:buClr>
+              <a:buSzPct val="80000"/>
+              <a:buFont typeface="Wingdings 3" charset="2"/>
+              <a:buChar char=""/>
+              <a:defRPr kumimoji="1" sz="1200" kern="1200">
+                <a:solidFill>
+                  <a:schemeClr val="tx1">
+                    <a:lumMod val="75000"/>
+                    <a:lumOff val="25000"/>
+                  </a:schemeClr>
+                </a:solidFill>
+                <a:latin typeface="+mn-lt"/>
+                <a:ea typeface="+mn-ea"/>
+                <a:cs typeface="+mn-cs"/>
+              </a:defRPr>
+            </a:lvl8pPr>
+            <a:lvl9pPr marL="3886200" indent="-228600" algn="l" defTabSz="457200" rtl="0" eaLnBrk="1" latinLnBrk="0" hangingPunct="1">
+              <a:spcBef>
+                <a:spcPts val="1000"/>
+              </a:spcBef>
+              <a:spcAft>
+                <a:spcPts val="0"/>
+              </a:spcAft>
+              <a:buClr>
+                <a:schemeClr val="accent1"/>
+              </a:buClr>
+              <a:buSzPct val="80000"/>
+              <a:buFont typeface="Wingdings 3" charset="2"/>
+              <a:buChar char=""/>
+              <a:defRPr kumimoji="1" sz="1200" kern="1200">
+                <a:solidFill>
+                  <a:schemeClr val="tx1">
+                    <a:lumMod val="75000"/>
+                    <a:lumOff val="25000"/>
+                  </a:schemeClr>
+                </a:solidFill>
+                <a:latin typeface="+mn-lt"/>
+                <a:ea typeface="+mn-ea"/>
+                <a:cs typeface="+mn-cs"/>
+              </a:defRPr>
+            </a:lvl9pPr>
+          </a:lstStyle>
+          <a:p>
+            <a:pPr marL="0" indent="0">
+              <a:buNone/>
+            </a:pPr>
+            <a:r>
+              <a:rPr lang="en-US" altLang="ja-JP" dirty="0">
+                <a:latin typeface="HGPｺﾞｼｯｸE" panose="020B0900000000000000" pitchFamily="50" charset="-128"/>
+                <a:ea typeface="HGPｺﾞｼｯｸE" panose="020B0900000000000000" pitchFamily="50" charset="-128"/>
+              </a:rPr>
+              <a:t>	【</a:t>
+            </a:r>
+            <a:r>
+              <a:rPr lang="ja-JP" altLang="en-US" dirty="0">
+                <a:latin typeface="HGPｺﾞｼｯｸE" panose="020B0900000000000000" pitchFamily="50" charset="-128"/>
+                <a:ea typeface="HGPｺﾞｼｯｸE" panose="020B0900000000000000" pitchFamily="50" charset="-128"/>
+              </a:rPr>
+              <a:t>デメリット</a:t>
+            </a:r>
+            <a:r>
+              <a:rPr lang="en-US" altLang="ja-JP" dirty="0">
+                <a:latin typeface="HGPｺﾞｼｯｸE" panose="020B0900000000000000" pitchFamily="50" charset="-128"/>
+                <a:ea typeface="HGPｺﾞｼｯｸE" panose="020B0900000000000000" pitchFamily="50" charset="-128"/>
+              </a:rPr>
+              <a:t>】</a:t>
+            </a:r>
+          </a:p>
+          <a:p>
+            <a:pPr>
+              <a:buFont typeface="Wingdings" panose="05000000000000000000" pitchFamily="2" charset="2"/>
+              <a:buChar char="n"/>
+            </a:pPr>
+            <a:r>
+              <a:rPr lang="ja-JP" altLang="en-US" dirty="0">
+                <a:latin typeface="HGPｺﾞｼｯｸE" panose="020B0900000000000000" pitchFamily="50" charset="-128"/>
+                <a:ea typeface="HGPｺﾞｼｯｸE" panose="020B0900000000000000" pitchFamily="50" charset="-128"/>
+              </a:rPr>
+              <a:t>型指定に型推論が使えないところ。</a:t>
+            </a:r>
+            <a:endParaRPr lang="en-US" altLang="ja-JP" dirty="0">
+              <a:latin typeface="HGPｺﾞｼｯｸE" panose="020B0900000000000000" pitchFamily="50" charset="-128"/>
+              <a:ea typeface="HGPｺﾞｼｯｸE" panose="020B0900000000000000" pitchFamily="50" charset="-128"/>
+            </a:endParaRPr>
+          </a:p>
+          <a:p>
+            <a:pPr>
+              <a:buFont typeface="Wingdings" panose="05000000000000000000" pitchFamily="2" charset="2"/>
+              <a:buChar char="n"/>
+            </a:pPr>
+            <a:r>
+              <a:rPr lang="ja-JP" altLang="en-US" dirty="0">
+                <a:latin typeface="HGPｺﾞｼｯｸE" panose="020B0900000000000000" pitchFamily="50" charset="-128"/>
+                <a:ea typeface="HGPｺﾞｼｯｸE" panose="020B0900000000000000" pitchFamily="50" charset="-128"/>
+              </a:rPr>
+              <a:t>一歩間違えると動作未定義なダックタイピングと化す。</a:t>
+            </a:r>
+            <a:endParaRPr lang="en-US" altLang="ja-JP" dirty="0">
+              <a:latin typeface="HGPｺﾞｼｯｸE" panose="020B0900000000000000" pitchFamily="50" charset="-128"/>
+              <a:ea typeface="HGPｺﾞｼｯｸE" panose="020B0900000000000000" pitchFamily="50" charset="-128"/>
+            </a:endParaRPr>
+          </a:p>
+        </p:txBody>
+      </p:sp>
+    </p:spTree>
+    <p:extLst>
+      <p:ext uri="{BB962C8B-B14F-4D97-AF65-F5344CB8AC3E}">
+        <p14:creationId xmlns:p14="http://schemas.microsoft.com/office/powerpoint/2010/main" val="1256950950"/>
+      </p:ext>
+    </p:extLst>
+  </p:cSld>
+  <p:clrMapOvr>
+    <a:masterClrMapping/>
+  </p:clrMapOvr>
+</p:sld>
+</file>
+
+<file path=ppt/slides/slide22.xml><?xml version="1.0" encoding="utf-8"?>
+<p:sld xmlns:a="http://schemas.openxmlformats.org/drawingml/2006/main" xmlns:r="http://schemas.openxmlformats.org/officeDocument/2006/relationships" xmlns:p="http://schemas.openxmlformats.org/presentationml/2006/main">
+  <p:cSld>
+    <p:spTree>
+      <p:nvGrpSpPr>
+        <p:cNvPr id="1" name=""/>
+        <p:cNvGrpSpPr/>
+        <p:nvPr/>
+      </p:nvGrpSpPr>
+      <p:grpSpPr>
+        <a:xfrm>
+          <a:off x="0" y="0"/>
+          <a:ext cx="0" cy="0"/>
+          <a:chOff x="0" y="0"/>
+          <a:chExt cx="0" cy="0"/>
+        </a:xfrm>
+      </p:grpSpPr>
+      <p:sp>
+        <p:nvSpPr>
+          <p:cNvPr id="2" name="タイトル 1">
+            <a:extLst>
+              <a:ext uri="{FF2B5EF4-FFF2-40B4-BE49-F238E27FC236}">
+                <a16:creationId xmlns:a16="http://schemas.microsoft.com/office/drawing/2014/main" id="{9AC4CA10-E254-4F92-B025-7DEDF16B07E5}"/>
+              </a:ext>
+            </a:extLst>
+          </p:cNvPr>
+          <p:cNvSpPr>
+            <a:spLocks noGrp="1"/>
+          </p:cNvSpPr>
+          <p:nvPr>
+            <p:ph type="title"/>
+          </p:nvPr>
+        </p:nvSpPr>
+        <p:spPr>
+          <a:xfrm>
+            <a:off x="1218871" y="2768600"/>
+            <a:ext cx="8596668" cy="1320800"/>
+          </a:xfrm>
+        </p:spPr>
+        <p:txBody>
+          <a:bodyPr anchor="ctr"/>
+          <a:lstStyle/>
+          <a:p>
+            <a:pPr algn="ctr"/>
+            <a:r>
+              <a:rPr kumimoji="1" lang="ja-JP" altLang="en-US" dirty="0">
+                <a:latin typeface="HGPｺﾞｼｯｸE" panose="020B0900000000000000" pitchFamily="50" charset="-128"/>
+                <a:ea typeface="HGPｺﾞｼｯｸE" panose="020B0900000000000000" pitchFamily="50" charset="-128"/>
+              </a:rPr>
+              <a:t>サンプルコード解説</a:t>
+            </a:r>
+          </a:p>
+        </p:txBody>
+      </p:sp>
+    </p:spTree>
+    <p:extLst>
+      <p:ext uri="{BB962C8B-B14F-4D97-AF65-F5344CB8AC3E}">
+        <p14:creationId xmlns:p14="http://schemas.microsoft.com/office/powerpoint/2010/main" val="3122165937"/>
+      </p:ext>
+    </p:extLst>
+  </p:cSld>
+  <p:clrMapOvr>
+    <a:masterClrMapping/>
+  </p:clrMapOvr>
+</p:sld>
+</file>
+
+<file path=ppt/slides/slide23.xml><?xml version="1.0" encoding="utf-8"?>
+<p:sld xmlns:a="http://schemas.openxmlformats.org/drawingml/2006/main" xmlns:r="http://schemas.openxmlformats.org/officeDocument/2006/relationships" xmlns:p="http://schemas.openxmlformats.org/presentationml/2006/main">
+  <p:cSld>
+    <p:spTree>
+      <p:nvGrpSpPr>
+        <p:cNvPr id="1" name=""/>
+        <p:cNvGrpSpPr/>
+        <p:nvPr/>
+      </p:nvGrpSpPr>
+      <p:grpSpPr>
+        <a:xfrm>
+          <a:off x="0" y="0"/>
+          <a:ext cx="0" cy="0"/>
+          <a:chOff x="0" y="0"/>
+          <a:chExt cx="0" cy="0"/>
+        </a:xfrm>
+      </p:grpSpPr>
+      <p:sp>
+        <p:nvSpPr>
+          <p:cNvPr id="2" name="タイトル 1">
+            <a:extLst>
+              <a:ext uri="{FF2B5EF4-FFF2-40B4-BE49-F238E27FC236}">
+                <a16:creationId xmlns:a16="http://schemas.microsoft.com/office/drawing/2014/main" id="{845CC576-B1EE-40BF-9D53-4960A82271C2}"/>
+              </a:ext>
+            </a:extLst>
+          </p:cNvPr>
+          <p:cNvSpPr>
+            <a:spLocks noGrp="1"/>
+          </p:cNvSpPr>
+          <p:nvPr>
+            <p:ph type="title"/>
+          </p:nvPr>
+        </p:nvSpPr>
+        <p:spPr/>
+        <p:txBody>
+          <a:bodyPr anchor="ctr"/>
+          <a:lstStyle/>
+          <a:p>
+            <a:r>
+              <a:rPr lang="en-US" altLang="ja-JP" dirty="0">
+                <a:latin typeface="HGPｺﾞｼｯｸE" panose="020B0900000000000000" pitchFamily="50" charset="-128"/>
+                <a:ea typeface="HGPｺﾞｼｯｸE" panose="020B0900000000000000" pitchFamily="50" charset="-128"/>
+              </a:rPr>
               <a:t>3.</a:t>
             </a:r>
             <a:r>
